--- a/Lectures/Lecture 3/Lecture 3 [Draft 2b].pptx
+++ b/Lectures/Lecture 3/Lecture 3 [Draft 2b].pptx
@@ -10579,7 +10579,7 @@
           <a:p>
             <a:fld id="{9719804D-A8D5-49D4-9184-A2855715784B}" type="datetimeFigureOut">
               <a:rPr lang="en-US" smtClean="0"/>
-              <a:t>11/28/2023</a:t>
+              <a:t>11/30/2023</a:t>
             </a:fld>
             <a:endParaRPr lang="en-US"/>
           </a:p>
@@ -11254,7 +11254,7 @@
           </a:p>
           <a:p>
             <a:pPr algn="l"/>
-            <a:endParaRPr lang="en-US" b="0" i="0">
+            <a:endParaRPr lang="en-US" b="0" i="0" dirty="0">
               <a:solidFill>
                 <a:srgbClr val="D1D5DB"/>
               </a:solidFill>
@@ -11402,7 +11402,13 @@
           <a:p>
             <a:r>
               <a:rPr lang="en-US" sz="1200" dirty="0"/>
-              <a:t>So now that we have explored the potential that AI can bring to this phase, we must also discuss some of its challenges</a:t>
+              <a:t>So now that we have explored the potential that AI can bring to this phase,</a:t>
+            </a:r>
+          </a:p>
+          <a:p>
+            <a:r>
+              <a:rPr lang="en-US" sz="1200" dirty="0"/>
+              <a:t>we must also discuss some of the challenges than can come with AI</a:t>
             </a:r>
           </a:p>
           <a:p>
@@ -11466,17 +11472,7 @@
                 <a:effectLst/>
                 <a:latin typeface="Söhne"/>
               </a:rPr>
-              <a:t>it's crucial to ensure that user data is handled responsibly and </a:t>
-            </a:r>
-          </a:p>
-          <a:p>
-            <a:pPr algn="l"/>
-            <a:r>
-              <a:rPr lang="en-US" sz="1200" b="0" i="0" dirty="0">
-                <a:effectLst/>
-                <a:latin typeface="Söhne"/>
-              </a:rPr>
-              <a:t>Is in compliance with privacy regulations. </a:t>
+              <a:t>it's crucial to ensure that user data is handled responsibly and is in compliance with privacy regulations. </a:t>
             </a:r>
           </a:p>
           <a:p>
@@ -11505,10 +11501,33 @@
           </a:p>
           <a:p>
             <a:pPr algn="l"/>
-            <a:endParaRPr lang="en-US" sz="1200" b="0" i="0" dirty="0">
-              <a:effectLst/>
-              <a:latin typeface="Söhne"/>
-            </a:endParaRPr>
+            <a:r>
+              <a:rPr lang="en-US" sz="1200" b="0" i="0" dirty="0">
+                <a:effectLst/>
+                <a:latin typeface="Söhne"/>
+              </a:rPr>
+              <a:t>Also, we also have to consider that,</a:t>
+            </a:r>
+          </a:p>
+          <a:p>
+            <a:pPr algn="l"/>
+            <a:r>
+              <a:rPr lang="en-US" sz="1200" b="0" i="0" dirty="0">
+                <a:effectLst/>
+                <a:latin typeface="Söhne"/>
+              </a:rPr>
+              <a:t>While their primary purpose is to identify vulnerabilities and enhance security,</a:t>
+            </a:r>
+          </a:p>
+          <a:p>
+            <a:pPr algn="l"/>
+            <a:r>
+              <a:rPr lang="en-US" sz="1200" b="0" i="0" dirty="0">
+                <a:effectLst/>
+                <a:latin typeface="Söhne"/>
+              </a:rPr>
+              <a:t>there is the risk of these tools being exploited for malicious intent. </a:t>
+            </a:r>
           </a:p>
           <a:p>
             <a:pPr algn="l"/>
@@ -11524,8 +11543,22 @@
                 <a:effectLst/>
                 <a:latin typeface="Söhne"/>
               </a:rPr>
-              <a:t>And we also have to consider that While their primary purpose is to identify vulnerabilities and enhance security, there is the risk of these tools being exploited for malicious intent. Striking a balance between providing robust security measures and preventing misuse is essential.</a:t>
-            </a:r>
+              <a:t>So, Striking a balance between providing robust security measures and preventing misuse is essential.</a:t>
+            </a:r>
+          </a:p>
+          <a:p>
+            <a:pPr algn="l"/>
+            <a:endParaRPr lang="en-US" sz="1200" b="0" i="0" dirty="0">
+              <a:effectLst/>
+              <a:latin typeface="Söhne"/>
+            </a:endParaRPr>
+          </a:p>
+          <a:p>
+            <a:pPr algn="l"/>
+            <a:endParaRPr lang="en-US" sz="1200" b="0" i="0" dirty="0">
+              <a:effectLst/>
+              <a:latin typeface="Söhne"/>
+            </a:endParaRPr>
           </a:p>
           <a:p>
             <a:pPr marL="0" marR="0" lvl="0" indent="0" algn="l" defTabSz="914400" rtl="0" eaLnBrk="1" fontAlgn="auto" latinLnBrk="0" hangingPunct="1">
@@ -11550,7 +11583,235 @@
                 <a:effectLst/>
                 <a:latin typeface="Söhne"/>
               </a:rPr>
-              <a:t>And what about accountability for the decisions made by AI systems? When humans act unethical we can hold them responsible, but if the human element can be removed entirely, who and how would we hold the responsible accountable? Who would we consider responsible? In the event of an error or misinterpretation, establishing responsibility becomes challenging. So as these tools get closer to becoming ‘</a:t>
+              <a:t>And what about accountability for the decisions made by AI systems? </a:t>
+            </a:r>
+          </a:p>
+          <a:p>
+            <a:pPr marL="0" marR="0" lvl="0" indent="0" algn="l" defTabSz="914400" rtl="0" eaLnBrk="1" fontAlgn="auto" latinLnBrk="0" hangingPunct="1">
+              <a:lnSpc>
+                <a:spcPct val="100000"/>
+              </a:lnSpc>
+              <a:spcBef>
+                <a:spcPts val="0"/>
+              </a:spcBef>
+              <a:spcAft>
+                <a:spcPts val="0"/>
+              </a:spcAft>
+              <a:buClrTx/>
+              <a:buSzTx/>
+              <a:buFontTx/>
+              <a:buNone/>
+              <a:tabLst/>
+              <a:defRPr/>
+            </a:pPr>
+            <a:r>
+              <a:rPr lang="en-US" sz="1200" b="0" i="0" dirty="0">
+                <a:effectLst/>
+                <a:latin typeface="Söhne"/>
+              </a:rPr>
+              <a:t>When humans act unethical we can hold them responsible, </a:t>
+            </a:r>
+          </a:p>
+          <a:p>
+            <a:pPr marL="0" marR="0" lvl="0" indent="0" algn="l" defTabSz="914400" rtl="0" eaLnBrk="1" fontAlgn="auto" latinLnBrk="0" hangingPunct="1">
+              <a:lnSpc>
+                <a:spcPct val="100000"/>
+              </a:lnSpc>
+              <a:spcBef>
+                <a:spcPts val="0"/>
+              </a:spcBef>
+              <a:spcAft>
+                <a:spcPts val="0"/>
+              </a:spcAft>
+              <a:buClrTx/>
+              <a:buSzTx/>
+              <a:buFontTx/>
+              <a:buNone/>
+              <a:tabLst/>
+              <a:defRPr/>
+            </a:pPr>
+            <a:r>
+              <a:rPr lang="en-US" sz="1200" b="0" i="0" dirty="0">
+                <a:effectLst/>
+                <a:latin typeface="Söhne"/>
+              </a:rPr>
+              <a:t>but if the human element can be removed entirely, </a:t>
+            </a:r>
+          </a:p>
+          <a:p>
+            <a:pPr marL="0" marR="0" lvl="0" indent="0" algn="l" defTabSz="914400" rtl="0" eaLnBrk="1" fontAlgn="auto" latinLnBrk="0" hangingPunct="1">
+              <a:lnSpc>
+                <a:spcPct val="100000"/>
+              </a:lnSpc>
+              <a:spcBef>
+                <a:spcPts val="0"/>
+              </a:spcBef>
+              <a:spcAft>
+                <a:spcPts val="0"/>
+              </a:spcAft>
+              <a:buClrTx/>
+              <a:buSzTx/>
+              <a:buFontTx/>
+              <a:buNone/>
+              <a:tabLst/>
+              <a:defRPr/>
+            </a:pPr>
+            <a:r>
+              <a:rPr lang="en-US" sz="1200" b="0" i="0" dirty="0">
+                <a:effectLst/>
+                <a:latin typeface="Söhne"/>
+              </a:rPr>
+              <a:t>who and how would we hold the responsible accountable?</a:t>
+            </a:r>
+          </a:p>
+          <a:p>
+            <a:pPr marL="0" marR="0" lvl="0" indent="0" algn="l" defTabSz="914400" rtl="0" eaLnBrk="1" fontAlgn="auto" latinLnBrk="0" hangingPunct="1">
+              <a:lnSpc>
+                <a:spcPct val="100000"/>
+              </a:lnSpc>
+              <a:spcBef>
+                <a:spcPts val="0"/>
+              </a:spcBef>
+              <a:spcAft>
+                <a:spcPts val="0"/>
+              </a:spcAft>
+              <a:buClrTx/>
+              <a:buSzTx/>
+              <a:buFontTx/>
+              <a:buNone/>
+              <a:tabLst/>
+              <a:defRPr/>
+            </a:pPr>
+            <a:endParaRPr lang="en-US" sz="1200" b="0" i="0" dirty="0">
+              <a:effectLst/>
+              <a:latin typeface="Söhne"/>
+            </a:endParaRPr>
+          </a:p>
+          <a:p>
+            <a:pPr marL="0" marR="0" lvl="0" indent="0" algn="l" defTabSz="914400" rtl="0" eaLnBrk="1" fontAlgn="auto" latinLnBrk="0" hangingPunct="1">
+              <a:lnSpc>
+                <a:spcPct val="100000"/>
+              </a:lnSpc>
+              <a:spcBef>
+                <a:spcPts val="0"/>
+              </a:spcBef>
+              <a:spcAft>
+                <a:spcPts val="0"/>
+              </a:spcAft>
+              <a:buClrTx/>
+              <a:buSzTx/>
+              <a:buFontTx/>
+              <a:buNone/>
+              <a:tabLst/>
+              <a:defRPr/>
+            </a:pPr>
+            <a:r>
+              <a:rPr lang="en-US" sz="1200" b="0" i="0" dirty="0">
+                <a:effectLst/>
+                <a:latin typeface="Söhne"/>
+              </a:rPr>
+              <a:t>Who would we consider responsible? </a:t>
+            </a:r>
+          </a:p>
+          <a:p>
+            <a:pPr marL="0" marR="0" lvl="0" indent="0" algn="l" defTabSz="914400" rtl="0" eaLnBrk="1" fontAlgn="auto" latinLnBrk="0" hangingPunct="1">
+              <a:lnSpc>
+                <a:spcPct val="100000"/>
+              </a:lnSpc>
+              <a:spcBef>
+                <a:spcPts val="0"/>
+              </a:spcBef>
+              <a:spcAft>
+                <a:spcPts val="0"/>
+              </a:spcAft>
+              <a:buClrTx/>
+              <a:buSzTx/>
+              <a:buFontTx/>
+              <a:buNone/>
+              <a:tabLst/>
+              <a:defRPr/>
+            </a:pPr>
+            <a:r>
+              <a:rPr lang="en-US" sz="1200" b="0" i="0" dirty="0">
+                <a:effectLst/>
+                <a:latin typeface="Söhne"/>
+              </a:rPr>
+              <a:t>In the event of an error or misinterpretation, </a:t>
+            </a:r>
+          </a:p>
+          <a:p>
+            <a:pPr marL="0" marR="0" lvl="0" indent="0" algn="l" defTabSz="914400" rtl="0" eaLnBrk="1" fontAlgn="auto" latinLnBrk="0" hangingPunct="1">
+              <a:lnSpc>
+                <a:spcPct val="100000"/>
+              </a:lnSpc>
+              <a:spcBef>
+                <a:spcPts val="0"/>
+              </a:spcBef>
+              <a:spcAft>
+                <a:spcPts val="0"/>
+              </a:spcAft>
+              <a:buClrTx/>
+              <a:buSzTx/>
+              <a:buFontTx/>
+              <a:buNone/>
+              <a:tabLst/>
+              <a:defRPr/>
+            </a:pPr>
+            <a:r>
+              <a:rPr lang="en-US" sz="1200" b="0" i="0" dirty="0">
+                <a:effectLst/>
+                <a:latin typeface="Söhne"/>
+              </a:rPr>
+              <a:t>establishing responsibility becomes challenging. </a:t>
+            </a:r>
+          </a:p>
+          <a:p>
+            <a:pPr marL="0" marR="0" lvl="0" indent="0" algn="l" defTabSz="914400" rtl="0" eaLnBrk="1" fontAlgn="auto" latinLnBrk="0" hangingPunct="1">
+              <a:lnSpc>
+                <a:spcPct val="100000"/>
+              </a:lnSpc>
+              <a:spcBef>
+                <a:spcPts val="0"/>
+              </a:spcBef>
+              <a:spcAft>
+                <a:spcPts val="0"/>
+              </a:spcAft>
+              <a:buClrTx/>
+              <a:buSzTx/>
+              <a:buFontTx/>
+              <a:buNone/>
+              <a:tabLst/>
+              <a:defRPr/>
+            </a:pPr>
+            <a:endParaRPr lang="en-US" sz="1200" b="0" i="0" dirty="0">
+              <a:effectLst/>
+              <a:latin typeface="Söhne"/>
+            </a:endParaRPr>
+          </a:p>
+          <a:p>
+            <a:pPr marL="0" marR="0" lvl="0" indent="0" algn="l" defTabSz="914400" rtl="0" eaLnBrk="1" fontAlgn="auto" latinLnBrk="0" hangingPunct="1">
+              <a:lnSpc>
+                <a:spcPct val="100000"/>
+              </a:lnSpc>
+              <a:spcBef>
+                <a:spcPts val="0"/>
+              </a:spcBef>
+              <a:spcAft>
+                <a:spcPts val="0"/>
+              </a:spcAft>
+              <a:buClrTx/>
+              <a:buSzTx/>
+              <a:buFontTx/>
+              <a:buNone/>
+              <a:tabLst/>
+              <a:defRPr/>
+            </a:pPr>
+            <a:r>
+              <a:rPr lang="en-US" sz="1200" b="0" i="0" dirty="0">
+                <a:effectLst/>
+                <a:latin typeface="Söhne"/>
+              </a:rPr>
+              <a:t>So as these tools get closer to becoming ‘</a:t>
             </a:r>
             <a:r>
               <a:rPr lang="en-US" sz="1200" i="0" dirty="0"/>
@@ -11561,7 +11822,33 @@
                 <a:effectLst/>
                 <a:latin typeface="Söhne"/>
               </a:rPr>
-              <a:t>  AI’, we need to Ensure that there are clear lines of accountability</a:t>
+              <a:t>  AI’, </a:t>
+            </a:r>
+          </a:p>
+          <a:p>
+            <a:pPr marL="0" marR="0" lvl="0" indent="0" algn="l" defTabSz="914400" rtl="0" eaLnBrk="1" fontAlgn="auto" latinLnBrk="0" hangingPunct="1">
+              <a:lnSpc>
+                <a:spcPct val="100000"/>
+              </a:lnSpc>
+              <a:spcBef>
+                <a:spcPts val="0"/>
+              </a:spcBef>
+              <a:spcAft>
+                <a:spcPts val="0"/>
+              </a:spcAft>
+              <a:buClrTx/>
+              <a:buSzTx/>
+              <a:buFontTx/>
+              <a:buNone/>
+              <a:tabLst/>
+              <a:defRPr/>
+            </a:pPr>
+            <a:r>
+              <a:rPr lang="en-US" sz="1200" b="0" i="0" dirty="0">
+                <a:effectLst/>
+                <a:latin typeface="Söhne"/>
+              </a:rPr>
+              <a:t>we need to Ensure that there are clear lines of accountability</a:t>
             </a:r>
           </a:p>
           <a:p>
@@ -11606,7 +11893,31 @@
                 <a:effectLst/>
                 <a:latin typeface="Söhne"/>
               </a:rPr>
-              <a:t>Its also important that we remain aware of the potential for unintended bias, where systems unintentionally favor certain groups or exhibit unfair preferences. This can happen for many reasons, but is often a result of biased training data. This is becoming increasingly prevalent because, as humans, we introduce bias into the information we share online. So for AI tools that rely on web crawling or public information are more susceptible to inheriting these biases. </a:t>
+              <a:t>Its also important that we remain aware of the potential for unintended bias, </a:t>
+            </a:r>
+          </a:p>
+          <a:p>
+            <a:pPr algn="l"/>
+            <a:r>
+              <a:rPr lang="en-US" sz="1200" b="0" i="0" dirty="0">
+                <a:effectLst/>
+                <a:latin typeface="Söhne"/>
+              </a:rPr>
+              <a:t>This is seen in </a:t>
+            </a:r>
+            <a:r>
+              <a:rPr lang="en-US" sz="1200" b="0" i="0" dirty="0" err="1">
+                <a:effectLst/>
+                <a:latin typeface="Söhne"/>
+              </a:rPr>
+              <a:t>sitatuations</a:t>
+            </a:r>
+            <a:r>
+              <a:rPr lang="en-US" sz="1200" b="0" i="0" dirty="0">
+                <a:effectLst/>
+                <a:latin typeface="Söhne"/>
+              </a:rPr>
+              <a:t> where systems unintentionally favor certain groups or exhibit unfair preferences. </a:t>
             </a:r>
           </a:p>
           <a:p>
@@ -11620,13 +11931,156 @@
             <a:pPr algn="l"/>
             <a:r>
               <a:rPr lang="en-US" sz="1200" b="0" i="0" dirty="0">
+                <a:effectLst/>
+                <a:latin typeface="Söhne"/>
+              </a:rPr>
+              <a:t>This can happen for many reasons,</a:t>
+            </a:r>
+          </a:p>
+          <a:p>
+            <a:pPr algn="l"/>
+            <a:r>
+              <a:rPr lang="en-US" sz="1200" b="0" i="0" dirty="0">
+                <a:effectLst/>
+                <a:latin typeface="Söhne"/>
+              </a:rPr>
+              <a:t>but is often a result of biased training data. </a:t>
+            </a:r>
+          </a:p>
+          <a:p>
+            <a:pPr algn="l"/>
+            <a:endParaRPr lang="en-US" sz="1200" b="0" i="0" dirty="0">
+              <a:effectLst/>
+              <a:latin typeface="Söhne"/>
+            </a:endParaRPr>
+          </a:p>
+          <a:p>
+            <a:pPr algn="l"/>
+            <a:r>
+              <a:rPr lang="en-US" sz="1200" b="0" i="0" dirty="0">
+                <a:effectLst/>
+                <a:latin typeface="Söhne"/>
+              </a:rPr>
+              <a:t>This is becoming increasingly prevalent because, as humans, </a:t>
+            </a:r>
+          </a:p>
+          <a:p>
+            <a:pPr algn="l"/>
+            <a:r>
+              <a:rPr lang="en-US" sz="1200" b="0" i="0" dirty="0">
+                <a:effectLst/>
+                <a:latin typeface="Söhne"/>
+              </a:rPr>
+              <a:t>we introduce bias into the information we share online. </a:t>
+            </a:r>
+          </a:p>
+          <a:p>
+            <a:pPr algn="l"/>
+            <a:endParaRPr lang="en-US" sz="1200" b="0" i="0" dirty="0">
+              <a:effectLst/>
+              <a:latin typeface="Söhne"/>
+            </a:endParaRPr>
+          </a:p>
+          <a:p>
+            <a:pPr algn="l"/>
+            <a:r>
+              <a:rPr lang="en-US" sz="1200" b="0" i="0" dirty="0">
+                <a:effectLst/>
+                <a:latin typeface="Söhne"/>
+              </a:rPr>
+              <a:t>So for AI tools that rely on web crawling or public information are more susceptible to inheriting these biases. </a:t>
+            </a:r>
+          </a:p>
+          <a:p>
+            <a:pPr algn="l"/>
+            <a:endParaRPr lang="en-US" sz="1200" b="0" i="0" dirty="0">
+              <a:effectLst/>
+              <a:latin typeface="Söhne"/>
+            </a:endParaRPr>
+          </a:p>
+          <a:p>
+            <a:pPr algn="l"/>
+            <a:r>
+              <a:rPr lang="en-US" sz="1200" b="0" i="0" dirty="0">
                 <a:solidFill>
                   <a:srgbClr val="ECECF1"/>
                 </a:solidFill>
                 <a:effectLst/>
                 <a:latin typeface="Söhne"/>
               </a:rPr>
-              <a:t>In the context of scanning tools, unintended bias poses a significant risk. If the tool's training data is biased, it may lead to unfair treatment or discrimination in the identification of vulnerabilities. For instance, certain groups or systems might be disproportionately flagged as potential risks, creating an inaccurate and potentially harmful assessments.</a:t>
+              <a:t>In the context of scanning tools, </a:t>
+            </a:r>
+          </a:p>
+          <a:p>
+            <a:pPr algn="l"/>
+            <a:r>
+              <a:rPr lang="en-US" sz="1200" b="0" i="0" dirty="0">
+                <a:solidFill>
+                  <a:srgbClr val="ECECF1"/>
+                </a:solidFill>
+                <a:effectLst/>
+                <a:latin typeface="Söhne"/>
+              </a:rPr>
+              <a:t>unintended bias poses a significant risk.</a:t>
+            </a:r>
+          </a:p>
+          <a:p>
+            <a:pPr algn="l"/>
+            <a:endParaRPr lang="en-US" sz="1200" b="0" i="0" dirty="0">
+              <a:solidFill>
+                <a:srgbClr val="ECECF1"/>
+              </a:solidFill>
+              <a:effectLst/>
+              <a:latin typeface="Söhne"/>
+            </a:endParaRPr>
+          </a:p>
+          <a:p>
+            <a:pPr algn="l"/>
+            <a:r>
+              <a:rPr lang="en-US" sz="1200" b="0" i="0" dirty="0">
+                <a:solidFill>
+                  <a:srgbClr val="ECECF1"/>
+                </a:solidFill>
+                <a:effectLst/>
+                <a:latin typeface="Söhne"/>
+              </a:rPr>
+              <a:t> If the tool's training data is biased, </a:t>
+            </a:r>
+          </a:p>
+          <a:p>
+            <a:pPr algn="l"/>
+            <a:r>
+              <a:rPr lang="en-US" sz="1200" b="0" i="0" dirty="0">
+                <a:solidFill>
+                  <a:srgbClr val="ECECF1"/>
+                </a:solidFill>
+                <a:effectLst/>
+                <a:latin typeface="Söhne"/>
+              </a:rPr>
+              <a:t>it may lead to unfair treatment or discrimination in the identification of vulnerabilities. </a:t>
+            </a:r>
+          </a:p>
+          <a:p>
+            <a:pPr algn="l"/>
+            <a:endParaRPr lang="en-US" sz="1200" b="0" i="0" dirty="0">
+              <a:solidFill>
+                <a:srgbClr val="ECECF1"/>
+              </a:solidFill>
+              <a:effectLst/>
+              <a:latin typeface="Söhne"/>
+            </a:endParaRPr>
+          </a:p>
+          <a:p>
+            <a:pPr algn="l"/>
+            <a:r>
+              <a:rPr lang="en-US" sz="1200" b="0" i="0" dirty="0">
+                <a:solidFill>
+                  <a:srgbClr val="ECECF1"/>
+                </a:solidFill>
+                <a:effectLst/>
+                <a:latin typeface="Söhne"/>
+              </a:rPr>
+              <a:t>For instance, certain groups or systems might be disproportionately flagged as potential risks, creating an inaccurate and potentially harmful assessments.</a:t>
             </a:r>
             <a:endParaRPr lang="en-US" sz="1200" b="0" i="0" dirty="0">
               <a:effectLst/>
@@ -11669,7 +12123,22 @@
                 <a:ea typeface="+mn-ea"/>
                 <a:cs typeface="+mn-cs"/>
               </a:rPr>
-              <a:t>And lastly, we must consider technical challenges in implementing AI-powered scanning. For example, consider th</a:t>
+              <a:t>And lastly, we must consider technical challenges in implementing AI-powered scanning. </a:t>
+            </a:r>
+          </a:p>
+          <a:p>
+            <a:pPr algn="l"/>
+            <a:r>
+              <a:rPr lang="en-US" sz="1200" b="0" i="1" kern="1200" dirty="0">
+                <a:solidFill>
+                  <a:schemeClr val="tx1"/>
+                </a:solidFill>
+                <a:effectLst/>
+                <a:latin typeface="Söhne"/>
+                <a:ea typeface="+mn-ea"/>
+                <a:cs typeface="+mn-cs"/>
+              </a:rPr>
+              <a:t>For example, consider th</a:t>
             </a:r>
             <a:r>
               <a:rPr lang="en-US" sz="1200" b="0" i="0" dirty="0">
@@ -11679,7 +12148,7 @@
                 <a:effectLst/>
                 <a:latin typeface="Söhne"/>
               </a:rPr>
-              <a:t>e complexity of certain environments. AI scanning tools may face challenges in comprehending intricate network structures or sophisticated web applications, impacting their ability to provide thorough and precise assessments. The dynamic nature of cybersecurity threats requires scanning tools to adapt rapidly, and technical limitations may hinder this.</a:t>
+              <a:t>e complexity of certain environments. </a:t>
             </a:r>
           </a:p>
           <a:p>
@@ -11702,27 +12171,20 @@
                 <a:effectLst/>
                 <a:latin typeface="Söhne"/>
               </a:rPr>
-              <a:t>Not to mention, the scale of data that AI scanning tools process can be overwhelming. Large-scale scans generate </a:t>
-            </a:r>
-            <a:r>
-              <a:rPr lang="en-US" sz="1200" b="0" i="1" u="sng" dirty="0">
+              <a:t>AI scanning tools may face challenges in comprehending intricate network structures or sophisticated web applications, </a:t>
+            </a:r>
+          </a:p>
+          <a:p>
+            <a:pPr algn="l"/>
+            <a:r>
+              <a:rPr lang="en-US" sz="1200" b="0" i="0" dirty="0">
                 <a:solidFill>
                   <a:srgbClr val="FFFFFF"/>
                 </a:solidFill>
                 <a:effectLst/>
                 <a:latin typeface="Söhne"/>
               </a:rPr>
-              <a:t>vast</a:t>
-            </a:r>
-            <a:r>
-              <a:rPr lang="en-US" sz="1200" b="0" i="0" dirty="0">
-                <a:solidFill>
-                  <a:srgbClr val="FFFFFF"/>
-                </a:solidFill>
-                <a:effectLst/>
-                <a:latin typeface="Söhne"/>
-              </a:rPr>
-              <a:t> amounts of information, and efficiently managing and interpreting this data presents a significant technical challenge which can impact the tool's responsiveness and the speed at which it can deliver actionable insights.</a:t>
+              <a:t>Which can impact their ability to provide thorough and precise assessments. </a:t>
             </a:r>
           </a:p>
           <a:p>
@@ -11745,40 +12207,7 @@
                 <a:effectLst/>
                 <a:latin typeface="Söhne"/>
               </a:rPr>
-              <a:t>Furthermore, the reliance on AI introduces the challenge of </a:t>
-            </a:r>
-            <a:r>
-              <a:rPr lang="en-US" sz="1200" b="0" i="0" dirty="0" err="1">
-                <a:solidFill>
-                  <a:srgbClr val="FFFFFF"/>
-                </a:solidFill>
-                <a:effectLst/>
-                <a:latin typeface="Söhne"/>
-              </a:rPr>
-              <a:t>explainability</a:t>
-            </a:r>
-            <a:r>
-              <a:rPr lang="en-US" sz="1200" b="0" i="0" dirty="0">
-                <a:solidFill>
-                  <a:srgbClr val="FFFFFF"/>
-                </a:solidFill>
-                <a:effectLst/>
-                <a:latin typeface="Söhne"/>
-              </a:rPr>
-              <a:t>. Understanding how the AI arrives at its conclusions is vital, especially in critical security assessments. Technical limitations in providing clear explanations for the decision-making process may lead to a lack of trust in the tool's recommendations.</a:t>
-            </a:r>
-          </a:p>
-          <a:p>
-            <a:pPr algn="l"/>
-            <a:r>
-              <a:rPr lang="en-US" sz="1200" b="0" i="0" dirty="0">
-                <a:solidFill>
-                  <a:srgbClr val="FFFFFF"/>
-                </a:solidFill>
-                <a:effectLst/>
-                <a:latin typeface="Söhne"/>
-              </a:rPr>
-              <a:t>As we embrace AI in scanning, it's essential to navigate and address these technical challenges. Ongoing research and development are necessary to enhance the capabilities of AI-powered scanning tools, ensuring they can keep pace with the evolving nature of cybersecurity threats. </a:t>
+              <a:t>The dynamic nature of cybersecurity threats requires scanning tools to adapt rapidly, and technical limitations may hinder this.</a:t>
             </a:r>
           </a:p>
           <a:p>
@@ -11801,7 +12230,292 @@
                 <a:effectLst/>
                 <a:latin typeface="Söhne"/>
               </a:rPr>
-              <a:t>But, by acknowledging and actively working to overcome these challenges, we can work closer to harnessing the full potential of AI in the scanning phase."</a:t>
+              <a:t>Not to mention, the scale of data that AI scanning tools process can be overwhelming.</a:t>
+            </a:r>
+          </a:p>
+          <a:p>
+            <a:pPr algn="l"/>
+            <a:r>
+              <a:rPr lang="en-US" sz="1200" b="0" i="0" dirty="0">
+                <a:solidFill>
+                  <a:srgbClr val="FFFFFF"/>
+                </a:solidFill>
+                <a:effectLst/>
+                <a:latin typeface="Söhne"/>
+              </a:rPr>
+              <a:t>Large-scale scans generate </a:t>
+            </a:r>
+            <a:r>
+              <a:rPr lang="en-US" sz="1200" b="0" i="1" u="sng" dirty="0">
+                <a:solidFill>
+                  <a:srgbClr val="FFFFFF"/>
+                </a:solidFill>
+                <a:effectLst/>
+                <a:latin typeface="Söhne"/>
+              </a:rPr>
+              <a:t>vast</a:t>
+            </a:r>
+            <a:r>
+              <a:rPr lang="en-US" sz="1200" b="0" i="0" dirty="0">
+                <a:solidFill>
+                  <a:srgbClr val="FFFFFF"/>
+                </a:solidFill>
+                <a:effectLst/>
+                <a:latin typeface="Söhne"/>
+              </a:rPr>
+              <a:t> amounts of information, </a:t>
+            </a:r>
+          </a:p>
+          <a:p>
+            <a:pPr algn="l"/>
+            <a:r>
+              <a:rPr lang="en-US" sz="1200" b="0" i="0" dirty="0">
+                <a:solidFill>
+                  <a:srgbClr val="FFFFFF"/>
+                </a:solidFill>
+                <a:effectLst/>
+                <a:latin typeface="Söhne"/>
+              </a:rPr>
+              <a:t>and efficiently managing and interpreting all of it presents a significant technical challenge </a:t>
+            </a:r>
+          </a:p>
+          <a:p>
+            <a:pPr algn="l"/>
+            <a:r>
+              <a:rPr lang="en-US" sz="1200" b="0" i="0" dirty="0">
+                <a:solidFill>
+                  <a:srgbClr val="FFFFFF"/>
+                </a:solidFill>
+                <a:effectLst/>
+                <a:latin typeface="Söhne"/>
+              </a:rPr>
+              <a:t>And this is especially dangerous as it can impact the tool's responsiveness and the speed at which it can deliver insights.</a:t>
+            </a:r>
+          </a:p>
+          <a:p>
+            <a:pPr algn="l"/>
+            <a:endParaRPr lang="en-US" sz="1200" b="0" i="0" dirty="0">
+              <a:solidFill>
+                <a:srgbClr val="FFFFFF"/>
+              </a:solidFill>
+              <a:effectLst/>
+              <a:latin typeface="Söhne"/>
+            </a:endParaRPr>
+          </a:p>
+          <a:p>
+            <a:pPr algn="l"/>
+            <a:r>
+              <a:rPr lang="en-US" sz="1200" b="0" i="0" dirty="0">
+                <a:solidFill>
+                  <a:srgbClr val="FFFFFF"/>
+                </a:solidFill>
+                <a:effectLst/>
+                <a:latin typeface="Söhne"/>
+              </a:rPr>
+              <a:t>Furthermore, the reliance on AI introduces the challenge of </a:t>
+            </a:r>
+            <a:r>
+              <a:rPr lang="en-US" sz="1200" b="0" i="0" dirty="0" err="1">
+                <a:solidFill>
+                  <a:srgbClr val="FFFFFF"/>
+                </a:solidFill>
+                <a:effectLst/>
+                <a:latin typeface="Söhne"/>
+              </a:rPr>
+              <a:t>explainability</a:t>
+            </a:r>
+            <a:r>
+              <a:rPr lang="en-US" sz="1200" b="0" i="0" dirty="0">
+                <a:solidFill>
+                  <a:srgbClr val="FFFFFF"/>
+                </a:solidFill>
+                <a:effectLst/>
+                <a:latin typeface="Söhne"/>
+              </a:rPr>
+              <a:t>. </a:t>
+            </a:r>
+          </a:p>
+          <a:p>
+            <a:pPr algn="l"/>
+            <a:r>
+              <a:rPr lang="en-US" sz="1200" b="0" i="0" dirty="0">
+                <a:solidFill>
+                  <a:srgbClr val="FFFFFF"/>
+                </a:solidFill>
+                <a:effectLst/>
+                <a:latin typeface="Söhne"/>
+              </a:rPr>
+              <a:t>Understanding how the AI arrives at its conclusions is vital, </a:t>
+            </a:r>
+          </a:p>
+          <a:p>
+            <a:pPr algn="l"/>
+            <a:r>
+              <a:rPr lang="en-US" sz="1200" b="0" i="0" dirty="0">
+                <a:solidFill>
+                  <a:srgbClr val="FFFFFF"/>
+                </a:solidFill>
+                <a:effectLst/>
+                <a:latin typeface="Söhne"/>
+              </a:rPr>
+              <a:t>especially in critical security assessments. </a:t>
+            </a:r>
+          </a:p>
+          <a:p>
+            <a:pPr algn="l"/>
+            <a:endParaRPr lang="en-US" sz="1200" b="0" i="0" dirty="0">
+              <a:solidFill>
+                <a:srgbClr val="FFFFFF"/>
+              </a:solidFill>
+              <a:effectLst/>
+              <a:latin typeface="Söhne"/>
+            </a:endParaRPr>
+          </a:p>
+          <a:p>
+            <a:pPr algn="l"/>
+            <a:r>
+              <a:rPr lang="en-US" sz="1200" b="0" i="0" dirty="0">
+                <a:solidFill>
+                  <a:srgbClr val="FFFFFF"/>
+                </a:solidFill>
+                <a:effectLst/>
+                <a:latin typeface="Söhne"/>
+              </a:rPr>
+              <a:t>As the technology increases in complexity,</a:t>
+            </a:r>
+          </a:p>
+          <a:p>
+            <a:pPr algn="l"/>
+            <a:r>
+              <a:rPr lang="en-US" sz="1200" b="0" i="0" dirty="0">
+                <a:solidFill>
+                  <a:srgbClr val="FFFFFF"/>
+                </a:solidFill>
+                <a:effectLst/>
+                <a:latin typeface="Söhne"/>
+              </a:rPr>
+              <a:t>It becomes more difficult to provide clear explanations for the decision-making process.</a:t>
+            </a:r>
+          </a:p>
+          <a:p>
+            <a:pPr algn="l"/>
+            <a:r>
+              <a:rPr lang="en-US" sz="1200" b="0" i="0" dirty="0">
+                <a:solidFill>
+                  <a:srgbClr val="FFFFFF"/>
+                </a:solidFill>
+                <a:effectLst/>
+                <a:latin typeface="Söhne"/>
+              </a:rPr>
+              <a:t>And if people cannot trust where the information came from, they may not trust the information – no matter how accurate it may be</a:t>
+            </a:r>
+          </a:p>
+          <a:p>
+            <a:pPr algn="l"/>
+            <a:endParaRPr lang="en-US" sz="1200" b="0" i="0" dirty="0">
+              <a:solidFill>
+                <a:srgbClr val="FFFFFF"/>
+              </a:solidFill>
+              <a:effectLst/>
+              <a:latin typeface="Söhne"/>
+            </a:endParaRPr>
+          </a:p>
+          <a:p>
+            <a:pPr algn="l"/>
+            <a:r>
+              <a:rPr lang="en-US" sz="1200" b="0" i="0" dirty="0">
+                <a:solidFill>
+                  <a:srgbClr val="FFFFFF"/>
+                </a:solidFill>
+                <a:effectLst/>
+                <a:latin typeface="Söhne"/>
+              </a:rPr>
+              <a:t>So, As we embrace AI in scanning, </a:t>
+            </a:r>
+          </a:p>
+          <a:p>
+            <a:pPr algn="l"/>
+            <a:r>
+              <a:rPr lang="en-US" sz="1200" b="0" i="0" dirty="0">
+                <a:solidFill>
+                  <a:srgbClr val="FFFFFF"/>
+                </a:solidFill>
+                <a:effectLst/>
+                <a:latin typeface="Söhne"/>
+              </a:rPr>
+              <a:t>it's essential to navigate and address these technical challenges. </a:t>
+            </a:r>
+          </a:p>
+          <a:p>
+            <a:pPr algn="l"/>
+            <a:endParaRPr lang="en-US" sz="1200" b="0" i="0" dirty="0">
+              <a:solidFill>
+                <a:srgbClr val="FFFFFF"/>
+              </a:solidFill>
+              <a:effectLst/>
+              <a:latin typeface="Söhne"/>
+            </a:endParaRPr>
+          </a:p>
+          <a:p>
+            <a:pPr algn="l"/>
+            <a:r>
+              <a:rPr lang="en-US" sz="1200" b="0" i="0" dirty="0">
+                <a:solidFill>
+                  <a:srgbClr val="FFFFFF"/>
+                </a:solidFill>
+                <a:effectLst/>
+                <a:latin typeface="Söhne"/>
+              </a:rPr>
+              <a:t>Ongoing research and development are necessary to enhance the capabilities of AI-powered scanning tools, </a:t>
+            </a:r>
+          </a:p>
+          <a:p>
+            <a:pPr algn="l"/>
+            <a:r>
+              <a:rPr lang="en-US" sz="1200" b="0" i="0" dirty="0">
+                <a:solidFill>
+                  <a:srgbClr val="FFFFFF"/>
+                </a:solidFill>
+                <a:effectLst/>
+                <a:latin typeface="Söhne"/>
+              </a:rPr>
+              <a:t>But we need to be sure to do it in an unbiased and explainable way</a:t>
+            </a:r>
+          </a:p>
+          <a:p>
+            <a:pPr algn="l"/>
+            <a:endParaRPr lang="en-US" sz="1200" b="0" i="0" dirty="0">
+              <a:solidFill>
+                <a:srgbClr val="FFFFFF"/>
+              </a:solidFill>
+              <a:effectLst/>
+              <a:latin typeface="Söhne"/>
+            </a:endParaRPr>
+          </a:p>
+          <a:p>
+            <a:pPr algn="l"/>
+            <a:r>
+              <a:rPr lang="en-US" sz="1200" b="0" i="0" dirty="0">
+                <a:solidFill>
+                  <a:srgbClr val="FFFFFF"/>
+                </a:solidFill>
+                <a:effectLst/>
+                <a:latin typeface="Söhne"/>
+              </a:rPr>
+              <a:t>But, by acknowledging and actively working to overcome these challenges, </a:t>
+            </a:r>
+          </a:p>
+          <a:p>
+            <a:pPr algn="l"/>
+            <a:r>
+              <a:rPr lang="en-US" sz="1200" b="0" i="0" dirty="0">
+                <a:solidFill>
+                  <a:srgbClr val="FFFFFF"/>
+                </a:solidFill>
+                <a:effectLst/>
+                <a:latin typeface="Söhne"/>
+              </a:rPr>
+              <a:t>we can work closer to harnessing the full potential of AI in the scanning phase.</a:t>
             </a:r>
           </a:p>
           <a:p>
@@ -12331,11 +13045,9 @@
           </a:p>
           <a:p>
             <a:r>
-              <a:rPr lang="en-US" dirty="0"/>
+              <a:rPr lang="en-US"/>
               <a:t>But that’s all I have for now, so Thank you for tuning in!</a:t>
             </a:r>
-          </a:p>
-          <a:p>
             <a:endParaRPr lang="en-US" dirty="0"/>
           </a:p>
         </p:txBody>
@@ -17189,12 +17901,47 @@
               <a:buFont typeface="Arial" panose="020B0604020202020204" pitchFamily="34" charset="0"/>
               <a:buNone/>
             </a:pPr>
+            <a:endParaRPr lang="en-US" sz="800" dirty="0">
+              <a:effectLst/>
+              <a:latin typeface="Times New Roman" panose="02020603050405020304" pitchFamily="18" charset="0"/>
+            </a:endParaRPr>
+          </a:p>
+          <a:p>
+            <a:pPr rtl="0" fontAlgn="ctr">
+              <a:spcBef>
+                <a:spcPts val="0"/>
+              </a:spcBef>
+              <a:spcAft>
+                <a:spcPts val="0"/>
+              </a:spcAft>
+              <a:buFont typeface="Arial" panose="020B0604020202020204" pitchFamily="34" charset="0"/>
+              <a:buNone/>
+            </a:pPr>
             <a:r>
               <a:rPr lang="en-US" sz="800" dirty="0">
                 <a:effectLst/>
+                <a:latin typeface="Times New Roman" panose="02020603050405020304" pitchFamily="18" charset="0"/>
+              </a:rPr>
+              <a:t>Alright so, jumping back in where we left off, </a:t>
+            </a:r>
+          </a:p>
+          <a:p>
+            <a:pPr rtl="0" fontAlgn="ctr">
+              <a:spcBef>
+                <a:spcPts val="0"/>
+              </a:spcBef>
+              <a:spcAft>
+                <a:spcPts val="0"/>
+              </a:spcAft>
+              <a:buFont typeface="Arial" panose="020B0604020202020204" pitchFamily="34" charset="0"/>
+              <a:buNone/>
+            </a:pPr>
+            <a:r>
+              <a:rPr lang="en-US" sz="800" dirty="0">
+                <a:effectLst/>
                 <a:latin typeface="Calibri" panose="020F0502020204030204" pitchFamily="34" charset="0"/>
               </a:rPr>
-              <a:t>So what exactly does introducing AI into scanning look like?</a:t>
+              <a:t>what exactly would introducing AI into scanning look like?</a:t>
             </a:r>
           </a:p>
           <a:p>
@@ -17236,7 +17983,7 @@
                 <a:effectLst/>
                 <a:latin typeface="Söhne"/>
               </a:rPr>
-              <a:t>context of cybersecurity, AI applies advanced algorithms and machine learning techniques to enhance the efficiency of (?)</a:t>
+              <a:t>context of cybersecurity, </a:t>
             </a:r>
           </a:p>
           <a:p>
@@ -17255,21 +18002,7 @@
                 <a:effectLst/>
                 <a:latin typeface="Söhne"/>
               </a:rPr>
-              <a:t>So these intelligent tools are not just simply </a:t>
-            </a:r>
-            <a:r>
-              <a:rPr lang="en-US" sz="800" b="0" i="1" dirty="0">
-                <a:effectLst/>
-                <a:latin typeface="Söhne"/>
-              </a:rPr>
-              <a:t>following instructions </a:t>
-            </a:r>
-            <a:r>
-              <a:rPr lang="en-US" sz="800" b="0" i="0" dirty="0">
-                <a:effectLst/>
-                <a:latin typeface="Söhne"/>
-              </a:rPr>
-              <a:t>given to them through human interaction, but they are learning from previous data or experiences.</a:t>
+              <a:t>AI applies advanced algorithms and machine learning techniques to enhance efficiency.</a:t>
             </a:r>
           </a:p>
           <a:p>
@@ -17283,23 +18016,6 @@
               <a:buFont typeface="Arial" panose="020B0604020202020204" pitchFamily="34" charset="0"/>
               <a:buNone/>
             </a:pPr>
-            <a:r>
-              <a:rPr lang="en-US" sz="800" b="0" i="0" dirty="0">
-                <a:effectLst/>
-                <a:latin typeface="Söhne"/>
-              </a:rPr>
-              <a:t>So when we talk about 'introducing AI into scanning,' we're essentially giving these tools the ability to behave autonomously and </a:t>
-            </a:r>
-            <a:r>
-              <a:rPr lang="en-US" sz="800" b="0" i="0" dirty="0">
-                <a:solidFill>
-                  <a:srgbClr val="ECECF1"/>
-                </a:solidFill>
-                <a:effectLst/>
-                <a:latin typeface="Söhne"/>
-              </a:rPr>
-              <a:t>perform tasks that typically require human intelligence</a:t>
-            </a:r>
             <a:endParaRPr lang="en-US" sz="800" b="0" i="0" dirty="0">
               <a:effectLst/>
               <a:latin typeface="Söhne"/>
@@ -17316,6 +18032,77 @@
               <a:buFont typeface="Arial" panose="020B0604020202020204" pitchFamily="34" charset="0"/>
               <a:buNone/>
             </a:pPr>
+            <a:r>
+              <a:rPr lang="en-US" sz="800" b="0" i="0" dirty="0">
+                <a:effectLst/>
+                <a:latin typeface="Söhne"/>
+              </a:rPr>
+              <a:t>So unlike the manual methods we talked about last week,</a:t>
+            </a:r>
+          </a:p>
+          <a:p>
+            <a:pPr rtl="0" fontAlgn="ctr">
+              <a:spcBef>
+                <a:spcPts val="0"/>
+              </a:spcBef>
+              <a:spcAft>
+                <a:spcPts val="0"/>
+              </a:spcAft>
+              <a:buFont typeface="Arial" panose="020B0604020202020204" pitchFamily="34" charset="0"/>
+              <a:buNone/>
+            </a:pPr>
+            <a:r>
+              <a:rPr lang="en-US" sz="800" b="0" i="0" dirty="0">
+                <a:effectLst/>
+                <a:latin typeface="Söhne"/>
+              </a:rPr>
+              <a:t>These intelligent tools are not just simply </a:t>
+            </a:r>
+            <a:r>
+              <a:rPr lang="en-US" sz="800" b="0" i="1" dirty="0">
+                <a:effectLst/>
+                <a:latin typeface="Söhne"/>
+              </a:rPr>
+              <a:t>following instructions </a:t>
+            </a:r>
+            <a:r>
+              <a:rPr lang="en-US" sz="800" b="0" i="0" dirty="0">
+                <a:effectLst/>
+                <a:latin typeface="Söhne"/>
+              </a:rPr>
+              <a:t>given to them through human interaction, </a:t>
+            </a:r>
+          </a:p>
+          <a:p>
+            <a:pPr rtl="0" fontAlgn="ctr">
+              <a:spcBef>
+                <a:spcPts val="0"/>
+              </a:spcBef>
+              <a:spcAft>
+                <a:spcPts val="0"/>
+              </a:spcAft>
+              <a:buFont typeface="Arial" panose="020B0604020202020204" pitchFamily="34" charset="0"/>
+              <a:buNone/>
+            </a:pPr>
+            <a:r>
+              <a:rPr lang="en-US" sz="800" b="0" i="0" dirty="0">
+                <a:effectLst/>
+                <a:latin typeface="Söhne"/>
+              </a:rPr>
+              <a:t>but they are learning from previous data or experiences.</a:t>
+            </a:r>
+          </a:p>
+          <a:p>
+            <a:pPr rtl="0" fontAlgn="ctr">
+              <a:spcBef>
+                <a:spcPts val="0"/>
+              </a:spcBef>
+              <a:spcAft>
+                <a:spcPts val="0"/>
+              </a:spcAft>
+              <a:buFont typeface="Arial" panose="020B0604020202020204" pitchFamily="34" charset="0"/>
+              <a:buNone/>
+            </a:pPr>
             <a:endParaRPr lang="en-US" sz="800" b="0" i="0" dirty="0">
               <a:effectLst/>
               <a:latin typeface="Söhne"/>
@@ -17332,6 +18119,42 @@
               <a:buFont typeface="Arial" panose="020B0604020202020204" pitchFamily="34" charset="0"/>
               <a:buNone/>
             </a:pPr>
+            <a:r>
+              <a:rPr lang="en-US" sz="800" b="0" i="0" dirty="0">
+                <a:effectLst/>
+                <a:latin typeface="Söhne"/>
+              </a:rPr>
+              <a:t>So when we talk about 'introducing AI into scanning,’ </a:t>
+            </a:r>
+          </a:p>
+          <a:p>
+            <a:pPr rtl="0" fontAlgn="ctr">
+              <a:spcBef>
+                <a:spcPts val="0"/>
+              </a:spcBef>
+              <a:spcAft>
+                <a:spcPts val="0"/>
+              </a:spcAft>
+              <a:buFont typeface="Arial" panose="020B0604020202020204" pitchFamily="34" charset="0"/>
+              <a:buNone/>
+            </a:pPr>
+            <a:r>
+              <a:rPr lang="en-US" sz="800" b="0" i="0" dirty="0">
+                <a:effectLst/>
+                <a:latin typeface="Söhne"/>
+              </a:rPr>
+              <a:t>we're essentially giving these tools the ability to behave autonomously and </a:t>
+            </a:r>
+            <a:r>
+              <a:rPr lang="en-US" sz="800" b="0" i="0" dirty="0">
+                <a:solidFill>
+                  <a:srgbClr val="ECECF1"/>
+                </a:solidFill>
+                <a:effectLst/>
+                <a:latin typeface="Söhne"/>
+              </a:rPr>
+              <a:t>perform tasks that typically require human intelligence</a:t>
+            </a:r>
             <a:endParaRPr lang="en-US" sz="800" b="0" i="0" dirty="0">
               <a:effectLst/>
               <a:latin typeface="Söhne"/>
@@ -17348,35 +18171,6 @@
               <a:buFont typeface="Arial" panose="020B0604020202020204" pitchFamily="34" charset="0"/>
               <a:buNone/>
             </a:pPr>
-            <a:r>
-              <a:rPr lang="en-US" sz="800" b="0" i="0" dirty="0">
-                <a:effectLst/>
-                <a:latin typeface="Söhne"/>
-              </a:rPr>
-              <a:t>So how does this affect </a:t>
-            </a:r>
-            <a:r>
-              <a:rPr lang="en-US" sz="800" b="0" i="0" dirty="0">
-                <a:solidFill>
-                  <a:srgbClr val="ECECF1"/>
-                </a:solidFill>
-                <a:effectLst/>
-                <a:latin typeface="Söhne"/>
-              </a:rPr>
-              <a:t>the limitations we just talked about in the traditional scanning methods?</a:t>
-            </a:r>
-          </a:p>
-          <a:p>
-            <a:pPr rtl="0" fontAlgn="ctr">
-              <a:spcBef>
-                <a:spcPts val="0"/>
-              </a:spcBef>
-              <a:spcAft>
-                <a:spcPts val="0"/>
-              </a:spcAft>
-              <a:buFont typeface="Arial" panose="020B0604020202020204" pitchFamily="34" charset="0"/>
-              <a:buNone/>
-            </a:pPr>
             <a:endParaRPr lang="en-US" sz="800" b="0" i="0" dirty="0">
               <a:effectLst/>
               <a:latin typeface="Söhne"/>
@@ -17398,6 +18192,70 @@
                 <a:effectLst/>
                 <a:latin typeface="Söhne"/>
               </a:rPr>
+              <a:t>So what does this mean for ‘scanning’ </a:t>
+            </a:r>
+          </a:p>
+          <a:p>
+            <a:pPr rtl="0" fontAlgn="ctr">
+              <a:spcBef>
+                <a:spcPts val="0"/>
+              </a:spcBef>
+              <a:spcAft>
+                <a:spcPts val="0"/>
+              </a:spcAft>
+              <a:buFont typeface="Arial" panose="020B0604020202020204" pitchFamily="34" charset="0"/>
+              <a:buNone/>
+            </a:pPr>
+            <a:r>
+              <a:rPr lang="en-US" sz="800" b="0" i="0" dirty="0">
+                <a:effectLst/>
+                <a:latin typeface="Söhne"/>
+              </a:rPr>
+              <a:t>And how does affect </a:t>
+            </a:r>
+            <a:r>
+              <a:rPr lang="en-US" sz="800" b="0" i="0" dirty="0">
+                <a:solidFill>
+                  <a:srgbClr val="ECECF1"/>
+                </a:solidFill>
+                <a:effectLst/>
+                <a:latin typeface="Söhne"/>
+              </a:rPr>
+              <a:t>the limitations we talked about last time?</a:t>
+            </a:r>
+          </a:p>
+          <a:p>
+            <a:pPr rtl="0" fontAlgn="ctr">
+              <a:spcBef>
+                <a:spcPts val="0"/>
+              </a:spcBef>
+              <a:spcAft>
+                <a:spcPts val="0"/>
+              </a:spcAft>
+              <a:buFont typeface="Arial" panose="020B0604020202020204" pitchFamily="34" charset="0"/>
+              <a:buNone/>
+            </a:pPr>
+            <a:endParaRPr lang="en-US" sz="800" b="0" i="0" dirty="0">
+              <a:effectLst/>
+              <a:latin typeface="Söhne"/>
+            </a:endParaRPr>
+          </a:p>
+          <a:p>
+            <a:pPr rtl="0" fontAlgn="ctr">
+              <a:spcBef>
+                <a:spcPts val="0"/>
+              </a:spcBef>
+              <a:spcAft>
+                <a:spcPts val="0"/>
+              </a:spcAft>
+              <a:buFont typeface="Arial" panose="020B0604020202020204" pitchFamily="34" charset="0"/>
+              <a:buNone/>
+            </a:pPr>
+            <a:r>
+              <a:rPr lang="en-US" sz="800" b="0" i="0" dirty="0">
+                <a:effectLst/>
+                <a:latin typeface="Söhne"/>
+              </a:rPr>
               <a:t>Well first, </a:t>
             </a:r>
             <a:r>
@@ -17408,7 +18266,7 @@
                 <a:effectLst/>
                 <a:latin typeface="Söhne"/>
               </a:rPr>
-              <a:t>AI introduces speed and consistency to the scanning process. So not only are the tests performed more quickly, but each test is conducted with the same standard of precision every time. Instead of one human, slowly and methodically inspecting every inch of a landscape with a magnifying glass, AI can detect  patterns and anomalies at speeds incomparable to humans. It's like upgrading from a magnifying glass to a sophisticated satellite system – quick, comprehensive, and able to cover more ground with minimal human effort.</a:t>
+              <a:t>AI introduces speed and consistency to the scanning process. </a:t>
             </a:r>
           </a:p>
           <a:p>
@@ -17449,7 +18307,303 @@
                 <a:effectLst/>
                 <a:latin typeface="Söhne"/>
               </a:rPr>
-              <a:t>Also unlike manual methods AI can automate the process of navigating through public databases and frameworks. Instead of a human librarian categorizing and translating our library, we now have </a:t>
+              <a:t>So not only are the tests performed more quickly, </a:t>
+            </a:r>
+          </a:p>
+          <a:p>
+            <a:pPr rtl="0" fontAlgn="ctr">
+              <a:spcBef>
+                <a:spcPts val="0"/>
+              </a:spcBef>
+              <a:spcAft>
+                <a:spcPts val="0"/>
+              </a:spcAft>
+              <a:buFont typeface="Arial" panose="020B0604020202020204" pitchFamily="34" charset="0"/>
+              <a:buNone/>
+            </a:pPr>
+            <a:r>
+              <a:rPr lang="en-US" sz="800" b="0" i="0" dirty="0">
+                <a:solidFill>
+                  <a:srgbClr val="ECECF1"/>
+                </a:solidFill>
+                <a:effectLst/>
+                <a:latin typeface="Söhne"/>
+              </a:rPr>
+              <a:t>but each test is conducted with the same standard of precision every time. </a:t>
+            </a:r>
+          </a:p>
+          <a:p>
+            <a:pPr rtl="0" fontAlgn="ctr">
+              <a:spcBef>
+                <a:spcPts val="0"/>
+              </a:spcBef>
+              <a:spcAft>
+                <a:spcPts val="0"/>
+              </a:spcAft>
+              <a:buFont typeface="Arial" panose="020B0604020202020204" pitchFamily="34" charset="0"/>
+              <a:buNone/>
+            </a:pPr>
+            <a:endParaRPr lang="en-US" sz="800" b="0" i="0" dirty="0">
+              <a:solidFill>
+                <a:srgbClr val="ECECF1"/>
+              </a:solidFill>
+              <a:effectLst/>
+              <a:latin typeface="Söhne"/>
+            </a:endParaRPr>
+          </a:p>
+          <a:p>
+            <a:pPr rtl="0" fontAlgn="ctr">
+              <a:spcBef>
+                <a:spcPts val="0"/>
+              </a:spcBef>
+              <a:spcAft>
+                <a:spcPts val="0"/>
+              </a:spcAft>
+              <a:buFont typeface="Arial" panose="020B0604020202020204" pitchFamily="34" charset="0"/>
+              <a:buNone/>
+            </a:pPr>
+            <a:r>
+              <a:rPr lang="en-US" sz="800" b="0" i="0" dirty="0">
+                <a:solidFill>
+                  <a:srgbClr val="ECECF1"/>
+                </a:solidFill>
+                <a:effectLst/>
+                <a:latin typeface="Söhne"/>
+              </a:rPr>
+              <a:t>Instead of one human, slowly and methodically inspecting every inch of a landscape with a magnifying glass, </a:t>
+            </a:r>
+          </a:p>
+          <a:p>
+            <a:pPr rtl="0" fontAlgn="ctr">
+              <a:spcBef>
+                <a:spcPts val="0"/>
+              </a:spcBef>
+              <a:spcAft>
+                <a:spcPts val="0"/>
+              </a:spcAft>
+              <a:buFont typeface="Arial" panose="020B0604020202020204" pitchFamily="34" charset="0"/>
+              <a:buNone/>
+            </a:pPr>
+            <a:r>
+              <a:rPr lang="en-US" sz="800" b="0" i="0" dirty="0">
+                <a:solidFill>
+                  <a:srgbClr val="ECECF1"/>
+                </a:solidFill>
+                <a:effectLst/>
+                <a:latin typeface="Söhne"/>
+              </a:rPr>
+              <a:t>Like that analogy we used</a:t>
+            </a:r>
+          </a:p>
+          <a:p>
+            <a:pPr rtl="0" fontAlgn="ctr">
+              <a:spcBef>
+                <a:spcPts val="0"/>
+              </a:spcBef>
+              <a:spcAft>
+                <a:spcPts val="0"/>
+              </a:spcAft>
+              <a:buFont typeface="Arial" panose="020B0604020202020204" pitchFamily="34" charset="0"/>
+              <a:buNone/>
+            </a:pPr>
+            <a:r>
+              <a:rPr lang="en-US" sz="800" b="0" i="0" dirty="0">
+                <a:solidFill>
+                  <a:srgbClr val="ECECF1"/>
+                </a:solidFill>
+                <a:effectLst/>
+                <a:latin typeface="Söhne"/>
+              </a:rPr>
+              <a:t>AI can detect  patterns and anomalies at speeds incomparable to humans. </a:t>
+            </a:r>
+          </a:p>
+          <a:p>
+            <a:pPr rtl="0" fontAlgn="ctr">
+              <a:spcBef>
+                <a:spcPts val="0"/>
+              </a:spcBef>
+              <a:spcAft>
+                <a:spcPts val="0"/>
+              </a:spcAft>
+              <a:buFont typeface="Arial" panose="020B0604020202020204" pitchFamily="34" charset="0"/>
+              <a:buNone/>
+            </a:pPr>
+            <a:endParaRPr lang="en-US" sz="800" b="0" i="0" dirty="0">
+              <a:solidFill>
+                <a:srgbClr val="ECECF1"/>
+              </a:solidFill>
+              <a:effectLst/>
+              <a:latin typeface="Söhne"/>
+            </a:endParaRPr>
+          </a:p>
+          <a:p>
+            <a:pPr rtl="0" fontAlgn="ctr">
+              <a:spcBef>
+                <a:spcPts val="0"/>
+              </a:spcBef>
+              <a:spcAft>
+                <a:spcPts val="0"/>
+              </a:spcAft>
+              <a:buFont typeface="Arial" panose="020B0604020202020204" pitchFamily="34" charset="0"/>
+              <a:buNone/>
+            </a:pPr>
+            <a:r>
+              <a:rPr lang="en-US" sz="800" b="0" i="0" dirty="0">
+                <a:solidFill>
+                  <a:srgbClr val="ECECF1"/>
+                </a:solidFill>
+                <a:effectLst/>
+                <a:latin typeface="Söhne"/>
+              </a:rPr>
+              <a:t>It's like upgrading from a magnifying glass to a sophisticated satellite system – </a:t>
+            </a:r>
+          </a:p>
+          <a:p>
+            <a:pPr rtl="0" fontAlgn="ctr">
+              <a:spcBef>
+                <a:spcPts val="0"/>
+              </a:spcBef>
+              <a:spcAft>
+                <a:spcPts val="0"/>
+              </a:spcAft>
+              <a:buFont typeface="Arial" panose="020B0604020202020204" pitchFamily="34" charset="0"/>
+              <a:buNone/>
+            </a:pPr>
+            <a:r>
+              <a:rPr lang="en-US" sz="800" b="0" i="0" dirty="0">
+                <a:solidFill>
+                  <a:srgbClr val="ECECF1"/>
+                </a:solidFill>
+                <a:effectLst/>
+                <a:latin typeface="Söhne"/>
+              </a:rPr>
+              <a:t>It quick, comprehensive, and able to cover more ground with minimal human effort.</a:t>
+            </a:r>
+          </a:p>
+          <a:p>
+            <a:pPr rtl="0" fontAlgn="ctr">
+              <a:spcBef>
+                <a:spcPts val="0"/>
+              </a:spcBef>
+              <a:spcAft>
+                <a:spcPts val="0"/>
+              </a:spcAft>
+              <a:buFont typeface="Arial" panose="020B0604020202020204" pitchFamily="34" charset="0"/>
+              <a:buNone/>
+            </a:pPr>
+            <a:endParaRPr lang="en-US" sz="800" b="0" i="0" dirty="0">
+              <a:solidFill>
+                <a:srgbClr val="ECECF1"/>
+              </a:solidFill>
+              <a:effectLst/>
+              <a:latin typeface="Söhne"/>
+            </a:endParaRPr>
+          </a:p>
+          <a:p>
+            <a:pPr rtl="0" fontAlgn="ctr">
+              <a:spcBef>
+                <a:spcPts val="0"/>
+              </a:spcBef>
+              <a:spcAft>
+                <a:spcPts val="0"/>
+              </a:spcAft>
+              <a:buFont typeface="Arial" panose="020B0604020202020204" pitchFamily="34" charset="0"/>
+              <a:buNone/>
+            </a:pPr>
+            <a:endParaRPr lang="en-US" sz="800" b="0" i="0" dirty="0">
+              <a:solidFill>
+                <a:srgbClr val="ECECF1"/>
+              </a:solidFill>
+              <a:effectLst/>
+              <a:latin typeface="Söhne"/>
+            </a:endParaRPr>
+          </a:p>
+          <a:p>
+            <a:pPr rtl="0" fontAlgn="ctr">
+              <a:spcBef>
+                <a:spcPts val="0"/>
+              </a:spcBef>
+              <a:spcAft>
+                <a:spcPts val="0"/>
+              </a:spcAft>
+              <a:buFont typeface="Arial" panose="020B0604020202020204" pitchFamily="34" charset="0"/>
+              <a:buNone/>
+            </a:pPr>
+            <a:r>
+              <a:rPr lang="en-US" sz="800" b="0" i="0" dirty="0">
+                <a:solidFill>
+                  <a:srgbClr val="ECECF1"/>
+                </a:solidFill>
+                <a:effectLst/>
+                <a:latin typeface="Söhne"/>
+              </a:rPr>
+              <a:t>Also unlike manual methods AI can automate the process of navigating through public databases and frameworks. </a:t>
+            </a:r>
+          </a:p>
+          <a:p>
+            <a:pPr rtl="0" fontAlgn="ctr">
+              <a:spcBef>
+                <a:spcPts val="0"/>
+              </a:spcBef>
+              <a:spcAft>
+                <a:spcPts val="0"/>
+              </a:spcAft>
+              <a:buFont typeface="Arial" panose="020B0604020202020204" pitchFamily="34" charset="0"/>
+              <a:buNone/>
+            </a:pPr>
+            <a:r>
+              <a:rPr lang="en-US" sz="800" b="0" i="0" dirty="0">
+                <a:solidFill>
+                  <a:srgbClr val="ECECF1"/>
+                </a:solidFill>
+                <a:effectLst/>
+                <a:latin typeface="Söhne"/>
+              </a:rPr>
+              <a:t>So,</a:t>
+            </a:r>
+          </a:p>
+          <a:p>
+            <a:pPr rtl="0" fontAlgn="ctr">
+              <a:spcBef>
+                <a:spcPts val="0"/>
+              </a:spcBef>
+              <a:spcAft>
+                <a:spcPts val="0"/>
+              </a:spcAft>
+              <a:buFont typeface="Arial" panose="020B0604020202020204" pitchFamily="34" charset="0"/>
+              <a:buNone/>
+            </a:pPr>
+            <a:r>
+              <a:rPr lang="en-US" sz="800" b="0" i="0" dirty="0">
+                <a:solidFill>
+                  <a:srgbClr val="ECECF1"/>
+                </a:solidFill>
+                <a:effectLst/>
+                <a:latin typeface="Söhne"/>
+              </a:rPr>
+              <a:t>Instead of a human librarian categorizing and translating our library, </a:t>
+            </a:r>
+          </a:p>
+          <a:p>
+            <a:pPr rtl="0" fontAlgn="ctr">
+              <a:spcBef>
+                <a:spcPts val="0"/>
+              </a:spcBef>
+              <a:spcAft>
+                <a:spcPts val="0"/>
+              </a:spcAft>
+              <a:buFont typeface="Arial" panose="020B0604020202020204" pitchFamily="34" charset="0"/>
+              <a:buNone/>
+            </a:pPr>
+            <a:r>
+              <a:rPr lang="en-US" sz="800" b="0" i="0" dirty="0">
+                <a:solidFill>
+                  <a:srgbClr val="ECECF1"/>
+                </a:solidFill>
+                <a:effectLst/>
+                <a:latin typeface="Söhne"/>
+              </a:rPr>
+              <a:t>we now have </a:t>
             </a:r>
             <a:r>
               <a:rPr lang="en-US" sz="1050" b="0" i="0" dirty="0">
@@ -17459,7 +18613,29 @@
                 <a:effectLst/>
                 <a:latin typeface="Söhne"/>
               </a:rPr>
-              <a:t>a ‘tireless digital curator’ that automatically </a:t>
+              <a:t>a ‘tireless digital curator’ </a:t>
+            </a:r>
+          </a:p>
+          <a:p>
+            <a:pPr rtl="0" fontAlgn="ctr">
+              <a:spcBef>
+                <a:spcPts val="0"/>
+              </a:spcBef>
+              <a:spcAft>
+                <a:spcPts val="0"/>
+              </a:spcAft>
+              <a:buFont typeface="Arial" panose="020B0604020202020204" pitchFamily="34" charset="0"/>
+              <a:buNone/>
+            </a:pPr>
+            <a:r>
+              <a:rPr lang="en-US" sz="1050" b="0" i="0" dirty="0">
+                <a:solidFill>
+                  <a:srgbClr val="ECECF1"/>
+                </a:solidFill>
+                <a:effectLst/>
+                <a:latin typeface="Söhne"/>
+              </a:rPr>
+              <a:t>that automatically </a:t>
             </a:r>
             <a:r>
               <a:rPr lang="en-US" sz="1400" b="0" i="0" dirty="0">
@@ -17479,7 +18655,29 @@
                 <a:effectLst/>
                 <a:latin typeface="Söhne"/>
               </a:rPr>
-              <a:t>, identifies any relevant information, and then seamlessly integrates it. And if it needs translating for a different software or system architecture?, AI doesn’t require manual code updates or rewrites, because it can adapt dynamically. </a:t>
+              <a:t>, </a:t>
+            </a:r>
+          </a:p>
+          <a:p>
+            <a:pPr rtl="0" fontAlgn="ctr">
+              <a:spcBef>
+                <a:spcPts val="0"/>
+              </a:spcBef>
+              <a:spcAft>
+                <a:spcPts val="0"/>
+              </a:spcAft>
+              <a:buFont typeface="Arial" panose="020B0604020202020204" pitchFamily="34" charset="0"/>
+              <a:buNone/>
+            </a:pPr>
+            <a:r>
+              <a:rPr lang="en-US" sz="1050" b="0" i="0" dirty="0">
+                <a:solidFill>
+                  <a:srgbClr val="ECECF1"/>
+                </a:solidFill>
+                <a:effectLst/>
+                <a:latin typeface="Söhne"/>
+              </a:rPr>
+              <a:t>It can then identify any relevant information, and seamlessly integrates it and improve its detect abilities. </a:t>
             </a:r>
           </a:p>
           <a:p>
@@ -17512,6 +18710,50 @@
               <a:buFont typeface="Arial" panose="020B0604020202020204" pitchFamily="34" charset="0"/>
               <a:buNone/>
             </a:pPr>
+            <a:r>
+              <a:rPr lang="en-US" sz="1050" b="0" i="0" dirty="0">
+                <a:solidFill>
+                  <a:srgbClr val="ECECF1"/>
+                </a:solidFill>
+                <a:effectLst/>
+                <a:latin typeface="Söhne"/>
+              </a:rPr>
+              <a:t>And if it needs translating for a different software or system architecture?,</a:t>
+            </a:r>
+          </a:p>
+          <a:p>
+            <a:pPr rtl="0" fontAlgn="ctr">
+              <a:spcBef>
+                <a:spcPts val="0"/>
+              </a:spcBef>
+              <a:spcAft>
+                <a:spcPts val="0"/>
+              </a:spcAft>
+              <a:buFont typeface="Arial" panose="020B0604020202020204" pitchFamily="34" charset="0"/>
+              <a:buNone/>
+            </a:pPr>
+            <a:r>
+              <a:rPr lang="en-US" sz="1050" b="0" i="0" dirty="0">
+                <a:solidFill>
+                  <a:srgbClr val="ECECF1"/>
+                </a:solidFill>
+                <a:effectLst/>
+                <a:latin typeface="Söhne"/>
+              </a:rPr>
+              <a:t> AI doesn’t require manual code updates or rewrites, because it can adapt dynamically. </a:t>
+            </a:r>
+          </a:p>
+          <a:p>
+            <a:pPr rtl="0" fontAlgn="ctr">
+              <a:spcBef>
+                <a:spcPts val="0"/>
+              </a:spcBef>
+              <a:spcAft>
+                <a:spcPts val="0"/>
+              </a:spcAft>
+              <a:buFont typeface="Arial" panose="020B0604020202020204" pitchFamily="34" charset="0"/>
+              <a:buNone/>
+            </a:pPr>
             <a:endParaRPr lang="en-US" sz="1050" b="0" i="0" dirty="0">
               <a:solidFill>
                 <a:srgbClr val="ECECF1"/>
@@ -17590,27 +18832,7 @@
                 <a:effectLst/>
                 <a:latin typeface="Söhne"/>
               </a:rPr>
-              <a:t>And since there is less human interaction, there is less potential for human error. Since AI follows predefined algorithms with </a:t>
-            </a:r>
-            <a:r>
-              <a:rPr lang="en-US" sz="1050" b="0" i="1" dirty="0">
-                <a:solidFill>
-                  <a:srgbClr val="ECECF1"/>
-                </a:solidFill>
-                <a:effectLst/>
-                <a:latin typeface="Söhne"/>
-              </a:rPr>
-              <a:t>precision</a:t>
-            </a:r>
-            <a:r>
-              <a:rPr lang="en-US" sz="1050" b="0" i="0" dirty="0">
-                <a:solidFill>
-                  <a:srgbClr val="ECECF1"/>
-                </a:solidFill>
-                <a:effectLst/>
-                <a:latin typeface="Söhne"/>
-              </a:rPr>
-              <a:t>, this processes becomes more accurate and dependable, minimizing the risks typically associated with manual methods. </a:t>
+              <a:t>And plus, since there is less human interaction, there is less potential for human error. </a:t>
             </a:r>
           </a:p>
           <a:p>
@@ -17632,17 +18854,27 @@
                 <a:effectLst/>
                 <a:latin typeface="Söhne"/>
               </a:rPr>
-              <a:t>Not to mention, its </a:t>
-            </a:r>
-            <a:r>
-              <a:rPr lang="en-US" sz="1400" b="0" i="0" dirty="0">
+              <a:t>Since AI follows predefined algorithms with </a:t>
+            </a:r>
+            <a:r>
+              <a:rPr lang="en-US" sz="1050" b="0" i="1" dirty="0">
                 <a:solidFill>
                   <a:srgbClr val="ECECF1"/>
                 </a:solidFill>
                 <a:effectLst/>
                 <a:latin typeface="Söhne"/>
               </a:rPr>
-              <a:t>continuously improving and retains information permanently. And while humans are obviously capable of learning some things as they go, their memory is less reliable. And for large, complicated ideas or tasks, its going to take a human much longer to obtain that skill than for AI.</a:t>
+              <a:t>precision</a:t>
+            </a:r>
+            <a:r>
+              <a:rPr lang="en-US" sz="1050" b="0" i="0" dirty="0">
+                <a:solidFill>
+                  <a:srgbClr val="ECECF1"/>
+                </a:solidFill>
+                <a:effectLst/>
+                <a:latin typeface="Söhne"/>
+              </a:rPr>
+              <a:t>, </a:t>
             </a:r>
           </a:p>
           <a:p>
@@ -17656,7 +18888,51 @@
               <a:buFont typeface="Arial" panose="020B0604020202020204" pitchFamily="34" charset="0"/>
               <a:buNone/>
             </a:pPr>
-            <a:endParaRPr lang="en-US" sz="1400" b="0" i="0" dirty="0">
+            <a:r>
+              <a:rPr lang="en-US" sz="1050" b="0" i="0" dirty="0">
+                <a:solidFill>
+                  <a:srgbClr val="ECECF1"/>
+                </a:solidFill>
+                <a:effectLst/>
+                <a:latin typeface="Söhne"/>
+              </a:rPr>
+              <a:t>this processes becomes more accurate and dependable, </a:t>
+            </a:r>
+          </a:p>
+          <a:p>
+            <a:pPr rtl="0" fontAlgn="ctr">
+              <a:spcBef>
+                <a:spcPts val="0"/>
+              </a:spcBef>
+              <a:spcAft>
+                <a:spcPts val="0"/>
+              </a:spcAft>
+              <a:buFont typeface="Arial" panose="020B0604020202020204" pitchFamily="34" charset="0"/>
+              <a:buNone/>
+            </a:pPr>
+            <a:r>
+              <a:rPr lang="en-US" sz="1050" b="0" i="0" dirty="0">
+                <a:solidFill>
+                  <a:srgbClr val="ECECF1"/>
+                </a:solidFill>
+                <a:effectLst/>
+                <a:latin typeface="Söhne"/>
+              </a:rPr>
+              <a:t>minimizing the risks typically associated with manual methods. </a:t>
+            </a:r>
+          </a:p>
+          <a:p>
+            <a:pPr rtl="0" fontAlgn="ctr">
+              <a:spcBef>
+                <a:spcPts val="0"/>
+              </a:spcBef>
+              <a:spcAft>
+                <a:spcPts val="0"/>
+              </a:spcAft>
+              <a:buFont typeface="Arial" panose="020B0604020202020204" pitchFamily="34" charset="0"/>
+              <a:buNone/>
+            </a:pPr>
+            <a:endParaRPr lang="en-US" sz="1050" b="0" i="0" dirty="0">
               <a:solidFill>
                 <a:srgbClr val="ECECF1"/>
               </a:solidFill>
@@ -17675,7 +18951,7 @@
               <a:buFont typeface="Arial" panose="020B0604020202020204" pitchFamily="34" charset="0"/>
               <a:buNone/>
             </a:pPr>
-            <a:endParaRPr lang="en-US" sz="1400" b="0" i="0" dirty="0">
+            <a:endParaRPr lang="en-US" sz="1050" b="0" i="0" dirty="0">
               <a:solidFill>
                 <a:srgbClr val="ECECF1"/>
               </a:solidFill>
@@ -17695,34 +18971,24 @@
               <a:buNone/>
             </a:pPr>
             <a:r>
-              <a:rPr lang="en-US" sz="2000" b="0" i="0" dirty="0">
+              <a:rPr lang="en-US" sz="1050" b="0" i="0" dirty="0">
                 <a:solidFill>
                   <a:srgbClr val="ECECF1"/>
                 </a:solidFill>
                 <a:effectLst/>
                 <a:latin typeface="Söhne"/>
               </a:rPr>
-              <a:t>And since there is less human interaction, there is less potential for human error. Since AI follows predefined algorithms with </a:t>
-            </a:r>
-            <a:r>
-              <a:rPr lang="en-US" sz="2000" b="0" i="1" dirty="0">
+              <a:t>Not to mention, its </a:t>
+            </a:r>
+            <a:r>
+              <a:rPr lang="en-US" sz="1400" b="0" i="0" dirty="0">
                 <a:solidFill>
                   <a:srgbClr val="ECECF1"/>
                 </a:solidFill>
                 <a:effectLst/>
                 <a:latin typeface="Söhne"/>
               </a:rPr>
-              <a:t>precision</a:t>
-            </a:r>
-            <a:r>
-              <a:rPr lang="en-US" sz="2000" b="0" i="0" dirty="0">
-                <a:solidFill>
-                  <a:srgbClr val="ECECF1"/>
-                </a:solidFill>
-                <a:effectLst/>
-                <a:latin typeface="Söhne"/>
-              </a:rPr>
-              <a:t>, this processes becomes more accurate and dependable and minimizes the risks often tied to manual methods. </a:t>
+              <a:t>continuously improving and retains information permanently. </a:t>
             </a:r>
           </a:p>
           <a:p>
@@ -17737,62 +19003,15 @@
               <a:buNone/>
             </a:pPr>
             <a:r>
-              <a:rPr lang="en-US" sz="2000" b="0" i="0" dirty="0">
+              <a:rPr lang="en-US" sz="1400" b="0" i="0" dirty="0">
                 <a:solidFill>
                   <a:srgbClr val="ECECF1"/>
                 </a:solidFill>
                 <a:effectLst/>
                 <a:latin typeface="Söhne"/>
               </a:rPr>
-              <a:t>Not to mention, AI </a:t>
-            </a:r>
-            <a:r>
-              <a:rPr lang="en-US" sz="1400" b="0" i="0" dirty="0">
-                <a:solidFill>
-                  <a:srgbClr val="ECECF1"/>
-                </a:solidFill>
-                <a:effectLst/>
-                <a:latin typeface="Söhne"/>
-              </a:rPr>
-              <a:t>its </a:t>
-            </a:r>
-            <a:r>
-              <a:rPr lang="en-US" sz="2000" b="0" i="0" dirty="0">
-                <a:solidFill>
-                  <a:srgbClr val="ECECF1"/>
-                </a:solidFill>
-                <a:effectLst/>
-                <a:latin typeface="Söhne"/>
-              </a:rPr>
-              <a:t>continuously improving and retains information permanently. and While humans can</a:t>
-            </a:r>
-            <a:r>
-              <a:rPr lang="en-US" sz="2000" b="0" i="1" dirty="0">
-                <a:solidFill>
-                  <a:srgbClr val="ECECF1"/>
-                </a:solidFill>
-                <a:effectLst/>
-                <a:latin typeface="Söhne"/>
-              </a:rPr>
-              <a:t> also</a:t>
-            </a:r>
-            <a:r>
-              <a:rPr lang="en-US" sz="2000" b="0" i="0" dirty="0">
-                <a:solidFill>
-                  <a:srgbClr val="ECECF1"/>
-                </a:solidFill>
-                <a:effectLst/>
-                <a:latin typeface="Söhne"/>
-              </a:rPr>
-              <a:t> learn along the way, their memory is fallible. And When dealing with complex concepts or tasks, AI surpasses humans in acquiring skills, doing so not only more quickly, but more efficiently.</a:t>
-            </a:r>
-            <a:endParaRPr lang="en-US" sz="1400" b="0" i="0" dirty="0">
-              <a:solidFill>
-                <a:srgbClr val="ECECF1"/>
-              </a:solidFill>
-              <a:effectLst/>
-              <a:latin typeface="Söhne"/>
-            </a:endParaRPr>
+              <a:t>And while humans are obviously capable of learning some things as they go, their memory is less reliable. </a:t>
+            </a:r>
           </a:p>
           <a:p>
             <a:pPr rtl="0" fontAlgn="ctr">
@@ -17805,7 +19024,29 @@
               <a:buFont typeface="Arial" panose="020B0604020202020204" pitchFamily="34" charset="0"/>
               <a:buNone/>
             </a:pPr>
-            <a:endParaRPr lang="en-US" sz="1400" b="0" i="0" dirty="0">
+            <a:r>
+              <a:rPr lang="en-US" sz="1400" b="0" i="0" dirty="0">
+                <a:solidFill>
+                  <a:srgbClr val="ECECF1"/>
+                </a:solidFill>
+                <a:effectLst/>
+                <a:latin typeface="Söhne"/>
+              </a:rPr>
+              <a:t>especially for large, complicated ideas or tasks, its going to take a human much longer to obtain the same level of skill as an AI.</a:t>
+            </a:r>
+          </a:p>
+          <a:p>
+            <a:pPr rtl="0" fontAlgn="ctr">
+              <a:spcBef>
+                <a:spcPts val="0"/>
+              </a:spcBef>
+              <a:spcAft>
+                <a:spcPts val="0"/>
+              </a:spcAft>
+              <a:buFont typeface="Arial" panose="020B0604020202020204" pitchFamily="34" charset="0"/>
+              <a:buNone/>
+            </a:pPr>
+            <a:endParaRPr lang="en-US" sz="1400" b="0" i="0">
               <a:solidFill>
                 <a:srgbClr val="ECECF1"/>
               </a:solidFill>
@@ -18280,6 +19521,24 @@
             </a:r>
           </a:p>
           <a:p>
+            <a:endParaRPr lang="en-US" sz="800" b="0" i="1" dirty="0">
+              <a:solidFill>
+                <a:srgbClr val="ECECF1"/>
+              </a:solidFill>
+              <a:effectLst/>
+              <a:latin typeface="Söhne"/>
+            </a:endParaRPr>
+          </a:p>
+          <a:p>
+            <a:endParaRPr lang="en-US" sz="800" b="0" i="1" dirty="0">
+              <a:solidFill>
+                <a:srgbClr val="ECECF1"/>
+              </a:solidFill>
+              <a:effectLst/>
+              <a:latin typeface="Söhne"/>
+            </a:endParaRPr>
+          </a:p>
+          <a:p>
             <a:pPr marL="0" marR="0" rtl="0">
               <a:spcBef>
                 <a:spcPts val="0"/>
@@ -18296,7 +19555,7 @@
                 <a:effectLst/>
                 <a:latin typeface="Söhne"/>
               </a:rPr>
-              <a:t>As a reminder, network scanning focuses on identifying and mapping the infrastructure of a target.</a:t>
+              <a:t>Alright so, since network scanning focuses on identifying and mapping the infrastructure of a target.</a:t>
             </a:r>
           </a:p>
           <a:p>
@@ -18316,7 +19575,7 @@
                 <a:effectLst/>
                 <a:latin typeface="Söhne"/>
               </a:rPr>
-              <a:t>It helps to Imagine it as creating a detailed blueprint for a home where it identifies ‘entrances’ or ‘ports’ to the home</a:t>
+              <a:t>It helps to Imagine it as creating a detailed blueprint for a home </a:t>
             </a:r>
           </a:p>
           <a:p>
@@ -18328,56 +19587,6 @@
                 <a:spcPts val="0"/>
               </a:spcAft>
             </a:pPr>
-            <a:r>
-              <a:rPr lang="en-US" sz="800" dirty="0">
-                <a:solidFill>
-                  <a:srgbClr val="97979A"/>
-                </a:solidFill>
-                <a:effectLst/>
-                <a:latin typeface="Söhne"/>
-              </a:rPr>
-              <a:t>And some ports are more common and receive lots of traffic (like the previously mentioned doors and garage); while others are more obscure and rarely used like a window or a doggie door)</a:t>
-            </a:r>
-          </a:p>
-          <a:p>
-            <a:pPr marL="0" marR="0" rtl="0">
-              <a:spcBef>
-                <a:spcPts val="0"/>
-              </a:spcBef>
-              <a:spcAft>
-                <a:spcPts val="0"/>
-              </a:spcAft>
-            </a:pPr>
-            <a:r>
-              <a:rPr lang="en-US" sz="800" dirty="0">
-                <a:solidFill>
-                  <a:srgbClr val="97979A"/>
-                </a:solidFill>
-                <a:effectLst/>
-                <a:latin typeface="Söhne"/>
-              </a:rPr>
-              <a:t>And by creating this blueprint, we gain a better understanding of the network's layout and potential vulnerabilities</a:t>
-            </a:r>
-          </a:p>
-          <a:p>
-            <a:pPr marL="0" marR="0" rtl="0">
-              <a:spcBef>
-                <a:spcPts val="0"/>
-              </a:spcBef>
-              <a:spcAft>
-                <a:spcPts val="0"/>
-              </a:spcAft>
-            </a:pPr>
-            <a:r>
-              <a:rPr lang="en-US" sz="800" i="1" dirty="0">
-                <a:solidFill>
-                  <a:srgbClr val="97979A"/>
-                </a:solidFill>
-                <a:effectLst/>
-                <a:latin typeface="Söhne"/>
-              </a:rPr>
-              <a:t>As mentioned, the manual tools such as Nmap and Wireshark do this successfully, there are still significant benefits that AI brings to network scanning:</a:t>
-            </a:r>
             <a:endParaRPr lang="en-US" sz="800" dirty="0">
               <a:solidFill>
                 <a:srgbClr val="97979A"/>
@@ -18396,15 +19605,65 @@
               </a:spcAft>
             </a:pPr>
             <a:r>
-              <a:rPr lang="en-US" sz="800" i="1" dirty="0">
+              <a:rPr lang="en-US" sz="800" dirty="0">
                 <a:solidFill>
                   <a:srgbClr val="97979A"/>
                 </a:solidFill>
                 <a:effectLst/>
                 <a:latin typeface="Söhne"/>
               </a:rPr>
-              <a:t>The first thing is Faster Discovery.</a:t>
-            </a:r>
+              <a:t>And the goal of scanning is to identifies ‘entrances’ or ‘ports’ to the home</a:t>
+            </a:r>
+          </a:p>
+          <a:p>
+            <a:pPr marL="0" marR="0" rtl="0">
+              <a:spcBef>
+                <a:spcPts val="0"/>
+              </a:spcBef>
+              <a:spcAft>
+                <a:spcPts val="0"/>
+              </a:spcAft>
+            </a:pPr>
+            <a:r>
+              <a:rPr lang="en-US" sz="800" dirty="0">
+                <a:solidFill>
+                  <a:srgbClr val="97979A"/>
+                </a:solidFill>
+                <a:effectLst/>
+                <a:latin typeface="Söhne"/>
+              </a:rPr>
+              <a:t>And some ports are more common and receive lots of traffic (like the previously mentioned doors and garage); while others are more obscure and rarely used like a window or a doggie door)</a:t>
+            </a:r>
+          </a:p>
+          <a:p>
+            <a:pPr marL="0" marR="0" rtl="0">
+              <a:spcBef>
+                <a:spcPts val="0"/>
+              </a:spcBef>
+              <a:spcAft>
+                <a:spcPts val="0"/>
+              </a:spcAft>
+            </a:pPr>
+            <a:r>
+              <a:rPr lang="en-US" sz="800" dirty="0">
+                <a:solidFill>
+                  <a:srgbClr val="97979A"/>
+                </a:solidFill>
+                <a:effectLst/>
+                <a:latin typeface="Söhne"/>
+              </a:rPr>
+              <a:t>And by creating this blueprint, we gain a better understanding of the network's layout and potential vulnerabilities</a:t>
+            </a:r>
+          </a:p>
+          <a:p>
+            <a:pPr marL="0" marR="0" rtl="0">
+              <a:spcBef>
+                <a:spcPts val="0"/>
+              </a:spcBef>
+              <a:spcAft>
+                <a:spcPts val="0"/>
+              </a:spcAft>
+            </a:pPr>
             <a:endParaRPr lang="en-US" sz="800" dirty="0">
               <a:solidFill>
                 <a:srgbClr val="97979A"/>
@@ -18422,16 +19681,6 @@
                 <a:spcPts val="0"/>
               </a:spcAft>
             </a:pPr>
-            <a:r>
-              <a:rPr lang="en-US" sz="800" i="1" dirty="0">
-                <a:solidFill>
-                  <a:srgbClr val="97979A"/>
-                </a:solidFill>
-                <a:effectLst/>
-                <a:latin typeface="Söhne"/>
-              </a:rPr>
-              <a:t>AI algorithms excel at speed and They can quickly identify live hosts and active services, which reduces the time it takes to map a network. </a:t>
-            </a:r>
             <a:endParaRPr lang="en-US" sz="800" dirty="0">
               <a:solidFill>
                 <a:srgbClr val="97979A"/>
@@ -18450,15 +19699,45 @@
               </a:spcAft>
             </a:pPr>
             <a:r>
-              <a:rPr lang="en-US" sz="800" i="1" dirty="0">
+              <a:rPr lang="en-US" sz="800" dirty="0">
                 <a:solidFill>
                   <a:srgbClr val="97979A"/>
                 </a:solidFill>
                 <a:effectLst/>
                 <a:latin typeface="Söhne"/>
               </a:rPr>
-              <a:t>Intelligent tools are also more adaptive as they can dynamically adjust to changing network conditions and identify subtle patterns that might indicate potential vulnerabilities. </a:t>
-            </a:r>
+              <a:t>During the last course we talked specifically about the tools Nmap and Wireshark </a:t>
+            </a:r>
+          </a:p>
+          <a:p>
+            <a:pPr marL="0" marR="0" rtl="0">
+              <a:spcBef>
+                <a:spcPts val="0"/>
+              </a:spcBef>
+              <a:spcAft>
+                <a:spcPts val="0"/>
+              </a:spcAft>
+            </a:pPr>
+            <a:r>
+              <a:rPr lang="en-US" sz="800" dirty="0">
+                <a:solidFill>
+                  <a:srgbClr val="97979A"/>
+                </a:solidFill>
+                <a:effectLst/>
+                <a:latin typeface="Söhne"/>
+              </a:rPr>
+              <a:t>and discussed some of the limitations that these traditional methods can fall victim to</a:t>
+            </a:r>
+          </a:p>
+          <a:p>
+            <a:pPr marL="0" marR="0" rtl="0">
+              <a:spcBef>
+                <a:spcPts val="0"/>
+              </a:spcBef>
+              <a:spcAft>
+                <a:spcPts val="0"/>
+              </a:spcAft>
+            </a:pPr>
             <a:endParaRPr lang="en-US" sz="800" dirty="0">
               <a:solidFill>
                 <a:srgbClr val="97979A"/>
@@ -18477,15 +19756,25 @@
               </a:spcAft>
             </a:pPr>
             <a:r>
-              <a:rPr lang="en-US" sz="800" i="1" dirty="0">
+              <a:rPr lang="en-US" sz="800" dirty="0">
                 <a:solidFill>
                   <a:srgbClr val="97979A"/>
                 </a:solidFill>
                 <a:effectLst/>
                 <a:latin typeface="Söhne"/>
               </a:rPr>
-              <a:t>This pattern recognition also improves accuracy and reduces the likelihood of false positives/negatives. </a:t>
-            </a:r>
+              <a:t>But, if we can find an effective way to introducing AI into network scanning, </a:t>
+            </a:r>
+          </a:p>
+          <a:p>
+            <a:pPr marL="0" marR="0" rtl="0">
+              <a:spcBef>
+                <a:spcPts val="0"/>
+              </a:spcBef>
+              <a:spcAft>
+                <a:spcPts val="0"/>
+              </a:spcAft>
+            </a:pPr>
             <a:endParaRPr lang="en-US" sz="800" dirty="0">
               <a:solidFill>
                 <a:srgbClr val="97979A"/>
@@ -18504,15 +19793,45 @@
               </a:spcAft>
             </a:pPr>
             <a:r>
-              <a:rPr lang="en-US" sz="800" i="1" dirty="0">
+              <a:rPr lang="en-US" sz="800" dirty="0">
                 <a:solidFill>
                   <a:srgbClr val="97979A"/>
                 </a:solidFill>
                 <a:effectLst/>
                 <a:latin typeface="Söhne"/>
               </a:rPr>
-              <a:t>A great example of AI in Network Scanning is Dark Trace.</a:t>
-            </a:r>
+              <a:t>We can overcome a lot of these and</a:t>
+            </a:r>
+          </a:p>
+          <a:p>
+            <a:pPr marL="0" marR="0" rtl="0">
+              <a:spcBef>
+                <a:spcPts val="0"/>
+              </a:spcBef>
+              <a:spcAft>
+                <a:spcPts val="0"/>
+              </a:spcAft>
+            </a:pPr>
+            <a:r>
+              <a:rPr lang="en-US" sz="800" dirty="0">
+                <a:solidFill>
+                  <a:srgbClr val="97979A"/>
+                </a:solidFill>
+                <a:effectLst/>
+                <a:latin typeface="Söhne"/>
+              </a:rPr>
+              <a:t>achieve faster discovery, improved adaptability, and increased accuracy.</a:t>
+            </a:r>
+          </a:p>
+          <a:p>
+            <a:pPr marL="0" marR="0" rtl="0">
+              <a:spcBef>
+                <a:spcPts val="0"/>
+              </a:spcBef>
+              <a:spcAft>
+                <a:spcPts val="0"/>
+              </a:spcAft>
+            </a:pPr>
             <a:endParaRPr lang="en-US" sz="800" dirty="0">
               <a:solidFill>
                 <a:srgbClr val="97979A"/>
@@ -18531,14 +19850,104 @@
               </a:spcAft>
             </a:pPr>
             <a:r>
-              <a:rPr lang="en-US" sz="800" i="1" dirty="0">
+              <a:rPr lang="en-US" sz="800" dirty="0">
                 <a:solidFill>
                   <a:srgbClr val="97979A"/>
                 </a:solidFill>
                 <a:effectLst/>
                 <a:latin typeface="Söhne"/>
               </a:rPr>
-              <a:t>Darktrace employs unsupervised machine learning, a technique that allows it to autonomously learn and understand the 'normal' behavior of the network. </a:t>
+              <a:t>Faster discovery:</a:t>
+            </a:r>
+          </a:p>
+          <a:p>
+            <a:pPr marL="0" marR="0" rtl="0">
+              <a:spcBef>
+                <a:spcPts val="0"/>
+              </a:spcBef>
+              <a:spcAft>
+                <a:spcPts val="0"/>
+              </a:spcAft>
+            </a:pPr>
+            <a:r>
+              <a:rPr lang="en-US" sz="800" dirty="0">
+                <a:solidFill>
+                  <a:srgbClr val="97979A"/>
+                </a:solidFill>
+                <a:effectLst/>
+                <a:latin typeface="Söhne"/>
+              </a:rPr>
+              <a:t>So Traditional methods often involve lengthy processes to identify live hosts and active services on a network. </a:t>
+            </a:r>
+          </a:p>
+          <a:p>
+            <a:pPr marL="0" marR="0" rtl="0">
+              <a:spcBef>
+                <a:spcPts val="0"/>
+              </a:spcBef>
+              <a:spcAft>
+                <a:spcPts val="0"/>
+              </a:spcAft>
+            </a:pPr>
+            <a:r>
+              <a:rPr lang="en-US" sz="800" dirty="0">
+                <a:solidFill>
+                  <a:srgbClr val="97979A"/>
+                </a:solidFill>
+                <a:effectLst/>
+                <a:latin typeface="Söhne"/>
+              </a:rPr>
+              <a:t>And this length stems from a few things, most notably that </a:t>
+            </a:r>
+          </a:p>
+          <a:p>
+            <a:pPr marL="0" marR="0" rtl="0">
+              <a:spcBef>
+                <a:spcPts val="0"/>
+              </a:spcBef>
+              <a:spcAft>
+                <a:spcPts val="0"/>
+              </a:spcAft>
+            </a:pPr>
+            <a:r>
+              <a:rPr lang="en-US" sz="800" dirty="0">
+                <a:solidFill>
+                  <a:srgbClr val="97979A"/>
+                </a:solidFill>
+                <a:effectLst/>
+                <a:latin typeface="Söhne"/>
+              </a:rPr>
+              <a:t>each host and service is scanned sequentially,</a:t>
+            </a:r>
+          </a:p>
+          <a:p>
+            <a:pPr marL="0" marR="0" rtl="0">
+              <a:spcBef>
+                <a:spcPts val="0"/>
+              </a:spcBef>
+              <a:spcAft>
+                <a:spcPts val="0"/>
+              </a:spcAft>
+            </a:pPr>
+            <a:r>
+              <a:rPr lang="en-US" sz="800" dirty="0">
+                <a:solidFill>
+                  <a:srgbClr val="97979A"/>
+                </a:solidFill>
+                <a:effectLst/>
+                <a:latin typeface="Söhne"/>
+              </a:rPr>
+              <a:t>And They require </a:t>
+            </a:r>
+            <a:r>
+              <a:rPr lang="en-US" sz="1050" b="0" i="0" dirty="0">
+                <a:solidFill>
+                  <a:srgbClr val="D1D5DB"/>
+                </a:solidFill>
+                <a:effectLst/>
+                <a:latin typeface="Söhne"/>
+              </a:rPr>
+              <a:t>manual intervention,</a:t>
             </a:r>
             <a:endParaRPr lang="en-US" sz="800" dirty="0">
               <a:solidFill>
@@ -18557,19 +19966,1537 @@
                 <a:spcPts val="0"/>
               </a:spcAft>
             </a:pPr>
-            <a:r>
-              <a:rPr lang="en-US" sz="800" i="1" dirty="0">
-                <a:solidFill>
-                  <a:srgbClr val="97979A"/>
-                </a:solidFill>
-                <a:effectLst/>
-                <a:latin typeface="Söhne"/>
-              </a:rPr>
-              <a:t>So instead of relying on predefined rules, Darktrace is able to dynamically adjust to changing network conditions and identify patterns</a:t>
-            </a:r>
             <a:endParaRPr lang="en-US" sz="800" dirty="0">
               <a:solidFill>
                 <a:srgbClr val="97979A"/>
+              </a:solidFill>
+              <a:effectLst/>
+              <a:latin typeface="Söhne"/>
+            </a:endParaRPr>
+          </a:p>
+          <a:p>
+            <a:pPr marL="0" marR="0" rtl="0">
+              <a:spcBef>
+                <a:spcPts val="0"/>
+              </a:spcBef>
+              <a:spcAft>
+                <a:spcPts val="0"/>
+              </a:spcAft>
+            </a:pPr>
+            <a:r>
+              <a:rPr lang="en-US" sz="800" dirty="0">
+                <a:solidFill>
+                  <a:srgbClr val="97979A"/>
+                </a:solidFill>
+                <a:effectLst/>
+                <a:latin typeface="Söhne"/>
+              </a:rPr>
+              <a:t>And This can take considerable time,</a:t>
+            </a:r>
+          </a:p>
+          <a:p>
+            <a:pPr marL="0" marR="0" rtl="0">
+              <a:spcBef>
+                <a:spcPts val="0"/>
+              </a:spcBef>
+              <a:spcAft>
+                <a:spcPts val="0"/>
+              </a:spcAft>
+            </a:pPr>
+            <a:r>
+              <a:rPr lang="en-US" sz="800" dirty="0">
+                <a:solidFill>
+                  <a:srgbClr val="97979A"/>
+                </a:solidFill>
+                <a:effectLst/>
+                <a:latin typeface="Söhne"/>
+              </a:rPr>
+              <a:t> especially in large and complex environments..</a:t>
+            </a:r>
+          </a:p>
+          <a:p>
+            <a:pPr marL="0" marR="0" rtl="0">
+              <a:spcBef>
+                <a:spcPts val="0"/>
+              </a:spcBef>
+              <a:spcAft>
+                <a:spcPts val="0"/>
+              </a:spcAft>
+            </a:pPr>
+            <a:endParaRPr lang="en-US" sz="800" dirty="0">
+              <a:solidFill>
+                <a:srgbClr val="97979A"/>
+              </a:solidFill>
+              <a:effectLst/>
+              <a:latin typeface="Söhne"/>
+            </a:endParaRPr>
+          </a:p>
+          <a:p>
+            <a:pPr marL="0" marR="0" rtl="0">
+              <a:spcBef>
+                <a:spcPts val="0"/>
+              </a:spcBef>
+              <a:spcAft>
+                <a:spcPts val="0"/>
+              </a:spcAft>
+            </a:pPr>
+            <a:endParaRPr lang="en-US" sz="800" dirty="0">
+              <a:solidFill>
+                <a:srgbClr val="97979A"/>
+              </a:solidFill>
+              <a:effectLst/>
+              <a:latin typeface="Söhne"/>
+            </a:endParaRPr>
+          </a:p>
+          <a:p>
+            <a:pPr marL="0" marR="0" rtl="0">
+              <a:spcBef>
+                <a:spcPts val="0"/>
+              </a:spcBef>
+              <a:spcAft>
+                <a:spcPts val="0"/>
+              </a:spcAft>
+            </a:pPr>
+            <a:r>
+              <a:rPr lang="en-US" sz="800" dirty="0">
+                <a:solidFill>
+                  <a:srgbClr val="97979A"/>
+                </a:solidFill>
+                <a:effectLst/>
+                <a:latin typeface="Söhne"/>
+              </a:rPr>
+              <a:t>But Ais ability to operate in parallel, means that they can handle multiple tasks simultaneously. </a:t>
+            </a:r>
+          </a:p>
+          <a:p>
+            <a:pPr marL="0" marR="0" rtl="0">
+              <a:spcBef>
+                <a:spcPts val="0"/>
+              </a:spcBef>
+              <a:spcAft>
+                <a:spcPts val="0"/>
+              </a:spcAft>
+            </a:pPr>
+            <a:r>
+              <a:rPr lang="en-US" sz="800" dirty="0">
+                <a:solidFill>
+                  <a:srgbClr val="97979A"/>
+                </a:solidFill>
+                <a:effectLst/>
+                <a:latin typeface="Söhne"/>
+              </a:rPr>
+              <a:t>While traditional tools might scan one host at a time, </a:t>
+            </a:r>
+          </a:p>
+          <a:p>
+            <a:pPr marL="0" marR="0" rtl="0">
+              <a:spcBef>
+                <a:spcPts val="0"/>
+              </a:spcBef>
+              <a:spcAft>
+                <a:spcPts val="0"/>
+              </a:spcAft>
+            </a:pPr>
+            <a:r>
+              <a:rPr lang="en-US" sz="800" dirty="0">
+                <a:solidFill>
+                  <a:srgbClr val="97979A"/>
+                </a:solidFill>
+                <a:effectLst/>
+                <a:latin typeface="Söhne"/>
+              </a:rPr>
+              <a:t>or break them into small groups and offer a sort of parallelism on a small scale, </a:t>
+            </a:r>
+          </a:p>
+          <a:p>
+            <a:pPr marL="0" marR="0" rtl="0">
+              <a:spcBef>
+                <a:spcPts val="0"/>
+              </a:spcBef>
+              <a:spcAft>
+                <a:spcPts val="0"/>
+              </a:spcAft>
+            </a:pPr>
+            <a:r>
+              <a:rPr lang="en-US" sz="800" dirty="0">
+                <a:solidFill>
+                  <a:srgbClr val="97979A"/>
+                </a:solidFill>
+                <a:effectLst/>
+                <a:latin typeface="Söhne"/>
+              </a:rPr>
+              <a:t>they can be slow and inefficient when dealing with large datasets. </a:t>
+            </a:r>
+          </a:p>
+          <a:p>
+            <a:pPr marL="0" marR="0" rtl="0">
+              <a:spcBef>
+                <a:spcPts val="0"/>
+              </a:spcBef>
+              <a:spcAft>
+                <a:spcPts val="0"/>
+              </a:spcAft>
+            </a:pPr>
+            <a:endParaRPr lang="en-US" sz="800" dirty="0">
+              <a:solidFill>
+                <a:srgbClr val="97979A"/>
+              </a:solidFill>
+              <a:effectLst/>
+              <a:latin typeface="Söhne"/>
+            </a:endParaRPr>
+          </a:p>
+          <a:p>
+            <a:pPr marL="0" marR="0" rtl="0">
+              <a:spcBef>
+                <a:spcPts val="0"/>
+              </a:spcBef>
+              <a:spcAft>
+                <a:spcPts val="0"/>
+              </a:spcAft>
+            </a:pPr>
+            <a:r>
+              <a:rPr lang="en-US" sz="800" dirty="0">
+                <a:solidFill>
+                  <a:srgbClr val="97979A"/>
+                </a:solidFill>
+                <a:effectLst/>
+                <a:latin typeface="Söhne"/>
+              </a:rPr>
+              <a:t>But AI algorithms are not limited ,</a:t>
+            </a:r>
+          </a:p>
+          <a:p>
+            <a:pPr marL="0" marR="0" rtl="0">
+              <a:spcBef>
+                <a:spcPts val="0"/>
+              </a:spcBef>
+              <a:spcAft>
+                <a:spcPts val="0"/>
+              </a:spcAft>
+            </a:pPr>
+            <a:r>
+              <a:rPr lang="en-US" sz="800" dirty="0">
+                <a:solidFill>
+                  <a:srgbClr val="97979A"/>
+                </a:solidFill>
+                <a:effectLst/>
+                <a:latin typeface="Söhne"/>
+              </a:rPr>
+              <a:t>They can distribute the workload across multiple processors or cores, and work to identify live hosts concurrently. </a:t>
+            </a:r>
+          </a:p>
+          <a:p>
+            <a:pPr marL="0" marR="0" rtl="0">
+              <a:spcBef>
+                <a:spcPts val="0"/>
+              </a:spcBef>
+              <a:spcAft>
+                <a:spcPts val="0"/>
+              </a:spcAft>
+            </a:pPr>
+            <a:r>
+              <a:rPr lang="en-US" sz="800" dirty="0">
+                <a:solidFill>
+                  <a:srgbClr val="97979A"/>
+                </a:solidFill>
+                <a:effectLst/>
+                <a:latin typeface="Söhne"/>
+              </a:rPr>
+              <a:t>This parallel processing could significantly reduce the time it takes to gather that initial information about the network's layout.</a:t>
+            </a:r>
+          </a:p>
+          <a:p>
+            <a:pPr marL="0" marR="0" rtl="0">
+              <a:spcBef>
+                <a:spcPts val="0"/>
+              </a:spcBef>
+              <a:spcAft>
+                <a:spcPts val="0"/>
+              </a:spcAft>
+            </a:pPr>
+            <a:endParaRPr lang="en-US" sz="800" dirty="0">
+              <a:solidFill>
+                <a:srgbClr val="97979A"/>
+              </a:solidFill>
+              <a:effectLst/>
+              <a:latin typeface="Söhne"/>
+            </a:endParaRPr>
+          </a:p>
+          <a:p>
+            <a:pPr marL="0" marR="0" rtl="0">
+              <a:spcBef>
+                <a:spcPts val="0"/>
+              </a:spcBef>
+              <a:spcAft>
+                <a:spcPts val="0"/>
+              </a:spcAft>
+            </a:pPr>
+            <a:r>
+              <a:rPr lang="en-US" sz="800" dirty="0">
+                <a:solidFill>
+                  <a:srgbClr val="97979A"/>
+                </a:solidFill>
+                <a:effectLst/>
+                <a:latin typeface="Söhne"/>
+              </a:rPr>
+              <a:t>Also, AI excels at pattern recognition. </a:t>
+            </a:r>
+          </a:p>
+          <a:p>
+            <a:pPr marL="0" marR="0" rtl="0">
+              <a:spcBef>
+                <a:spcPts val="0"/>
+              </a:spcBef>
+              <a:spcAft>
+                <a:spcPts val="0"/>
+              </a:spcAft>
+            </a:pPr>
+            <a:r>
+              <a:rPr lang="en-US" sz="800" dirty="0">
+                <a:solidFill>
+                  <a:srgbClr val="97979A"/>
+                </a:solidFill>
+                <a:effectLst/>
+                <a:latin typeface="Söhne"/>
+              </a:rPr>
+              <a:t>The Machine learning algorithms are able to quickly recognize typical patterns associated with live hosts or active services,</a:t>
+            </a:r>
+          </a:p>
+          <a:p>
+            <a:pPr marL="0" marR="0" rtl="0">
+              <a:spcBef>
+                <a:spcPts val="0"/>
+              </a:spcBef>
+              <a:spcAft>
+                <a:spcPts val="0"/>
+              </a:spcAft>
+            </a:pPr>
+            <a:r>
+              <a:rPr lang="en-US" sz="800" dirty="0">
+                <a:solidFill>
+                  <a:srgbClr val="97979A"/>
+                </a:solidFill>
+                <a:effectLst/>
+                <a:latin typeface="Söhne"/>
+              </a:rPr>
+              <a:t>And make the identification process more efficient. </a:t>
+            </a:r>
+          </a:p>
+          <a:p>
+            <a:pPr marL="0" marR="0" rtl="0">
+              <a:spcBef>
+                <a:spcPts val="0"/>
+              </a:spcBef>
+              <a:spcAft>
+                <a:spcPts val="0"/>
+              </a:spcAft>
+            </a:pPr>
+            <a:endParaRPr lang="en-US" sz="800" dirty="0">
+              <a:solidFill>
+                <a:srgbClr val="97979A"/>
+              </a:solidFill>
+              <a:effectLst/>
+              <a:latin typeface="Söhne"/>
+            </a:endParaRPr>
+          </a:p>
+          <a:p>
+            <a:pPr marL="0" marR="0" rtl="0">
+              <a:spcBef>
+                <a:spcPts val="0"/>
+              </a:spcBef>
+              <a:spcAft>
+                <a:spcPts val="0"/>
+              </a:spcAft>
+            </a:pPr>
+            <a:r>
+              <a:rPr lang="en-US" sz="800" dirty="0">
+                <a:solidFill>
+                  <a:srgbClr val="97979A"/>
+                </a:solidFill>
+                <a:effectLst/>
+                <a:latin typeface="Söhne"/>
+              </a:rPr>
+              <a:t>For example, it can observe and create a map of a network's regular activities during a learning phase, </a:t>
+            </a:r>
+          </a:p>
+          <a:p>
+            <a:pPr marL="0" marR="0" rtl="0">
+              <a:spcBef>
+                <a:spcPts val="0"/>
+              </a:spcBef>
+              <a:spcAft>
+                <a:spcPts val="0"/>
+              </a:spcAft>
+            </a:pPr>
+            <a:r>
+              <a:rPr lang="en-US" sz="800" dirty="0">
+                <a:solidFill>
+                  <a:srgbClr val="97979A"/>
+                </a:solidFill>
+                <a:effectLst/>
+                <a:latin typeface="Söhne"/>
+              </a:rPr>
+              <a:t>where it will note patterns in the  </a:t>
+            </a:r>
+            <a:r>
+              <a:rPr lang="en-US" sz="800" dirty="0" err="1">
+                <a:solidFill>
+                  <a:srgbClr val="97979A"/>
+                </a:solidFill>
+                <a:effectLst/>
+                <a:latin typeface="Söhne"/>
+              </a:rPr>
+              <a:t>the</a:t>
+            </a:r>
+            <a:r>
+              <a:rPr lang="en-US" sz="800" dirty="0">
+                <a:solidFill>
+                  <a:srgbClr val="97979A"/>
+                </a:solidFill>
+                <a:effectLst/>
+                <a:latin typeface="Söhne"/>
+              </a:rPr>
+              <a:t> interactions between hosts, the services commonly in use, and the expected data flow during standard operations.</a:t>
+            </a:r>
+          </a:p>
+          <a:p>
+            <a:pPr marL="0" marR="0" rtl="0">
+              <a:spcBef>
+                <a:spcPts val="0"/>
+              </a:spcBef>
+              <a:spcAft>
+                <a:spcPts val="0"/>
+              </a:spcAft>
+            </a:pPr>
+            <a:endParaRPr lang="en-US" sz="800" dirty="0">
+              <a:solidFill>
+                <a:srgbClr val="97979A"/>
+              </a:solidFill>
+              <a:effectLst/>
+              <a:latin typeface="Söhne"/>
+            </a:endParaRPr>
+          </a:p>
+          <a:p>
+            <a:pPr marL="0" marR="0" rtl="0">
+              <a:spcBef>
+                <a:spcPts val="0"/>
+              </a:spcBef>
+              <a:spcAft>
+                <a:spcPts val="0"/>
+              </a:spcAft>
+            </a:pPr>
+            <a:r>
+              <a:rPr lang="en-US" sz="800" dirty="0">
+                <a:solidFill>
+                  <a:srgbClr val="97979A"/>
+                </a:solidFill>
+                <a:effectLst/>
+                <a:latin typeface="Söhne"/>
+              </a:rPr>
+              <a:t>After then after the learning phase, the AI now has a baseline of what is considered normal behavior,</a:t>
+            </a:r>
+          </a:p>
+          <a:p>
+            <a:pPr marL="0" marR="0" rtl="0">
+              <a:spcBef>
+                <a:spcPts val="0"/>
+              </a:spcBef>
+              <a:spcAft>
+                <a:spcPts val="0"/>
+              </a:spcAft>
+            </a:pPr>
+            <a:r>
+              <a:rPr lang="en-US" sz="800" dirty="0">
+                <a:solidFill>
+                  <a:srgbClr val="97979A"/>
+                </a:solidFill>
+                <a:effectLst/>
+                <a:latin typeface="Söhne"/>
+              </a:rPr>
+              <a:t>where it can recognize patterns associated with live hosts and services under standard operating conditions.</a:t>
+            </a:r>
+          </a:p>
+          <a:p>
+            <a:pPr marL="0" marR="0" rtl="0">
+              <a:spcBef>
+                <a:spcPts val="0"/>
+              </a:spcBef>
+              <a:spcAft>
+                <a:spcPts val="0"/>
+              </a:spcAft>
+            </a:pPr>
+            <a:endParaRPr lang="en-US" sz="800" dirty="0">
+              <a:solidFill>
+                <a:srgbClr val="97979A"/>
+              </a:solidFill>
+              <a:effectLst/>
+              <a:latin typeface="Söhne"/>
+            </a:endParaRPr>
+          </a:p>
+          <a:p>
+            <a:pPr marL="0" marR="0" rtl="0">
+              <a:spcBef>
+                <a:spcPts val="0"/>
+              </a:spcBef>
+              <a:spcAft>
+                <a:spcPts val="0"/>
+              </a:spcAft>
+            </a:pPr>
+            <a:r>
+              <a:rPr lang="en-US" sz="800" dirty="0">
+                <a:solidFill>
+                  <a:srgbClr val="97979A"/>
+                </a:solidFill>
+                <a:effectLst/>
+                <a:latin typeface="Söhne"/>
+              </a:rPr>
+              <a:t>and since it has this baseline,</a:t>
+            </a:r>
+          </a:p>
+          <a:p>
+            <a:pPr marL="0" marR="0" rtl="0">
+              <a:spcBef>
+                <a:spcPts val="0"/>
+              </a:spcBef>
+              <a:spcAft>
+                <a:spcPts val="0"/>
+              </a:spcAft>
+            </a:pPr>
+            <a:r>
+              <a:rPr lang="en-US" sz="800" dirty="0">
+                <a:solidFill>
+                  <a:srgbClr val="97979A"/>
+                </a:solidFill>
+                <a:effectLst/>
+                <a:latin typeface="Söhne"/>
+              </a:rPr>
+              <a:t>the AI can strategically focus its efforts and </a:t>
+            </a:r>
+          </a:p>
+          <a:p>
+            <a:pPr marL="0" marR="0" rtl="0">
+              <a:spcBef>
+                <a:spcPts val="0"/>
+              </a:spcBef>
+              <a:spcAft>
+                <a:spcPts val="0"/>
+              </a:spcAft>
+            </a:pPr>
+            <a:r>
+              <a:rPr lang="en-US" sz="800" dirty="0" err="1">
+                <a:solidFill>
+                  <a:srgbClr val="97979A"/>
+                </a:solidFill>
+                <a:effectLst/>
+                <a:latin typeface="Söhne"/>
+              </a:rPr>
+              <a:t>prioritizie</a:t>
+            </a:r>
+            <a:r>
+              <a:rPr lang="en-US" sz="800" dirty="0">
+                <a:solidFill>
+                  <a:srgbClr val="97979A"/>
+                </a:solidFill>
+                <a:effectLst/>
+                <a:latin typeface="Söhne"/>
+              </a:rPr>
+              <a:t> the hosts most likely to be active based on prior patterns. </a:t>
+            </a:r>
+          </a:p>
+          <a:p>
+            <a:pPr marL="0" marR="0" rtl="0">
+              <a:spcBef>
+                <a:spcPts val="0"/>
+              </a:spcBef>
+              <a:spcAft>
+                <a:spcPts val="0"/>
+              </a:spcAft>
+            </a:pPr>
+            <a:r>
+              <a:rPr lang="en-US" sz="800" dirty="0">
+                <a:solidFill>
+                  <a:srgbClr val="97979A"/>
+                </a:solidFill>
+                <a:effectLst/>
+                <a:latin typeface="Söhne"/>
+              </a:rPr>
+              <a:t>basically, Instead of methodically scanning each host, </a:t>
+            </a:r>
+          </a:p>
+          <a:p>
+            <a:pPr marL="0" marR="0" rtl="0">
+              <a:spcBef>
+                <a:spcPts val="0"/>
+              </a:spcBef>
+              <a:spcAft>
+                <a:spcPts val="0"/>
+              </a:spcAft>
+            </a:pPr>
+            <a:r>
+              <a:rPr lang="en-US" sz="800" dirty="0">
+                <a:solidFill>
+                  <a:srgbClr val="97979A"/>
+                </a:solidFill>
+                <a:effectLst/>
+                <a:latin typeface="Söhne"/>
+              </a:rPr>
+              <a:t>it can efficiently identify live hosts more rapidly.</a:t>
+            </a:r>
+          </a:p>
+          <a:p>
+            <a:pPr marL="0" marR="0" rtl="0">
+              <a:spcBef>
+                <a:spcPts val="0"/>
+              </a:spcBef>
+              <a:spcAft>
+                <a:spcPts val="0"/>
+              </a:spcAft>
+            </a:pPr>
+            <a:endParaRPr lang="en-US" sz="800" dirty="0">
+              <a:solidFill>
+                <a:srgbClr val="97979A"/>
+              </a:solidFill>
+              <a:effectLst/>
+              <a:latin typeface="Söhne"/>
+            </a:endParaRPr>
+          </a:p>
+          <a:p>
+            <a:pPr marL="0" marR="0" rtl="0">
+              <a:spcBef>
+                <a:spcPts val="0"/>
+              </a:spcBef>
+              <a:spcAft>
+                <a:spcPts val="0"/>
+              </a:spcAft>
+            </a:pPr>
+            <a:endParaRPr lang="en-US" sz="800" dirty="0">
+              <a:solidFill>
+                <a:srgbClr val="97979A"/>
+              </a:solidFill>
+              <a:effectLst/>
+              <a:latin typeface="Söhne"/>
+            </a:endParaRPr>
+          </a:p>
+          <a:p>
+            <a:pPr marL="0" marR="0" rtl="0">
+              <a:spcBef>
+                <a:spcPts val="0"/>
+              </a:spcBef>
+              <a:spcAft>
+                <a:spcPts val="0"/>
+              </a:spcAft>
+            </a:pPr>
+            <a:r>
+              <a:rPr lang="en-US" sz="800" dirty="0">
+                <a:solidFill>
+                  <a:srgbClr val="97979A"/>
+                </a:solidFill>
+                <a:effectLst/>
+                <a:latin typeface="Söhne"/>
+              </a:rPr>
+              <a:t>And this </a:t>
+            </a:r>
+            <a:r>
+              <a:rPr lang="en-US" sz="1050" b="0" i="0" dirty="0">
+                <a:solidFill>
+                  <a:srgbClr val="D1D5DB"/>
+                </a:solidFill>
+                <a:effectLst/>
+                <a:latin typeface="Söhne"/>
+              </a:rPr>
+              <a:t>proficiency</a:t>
+            </a:r>
+            <a:r>
+              <a:rPr lang="en-US" sz="800" dirty="0">
+                <a:solidFill>
+                  <a:srgbClr val="97979A"/>
+                </a:solidFill>
+                <a:effectLst/>
+                <a:latin typeface="Söhne"/>
+              </a:rPr>
+              <a:t> At pattern recognition brings us to our next point – adaptability.</a:t>
+            </a:r>
+          </a:p>
+          <a:p>
+            <a:pPr marL="0" marR="0" rtl="0">
+              <a:spcBef>
+                <a:spcPts val="0"/>
+              </a:spcBef>
+              <a:spcAft>
+                <a:spcPts val="0"/>
+              </a:spcAft>
+            </a:pPr>
+            <a:endParaRPr lang="en-US" sz="800" dirty="0">
+              <a:solidFill>
+                <a:srgbClr val="97979A"/>
+              </a:solidFill>
+              <a:effectLst/>
+              <a:latin typeface="Söhne"/>
+            </a:endParaRPr>
+          </a:p>
+          <a:p>
+            <a:pPr marL="0" marR="0" rtl="0">
+              <a:spcBef>
+                <a:spcPts val="0"/>
+              </a:spcBef>
+              <a:spcAft>
+                <a:spcPts val="0"/>
+              </a:spcAft>
+            </a:pPr>
+            <a:r>
+              <a:rPr lang="en-US" sz="1050" b="0" i="0" dirty="0">
+                <a:solidFill>
+                  <a:srgbClr val="D1D5DB"/>
+                </a:solidFill>
+                <a:effectLst/>
+                <a:latin typeface="Söhne"/>
+              </a:rPr>
+              <a:t>Unlike traditional scanners that depend on fixed signature databases, </a:t>
+            </a:r>
+          </a:p>
+          <a:p>
+            <a:pPr marL="0" marR="0" rtl="0">
+              <a:spcBef>
+                <a:spcPts val="0"/>
+              </a:spcBef>
+              <a:spcAft>
+                <a:spcPts val="0"/>
+              </a:spcAft>
+            </a:pPr>
+            <a:r>
+              <a:rPr lang="en-US" sz="1050" b="0" i="0" dirty="0">
+                <a:solidFill>
+                  <a:srgbClr val="D1D5DB"/>
+                </a:solidFill>
+                <a:effectLst/>
+                <a:latin typeface="Söhne"/>
+              </a:rPr>
+              <a:t>an AI scanner can adaptively generate and update its own signatures based on evolving patterns. </a:t>
+            </a:r>
+          </a:p>
+          <a:p>
+            <a:pPr marL="0" marR="0" rtl="0">
+              <a:spcBef>
+                <a:spcPts val="0"/>
+              </a:spcBef>
+              <a:spcAft>
+                <a:spcPts val="0"/>
+              </a:spcAft>
+            </a:pPr>
+            <a:r>
+              <a:rPr lang="en-US" sz="1050" b="0" i="0" dirty="0">
+                <a:solidFill>
+                  <a:srgbClr val="D1D5DB"/>
+                </a:solidFill>
+                <a:effectLst/>
+                <a:latin typeface="Söhne"/>
+              </a:rPr>
+              <a:t>This is invaluable because, as threats are constantly changing,</a:t>
+            </a:r>
+          </a:p>
+          <a:p>
+            <a:pPr marL="0" marR="0" rtl="0">
+              <a:spcBef>
+                <a:spcPts val="0"/>
+              </a:spcBef>
+              <a:spcAft>
+                <a:spcPts val="0"/>
+              </a:spcAft>
+            </a:pPr>
+            <a:endParaRPr lang="en-US" sz="1050" b="0" i="0" dirty="0">
+              <a:solidFill>
+                <a:srgbClr val="D1D5DB"/>
+              </a:solidFill>
+              <a:effectLst/>
+              <a:latin typeface="Söhne"/>
+            </a:endParaRPr>
+          </a:p>
+          <a:p>
+            <a:pPr marL="0" marR="0" rtl="0">
+              <a:spcBef>
+                <a:spcPts val="0"/>
+              </a:spcBef>
+              <a:spcAft>
+                <a:spcPts val="0"/>
+              </a:spcAft>
+            </a:pPr>
+            <a:r>
+              <a:rPr lang="en-US" sz="1050" b="0" i="0" dirty="0">
+                <a:solidFill>
+                  <a:srgbClr val="D1D5DB"/>
+                </a:solidFill>
+                <a:effectLst/>
+                <a:latin typeface="Söhne"/>
+              </a:rPr>
+              <a:t>An AI scanner can analyze historical data and learn, in real time ,  from the network's patterns</a:t>
+            </a:r>
+          </a:p>
+          <a:p>
+            <a:pPr marL="0" marR="0" rtl="0">
+              <a:spcBef>
+                <a:spcPts val="0"/>
+              </a:spcBef>
+              <a:spcAft>
+                <a:spcPts val="0"/>
+              </a:spcAft>
+            </a:pPr>
+            <a:r>
+              <a:rPr lang="en-US" sz="1050" b="0" i="0" dirty="0">
+                <a:solidFill>
+                  <a:srgbClr val="D1D5DB"/>
+                </a:solidFill>
+                <a:effectLst/>
+                <a:latin typeface="Söhne"/>
+              </a:rPr>
+              <a:t>In order to remain effective.</a:t>
+            </a:r>
+          </a:p>
+          <a:p>
+            <a:pPr algn="l"/>
+            <a:r>
+              <a:rPr lang="en-US" sz="1050" b="0" i="0" dirty="0">
+                <a:solidFill>
+                  <a:srgbClr val="D1D5DB"/>
+                </a:solidFill>
+                <a:effectLst/>
+                <a:latin typeface="Söhne"/>
+              </a:rPr>
+              <a:t>For example, </a:t>
+            </a:r>
+            <a:r>
+              <a:rPr lang="en-US" sz="1400" b="0" i="0" dirty="0">
+                <a:solidFill>
+                  <a:srgbClr val="D1D5DB"/>
+                </a:solidFill>
+                <a:effectLst/>
+                <a:latin typeface="Söhne"/>
+              </a:rPr>
+              <a:t>since a traditional scanner relies on a fixed set of signatures,</a:t>
+            </a:r>
+          </a:p>
+          <a:p>
+            <a:pPr algn="l"/>
+            <a:r>
+              <a:rPr lang="en-US" sz="1400" b="0" i="0" dirty="0">
+                <a:solidFill>
+                  <a:srgbClr val="D1D5DB"/>
+                </a:solidFill>
+                <a:effectLst/>
+                <a:latin typeface="Söhne"/>
+              </a:rPr>
+              <a:t>If there are any subtle changes, the traditional scanner might miss it, as it hasn't been explicitly programmed to recognize this variation.</a:t>
+            </a:r>
+          </a:p>
+          <a:p>
+            <a:pPr algn="l"/>
+            <a:r>
+              <a:rPr lang="en-US" sz="1400" b="0" i="0" dirty="0">
+                <a:solidFill>
+                  <a:srgbClr val="D1D5DB"/>
+                </a:solidFill>
+                <a:effectLst/>
+                <a:latin typeface="Söhne"/>
+              </a:rPr>
+              <a:t>but, an AI scanner, using its ability to continuously learns from historical data, can dynamically update its signatures in real time,</a:t>
+            </a:r>
+          </a:p>
+          <a:p>
+            <a:pPr algn="l"/>
+            <a:r>
+              <a:rPr lang="en-US" sz="1400" b="0" i="0" dirty="0">
+                <a:solidFill>
+                  <a:srgbClr val="D1D5DB"/>
+                </a:solidFill>
+                <a:effectLst/>
+                <a:latin typeface="Söhne"/>
+              </a:rPr>
+              <a:t>And </a:t>
+            </a:r>
+            <a:r>
+              <a:rPr lang="en-US" sz="1050" b="0" i="0" dirty="0">
+                <a:solidFill>
+                  <a:srgbClr val="D1D5DB"/>
+                </a:solidFill>
+                <a:effectLst/>
+                <a:latin typeface="Söhne"/>
+              </a:rPr>
+              <a:t>adapt to recognize new, unseen data.</a:t>
+            </a:r>
+          </a:p>
+          <a:p>
+            <a:pPr marL="0" marR="0" rtl="0">
+              <a:spcBef>
+                <a:spcPts val="0"/>
+              </a:spcBef>
+              <a:spcAft>
+                <a:spcPts val="0"/>
+              </a:spcAft>
+            </a:pPr>
+            <a:endParaRPr lang="en-US" sz="1050" b="0" i="0" dirty="0">
+              <a:solidFill>
+                <a:srgbClr val="D1D5DB"/>
+              </a:solidFill>
+              <a:effectLst/>
+              <a:latin typeface="Söhne"/>
+            </a:endParaRPr>
+          </a:p>
+          <a:p>
+            <a:pPr marL="0" marR="0" lvl="0" indent="0" algn="l" defTabSz="914400" rtl="0" eaLnBrk="1" fontAlgn="auto" latinLnBrk="0" hangingPunct="1">
+              <a:lnSpc>
+                <a:spcPct val="100000"/>
+              </a:lnSpc>
+              <a:spcBef>
+                <a:spcPts val="0"/>
+              </a:spcBef>
+              <a:spcAft>
+                <a:spcPts val="0"/>
+              </a:spcAft>
+              <a:buClrTx/>
+              <a:buSzTx/>
+              <a:buFontTx/>
+              <a:buNone/>
+              <a:tabLst/>
+              <a:defRPr/>
+            </a:pPr>
+            <a:r>
+              <a:rPr lang="en-US" sz="1050" b="0" i="0" dirty="0">
+                <a:solidFill>
+                  <a:srgbClr val="D1D5DB"/>
+                </a:solidFill>
+                <a:effectLst/>
+                <a:latin typeface="Söhne"/>
+              </a:rPr>
+              <a:t>and, </a:t>
+            </a:r>
+            <a:r>
+              <a:rPr lang="en-US" sz="1050" i="1" dirty="0">
+                <a:solidFill>
+                  <a:srgbClr val="97979A"/>
+                </a:solidFill>
+                <a:effectLst/>
+                <a:latin typeface="Söhne"/>
+              </a:rPr>
+              <a:t>This pattern recognition and </a:t>
+            </a:r>
+            <a:r>
+              <a:rPr lang="en-US" sz="1050" i="1" dirty="0" err="1">
+                <a:solidFill>
+                  <a:srgbClr val="97979A"/>
+                </a:solidFill>
+                <a:effectLst/>
+                <a:latin typeface="Söhne"/>
+              </a:rPr>
+              <a:t>abiiltiy</a:t>
+            </a:r>
+            <a:r>
+              <a:rPr lang="en-US" sz="1050" i="1" dirty="0">
+                <a:solidFill>
+                  <a:srgbClr val="97979A"/>
+                </a:solidFill>
+                <a:effectLst/>
+                <a:latin typeface="Söhne"/>
+              </a:rPr>
+              <a:t> to detect subtle changes, vastly improves accuracy and reduces the likelihood of false positives/negatives. </a:t>
+            </a:r>
+          </a:p>
+          <a:p>
+            <a:pPr marL="0" marR="0" lvl="0" indent="0" algn="l" defTabSz="914400" rtl="0" eaLnBrk="1" fontAlgn="auto" latinLnBrk="0" hangingPunct="1">
+              <a:lnSpc>
+                <a:spcPct val="100000"/>
+              </a:lnSpc>
+              <a:spcBef>
+                <a:spcPts val="0"/>
+              </a:spcBef>
+              <a:spcAft>
+                <a:spcPts val="0"/>
+              </a:spcAft>
+              <a:buClrTx/>
+              <a:buSzTx/>
+              <a:buFontTx/>
+              <a:buNone/>
+              <a:tabLst/>
+              <a:defRPr/>
+            </a:pPr>
+            <a:endParaRPr lang="en-US" sz="1050" i="1" dirty="0">
+              <a:solidFill>
+                <a:srgbClr val="97979A"/>
+              </a:solidFill>
+              <a:effectLst/>
+              <a:latin typeface="Söhne"/>
+            </a:endParaRPr>
+          </a:p>
+          <a:p>
+            <a:pPr marL="0" marR="0" lvl="0" indent="0" algn="l" defTabSz="914400" rtl="0" eaLnBrk="1" fontAlgn="auto" latinLnBrk="0" hangingPunct="1">
+              <a:lnSpc>
+                <a:spcPct val="100000"/>
+              </a:lnSpc>
+              <a:spcBef>
+                <a:spcPts val="0"/>
+              </a:spcBef>
+              <a:spcAft>
+                <a:spcPts val="0"/>
+              </a:spcAft>
+              <a:buClrTx/>
+              <a:buSzTx/>
+              <a:buFontTx/>
+              <a:buNone/>
+              <a:tabLst/>
+              <a:defRPr/>
+            </a:pPr>
+            <a:endParaRPr lang="en-US" sz="1050" dirty="0">
+              <a:solidFill>
+                <a:srgbClr val="97979A"/>
+              </a:solidFill>
+              <a:effectLst/>
+              <a:latin typeface="Söhne"/>
+            </a:endParaRPr>
+          </a:p>
+          <a:p>
+            <a:pPr marL="0" marR="0" rtl="0">
+              <a:spcBef>
+                <a:spcPts val="0"/>
+              </a:spcBef>
+              <a:spcAft>
+                <a:spcPts val="0"/>
+              </a:spcAft>
+            </a:pPr>
+            <a:r>
+              <a:rPr lang="en-US" sz="1050" b="0" i="0" dirty="0">
+                <a:solidFill>
+                  <a:srgbClr val="D1D5DB"/>
+                </a:solidFill>
+                <a:effectLst/>
+                <a:latin typeface="Söhne"/>
+              </a:rPr>
+              <a:t>Essentially, While manual network scanners rely on human expertise and predefined rules,</a:t>
+            </a:r>
+          </a:p>
+          <a:p>
+            <a:pPr marL="0" marR="0" rtl="0">
+              <a:spcBef>
+                <a:spcPts val="0"/>
+              </a:spcBef>
+              <a:spcAft>
+                <a:spcPts val="0"/>
+              </a:spcAft>
+            </a:pPr>
+            <a:r>
+              <a:rPr lang="en-US" sz="1050" b="0" i="0" dirty="0">
+                <a:solidFill>
+                  <a:srgbClr val="D1D5DB"/>
+                </a:solidFill>
+                <a:effectLst/>
+                <a:latin typeface="Söhne"/>
+              </a:rPr>
+              <a:t>AI network scanners, could leverage dynamic learning, automated decision-making, and predictive analysis capabilities, </a:t>
+            </a:r>
+          </a:p>
+          <a:p>
+            <a:pPr marL="0" marR="0" rtl="0">
+              <a:spcBef>
+                <a:spcPts val="0"/>
+              </a:spcBef>
+              <a:spcAft>
+                <a:spcPts val="0"/>
+              </a:spcAft>
+            </a:pPr>
+            <a:r>
+              <a:rPr lang="en-US" sz="1050" b="0" i="0" dirty="0">
+                <a:solidFill>
+                  <a:srgbClr val="D1D5DB"/>
+                </a:solidFill>
+                <a:effectLst/>
+                <a:latin typeface="Söhne"/>
+              </a:rPr>
+              <a:t>To make them faster, more adaptive, and more accurate </a:t>
+            </a:r>
+          </a:p>
+          <a:p>
+            <a:pPr marL="0" marR="0" rtl="0">
+              <a:spcBef>
+                <a:spcPts val="0"/>
+              </a:spcBef>
+              <a:spcAft>
+                <a:spcPts val="0"/>
+              </a:spcAft>
+            </a:pPr>
+            <a:endParaRPr lang="en-US" sz="1050" b="0" i="0" dirty="0">
+              <a:solidFill>
+                <a:srgbClr val="D1D5DB"/>
+              </a:solidFill>
+              <a:effectLst/>
+              <a:latin typeface="Söhne"/>
+            </a:endParaRPr>
+          </a:p>
+          <a:p>
+            <a:pPr marL="0" marR="0" rtl="0">
+              <a:spcBef>
+                <a:spcPts val="0"/>
+              </a:spcBef>
+              <a:spcAft>
+                <a:spcPts val="0"/>
+              </a:spcAft>
+            </a:pPr>
+            <a:r>
+              <a:rPr lang="en-US" sz="1050" b="0" i="0" dirty="0">
+                <a:solidFill>
+                  <a:srgbClr val="D1D5DB"/>
+                </a:solidFill>
+                <a:effectLst/>
+                <a:latin typeface="Söhne"/>
+              </a:rPr>
+              <a:t>And </a:t>
+            </a:r>
+            <a:r>
+              <a:rPr lang="en-US" sz="1050" i="0" dirty="0">
+                <a:solidFill>
+                  <a:srgbClr val="97979A"/>
+                </a:solidFill>
+                <a:effectLst/>
+                <a:latin typeface="Söhne"/>
+              </a:rPr>
+              <a:t>A great example of AI in Network Scanning is Dark Trace</a:t>
+            </a:r>
+          </a:p>
+          <a:p>
+            <a:pPr marL="0" marR="0" rtl="0">
+              <a:spcBef>
+                <a:spcPts val="0"/>
+              </a:spcBef>
+              <a:spcAft>
+                <a:spcPts val="0"/>
+              </a:spcAft>
+            </a:pPr>
+            <a:r>
+              <a:rPr lang="en-US" sz="1050" b="0" i="0" dirty="0" err="1">
+                <a:solidFill>
+                  <a:srgbClr val="D1D5DB"/>
+                </a:solidFill>
+                <a:effectLst/>
+                <a:latin typeface="Söhne"/>
+              </a:rPr>
+              <a:t>DarkTrace</a:t>
+            </a:r>
+            <a:r>
+              <a:rPr lang="en-US" sz="1050" b="0" i="0" dirty="0">
+                <a:solidFill>
+                  <a:srgbClr val="D1D5DB"/>
+                </a:solidFill>
+                <a:effectLst/>
+                <a:latin typeface="Söhne"/>
+              </a:rPr>
+              <a:t> is a leading AI-powered network security solution that </a:t>
+            </a:r>
+            <a:r>
+              <a:rPr lang="en-US" sz="1050" i="1" dirty="0">
+                <a:solidFill>
+                  <a:srgbClr val="97979A"/>
+                </a:solidFill>
+                <a:effectLst/>
+                <a:latin typeface="Söhne"/>
+              </a:rPr>
+              <a:t>employs unsupervised machine learning, </a:t>
+            </a:r>
+          </a:p>
+          <a:p>
+            <a:pPr marL="0" marR="0" rtl="0">
+              <a:spcBef>
+                <a:spcPts val="0"/>
+              </a:spcBef>
+              <a:spcAft>
+                <a:spcPts val="0"/>
+              </a:spcAft>
+            </a:pPr>
+            <a:r>
+              <a:rPr lang="en-US" sz="1050" i="1" dirty="0">
+                <a:solidFill>
+                  <a:srgbClr val="97979A"/>
+                </a:solidFill>
+                <a:effectLst/>
+                <a:latin typeface="Söhne"/>
+              </a:rPr>
+              <a:t>to autonomously learn and understand the 'normal' behavior of the network. </a:t>
+            </a:r>
+            <a:endParaRPr lang="en-US" sz="1050" b="0" i="0" dirty="0">
+              <a:solidFill>
+                <a:srgbClr val="D1D5DB"/>
+              </a:solidFill>
+              <a:effectLst/>
+              <a:latin typeface="Söhne"/>
+            </a:endParaRPr>
+          </a:p>
+          <a:p>
+            <a:pPr marL="0" marR="0" rtl="0">
+              <a:spcBef>
+                <a:spcPts val="0"/>
+              </a:spcBef>
+              <a:spcAft>
+                <a:spcPts val="0"/>
+              </a:spcAft>
+            </a:pPr>
+            <a:r>
+              <a:rPr lang="en-US" sz="800" dirty="0">
+                <a:solidFill>
+                  <a:srgbClr val="97979A"/>
+                </a:solidFill>
+                <a:effectLst/>
+                <a:latin typeface="Söhne"/>
+              </a:rPr>
+              <a:t>By learning the normal behavior of the network, </a:t>
+            </a:r>
+            <a:r>
+              <a:rPr lang="en-US" sz="800" dirty="0" err="1">
+                <a:solidFill>
+                  <a:srgbClr val="97979A"/>
+                </a:solidFill>
+                <a:effectLst/>
+                <a:latin typeface="Söhne"/>
+              </a:rPr>
+              <a:t>DarkTrace</a:t>
+            </a:r>
+            <a:r>
+              <a:rPr lang="en-US" sz="800" dirty="0">
+                <a:solidFill>
+                  <a:srgbClr val="97979A"/>
+                </a:solidFill>
+                <a:effectLst/>
+                <a:latin typeface="Söhne"/>
+              </a:rPr>
+              <a:t> can analyze network traffic and identify anomalies that may indicate potential threats.</a:t>
+            </a:r>
+          </a:p>
+          <a:p>
+            <a:pPr marL="0" marR="0" rtl="0">
+              <a:spcBef>
+                <a:spcPts val="0"/>
+              </a:spcBef>
+              <a:spcAft>
+                <a:spcPts val="0"/>
+              </a:spcAft>
+            </a:pPr>
+            <a:r>
+              <a:rPr lang="en-US" sz="800" i="1" dirty="0">
+                <a:solidFill>
+                  <a:srgbClr val="97979A"/>
+                </a:solidFill>
+                <a:effectLst/>
+                <a:latin typeface="Söhne"/>
+              </a:rPr>
+              <a:t>Interesting fact about </a:t>
+            </a:r>
+            <a:r>
+              <a:rPr lang="en-US" sz="800" i="1" dirty="0" err="1">
+                <a:solidFill>
+                  <a:srgbClr val="97979A"/>
+                </a:solidFill>
+                <a:effectLst/>
+                <a:latin typeface="Söhne"/>
+              </a:rPr>
+              <a:t>darktrace</a:t>
+            </a:r>
+            <a:r>
+              <a:rPr lang="en-US" sz="800" i="1" dirty="0">
+                <a:solidFill>
+                  <a:srgbClr val="97979A"/>
+                </a:solidFill>
+                <a:effectLst/>
+                <a:latin typeface="Söhne"/>
+              </a:rPr>
+              <a:t>, </a:t>
+            </a:r>
+            <a:r>
+              <a:rPr lang="en-GB" sz="1800" dirty="0">
+                <a:effectLst/>
+                <a:latin typeface="Calibri" panose="020F0502020204030204" pitchFamily="34" charset="0"/>
+                <a:ea typeface="Calibri" panose="020F0502020204030204" pitchFamily="34" charset="0"/>
+                <a:cs typeface="Times New Roman" panose="02020603050405020304" pitchFamily="18" charset="0"/>
+              </a:rPr>
+              <a:t>The created model is actually based on human immune system  and how it defends itself against bacteria or viruses</a:t>
+            </a:r>
+            <a:endParaRPr lang="en-US" sz="800" i="1" dirty="0">
+              <a:solidFill>
+                <a:srgbClr val="97979A"/>
+              </a:solidFill>
+              <a:effectLst/>
+              <a:latin typeface="Söhne"/>
+            </a:endParaRPr>
+          </a:p>
+          <a:p>
+            <a:pPr marL="0" marR="0" rtl="0">
+              <a:spcBef>
+                <a:spcPts val="0"/>
+              </a:spcBef>
+              <a:spcAft>
+                <a:spcPts val="0"/>
+              </a:spcAft>
+            </a:pPr>
+            <a:r>
+              <a:rPr lang="en-US" sz="800" i="1" dirty="0">
+                <a:solidFill>
+                  <a:srgbClr val="97979A"/>
+                </a:solidFill>
+                <a:effectLst/>
+                <a:latin typeface="Söhne"/>
+              </a:rPr>
+              <a:t>And by doing this, these algorithms work to </a:t>
+            </a:r>
+            <a:r>
+              <a:rPr lang="en-GB" sz="1800" dirty="0">
+                <a:effectLst/>
+                <a:latin typeface="Calibri" panose="020F0502020204030204" pitchFamily="34" charset="0"/>
+                <a:ea typeface="Calibri" panose="020F0502020204030204" pitchFamily="34" charset="0"/>
+                <a:cs typeface="Times New Roman" panose="02020603050405020304" pitchFamily="18" charset="0"/>
+              </a:rPr>
+              <a:t>to spot anomalies,</a:t>
+            </a:r>
+          </a:p>
+          <a:p>
+            <a:pPr marL="0" marR="0" rtl="0">
+              <a:spcBef>
+                <a:spcPts val="0"/>
+              </a:spcBef>
+              <a:spcAft>
+                <a:spcPts val="0"/>
+              </a:spcAft>
+            </a:pPr>
+            <a:r>
+              <a:rPr lang="en-GB" sz="1800" dirty="0">
+                <a:effectLst/>
+                <a:latin typeface="Calibri" panose="020F0502020204030204" pitchFamily="34" charset="0"/>
+                <a:ea typeface="Calibri" panose="020F0502020204030204" pitchFamily="34" charset="0"/>
+                <a:cs typeface="Times New Roman" panose="02020603050405020304" pitchFamily="18" charset="0"/>
+              </a:rPr>
+              <a:t>rather than trying to prevent a breach all together. </a:t>
+            </a:r>
+          </a:p>
+          <a:p>
+            <a:pPr marL="0" marR="0" rtl="0">
+              <a:spcBef>
+                <a:spcPts val="0"/>
+              </a:spcBef>
+              <a:spcAft>
+                <a:spcPts val="0"/>
+              </a:spcAft>
+            </a:pPr>
+            <a:endParaRPr lang="en-GB" sz="1800" dirty="0">
+              <a:effectLst/>
+              <a:latin typeface="Calibri" panose="020F0502020204030204" pitchFamily="34" charset="0"/>
+              <a:ea typeface="Calibri" panose="020F0502020204030204" pitchFamily="34" charset="0"/>
+              <a:cs typeface="Times New Roman" panose="02020603050405020304" pitchFamily="18" charset="0"/>
+            </a:endParaRPr>
+          </a:p>
+          <a:p>
+            <a:pPr marL="0" marR="0" rtl="0">
+              <a:spcBef>
+                <a:spcPts val="0"/>
+              </a:spcBef>
+              <a:spcAft>
+                <a:spcPts val="0"/>
+              </a:spcAft>
+            </a:pPr>
+            <a:r>
+              <a:rPr lang="en-GB" sz="1800" dirty="0">
+                <a:effectLst/>
+                <a:latin typeface="Calibri" panose="020F0502020204030204" pitchFamily="34" charset="0"/>
+                <a:ea typeface="Calibri" panose="020F0502020204030204" pitchFamily="34" charset="0"/>
+                <a:cs typeface="Times New Roman" panose="02020603050405020304" pitchFamily="18" charset="0"/>
+              </a:rPr>
+              <a:t>Instead, their goal is to stop the identified breach from escalating to a dangerous level</a:t>
+            </a:r>
+            <a:endParaRPr lang="en-US" sz="800" i="1" dirty="0">
+              <a:solidFill>
+                <a:srgbClr val="97979A"/>
+              </a:solidFill>
+              <a:effectLst/>
+              <a:latin typeface="Söhne"/>
+            </a:endParaRPr>
+          </a:p>
+          <a:p>
+            <a:pPr marL="0" marR="0" rtl="0">
+              <a:spcBef>
+                <a:spcPts val="0"/>
+              </a:spcBef>
+              <a:spcAft>
+                <a:spcPts val="0"/>
+              </a:spcAft>
+            </a:pPr>
+            <a:endParaRPr lang="en-US" sz="800" i="1" dirty="0">
+              <a:solidFill>
+                <a:srgbClr val="97979A"/>
+              </a:solidFill>
+              <a:effectLst/>
+              <a:latin typeface="Söhne"/>
+            </a:endParaRPr>
+          </a:p>
+          <a:p>
+            <a:pPr marL="0" marR="0" rtl="0">
+              <a:spcBef>
+                <a:spcPts val="0"/>
+              </a:spcBef>
+              <a:spcAft>
+                <a:spcPts val="0"/>
+              </a:spcAft>
+            </a:pPr>
+            <a:r>
+              <a:rPr lang="en-US" sz="800" i="1" dirty="0">
+                <a:solidFill>
+                  <a:srgbClr val="97979A"/>
+                </a:solidFill>
+                <a:effectLst/>
+                <a:latin typeface="Söhne"/>
+              </a:rPr>
+              <a:t>I don’t have access to this tool, but I found a great video on </a:t>
+            </a:r>
+            <a:r>
+              <a:rPr lang="en-US" sz="800" i="1" dirty="0" err="1">
+                <a:solidFill>
+                  <a:srgbClr val="97979A"/>
+                </a:solidFill>
+                <a:effectLst/>
+                <a:latin typeface="Söhne"/>
+              </a:rPr>
+              <a:t>youtube</a:t>
+            </a:r>
+            <a:r>
+              <a:rPr lang="en-US" sz="800" i="1" dirty="0">
+                <a:solidFill>
+                  <a:srgbClr val="97979A"/>
+                </a:solidFill>
+                <a:effectLst/>
+                <a:latin typeface="Söhne"/>
+              </a:rPr>
+              <a:t> that breaks down what it is, how it works, how it investigates, and shows actual shots of the </a:t>
+            </a:r>
+            <a:r>
+              <a:rPr lang="en-US" sz="800" i="1" dirty="0" err="1">
+                <a:solidFill>
+                  <a:srgbClr val="97979A"/>
+                </a:solidFill>
+                <a:effectLst/>
+                <a:latin typeface="Söhne"/>
+              </a:rPr>
+              <a:t>interfact</a:t>
+            </a:r>
+            <a:endParaRPr lang="en-US" sz="800" i="1" dirty="0">
+              <a:solidFill>
+                <a:srgbClr val="97979A"/>
+              </a:solidFill>
+              <a:effectLst/>
+              <a:latin typeface="Söhne"/>
+            </a:endParaRPr>
+          </a:p>
+          <a:p>
+            <a:pPr marL="0" marR="0" rtl="0">
+              <a:spcBef>
+                <a:spcPts val="0"/>
+              </a:spcBef>
+              <a:spcAft>
+                <a:spcPts val="0"/>
+              </a:spcAft>
+            </a:pPr>
+            <a:endParaRPr lang="en-US" sz="800" i="1" dirty="0">
+              <a:solidFill>
+                <a:srgbClr val="97979A"/>
+              </a:solidFill>
+              <a:effectLst/>
+              <a:latin typeface="Söhne"/>
+            </a:endParaRPr>
+          </a:p>
+          <a:p>
+            <a:pPr marL="0" marR="0" rtl="0">
+              <a:spcBef>
+                <a:spcPts val="0"/>
+              </a:spcBef>
+              <a:spcAft>
+                <a:spcPts val="0"/>
+              </a:spcAft>
+            </a:pPr>
+            <a:endParaRPr lang="en-US" sz="800" i="1" dirty="0">
+              <a:solidFill>
+                <a:srgbClr val="97979A"/>
+              </a:solidFill>
+              <a:effectLst/>
+              <a:latin typeface="Söhne"/>
+            </a:endParaRPr>
+          </a:p>
+          <a:p>
+            <a:pPr marL="0" marR="0" rtl="0">
+              <a:spcBef>
+                <a:spcPts val="0"/>
+              </a:spcBef>
+              <a:spcAft>
+                <a:spcPts val="0"/>
+              </a:spcAft>
+            </a:pPr>
+            <a:r>
+              <a:rPr lang="en-US" sz="800" i="1" dirty="0">
+                <a:solidFill>
+                  <a:srgbClr val="97979A"/>
+                </a:solidFill>
+                <a:effectLst/>
+                <a:latin typeface="Söhne"/>
+              </a:rPr>
+              <a:t>//////</a:t>
+            </a:r>
+          </a:p>
+          <a:p>
+            <a:pPr marL="0" marR="0" rtl="0">
+              <a:spcBef>
+                <a:spcPts val="0"/>
+              </a:spcBef>
+              <a:spcAft>
+                <a:spcPts val="0"/>
+              </a:spcAft>
+            </a:pPr>
+            <a:r>
+              <a:rPr lang="en-US" sz="800" i="1" dirty="0">
+                <a:solidFill>
+                  <a:srgbClr val="97979A"/>
+                </a:solidFill>
+                <a:effectLst/>
+                <a:latin typeface="Söhne"/>
+              </a:rPr>
+              <a:t>Intelligent tools are also more adaptive as they can dynamically adjust to changing network conditions and identify subtle patterns that might indicate potential vulnerabilities. </a:t>
+            </a:r>
+            <a:endParaRPr lang="en-US" sz="800" dirty="0">
+              <a:solidFill>
+                <a:srgbClr val="97979A"/>
+              </a:solidFill>
+              <a:effectLst/>
+              <a:latin typeface="Söhne"/>
+            </a:endParaRPr>
+          </a:p>
+          <a:p>
+            <a:pPr marL="0" marR="0" rtl="0">
+              <a:spcBef>
+                <a:spcPts val="0"/>
+              </a:spcBef>
+              <a:spcAft>
+                <a:spcPts val="0"/>
+              </a:spcAft>
+            </a:pPr>
+            <a:r>
+              <a:rPr lang="en-US" sz="800" i="1" dirty="0">
+                <a:solidFill>
+                  <a:srgbClr val="97979A"/>
+                </a:solidFill>
+                <a:effectLst/>
+                <a:latin typeface="Söhne"/>
+              </a:rPr>
+              <a:t>So instead of relying on predefined rules, Darktrace is able to dynamically adjust to changing network conditions and identify patterns</a:t>
+            </a:r>
+            <a:endParaRPr lang="en-US" sz="800" dirty="0">
+              <a:solidFill>
+                <a:srgbClr val="97979A"/>
+              </a:solidFill>
+              <a:effectLst/>
+              <a:latin typeface="Söhne"/>
+            </a:endParaRPr>
+          </a:p>
+          <a:p>
+            <a:endParaRPr lang="en-US" sz="800" b="0" i="1">
+              <a:solidFill>
+                <a:srgbClr val="ECECF1"/>
               </a:solidFill>
               <a:effectLst/>
               <a:latin typeface="Söhne"/>
@@ -19026,6 +21953,9 @@
             </a:r>
           </a:p>
           <a:p>
+            <a:endParaRPr lang="en-US" sz="800" dirty="0"/>
+          </a:p>
+          <a:p>
             <a:pPr marL="0" marR="0" rtl="0">
               <a:spcBef>
                 <a:spcPts val="0"/>
@@ -19042,7 +21972,27 @@
                 <a:effectLst/>
                 <a:latin typeface="Calibri" panose="020F0502020204030204" pitchFamily="34" charset="0"/>
               </a:rPr>
-              <a:t>Now that we have the infrastructure mapped out, our next step is to identify potential entry points </a:t>
+              <a:t>And Now that we have the infrastructure mapped out,</a:t>
+            </a:r>
+          </a:p>
+          <a:p>
+            <a:pPr marL="0" marR="0" rtl="0">
+              <a:spcBef>
+                <a:spcPts val="0"/>
+              </a:spcBef>
+              <a:spcAft>
+                <a:spcPts val="0"/>
+              </a:spcAft>
+            </a:pPr>
+            <a:r>
+              <a:rPr lang="en-US" sz="800" dirty="0">
+                <a:solidFill>
+                  <a:srgbClr val="000000"/>
+                </a:solidFill>
+                <a:effectLst/>
+                <a:latin typeface="Calibri" panose="020F0502020204030204" pitchFamily="34" charset="0"/>
+              </a:rPr>
+              <a:t>our next step is to identify potential entry points </a:t>
             </a:r>
           </a:p>
           <a:p>
@@ -19116,7 +22066,27 @@
                 <a:effectLst/>
                 <a:latin typeface="Calibri" panose="020F0502020204030204" pitchFamily="34" charset="0"/>
               </a:rPr>
-              <a:t>Traditionally, this involves methods and tools that meticulously comb through a target to find vulnerabilities.</a:t>
+              <a:t>So Traditionally, this involves methods and tools that</a:t>
+            </a:r>
+          </a:p>
+          <a:p>
+            <a:pPr marL="0" marR="0" rtl="0">
+              <a:spcBef>
+                <a:spcPts val="0"/>
+              </a:spcBef>
+              <a:spcAft>
+                <a:spcPts val="0"/>
+              </a:spcAft>
+            </a:pPr>
+            <a:r>
+              <a:rPr lang="en-US" sz="800" dirty="0">
+                <a:solidFill>
+                  <a:srgbClr val="000000"/>
+                </a:solidFill>
+                <a:effectLst/>
+                <a:latin typeface="Calibri" panose="020F0502020204030204" pitchFamily="34" charset="0"/>
+              </a:rPr>
+              <a:t>Have to meticulously comb through a target to find vulnerabilities.</a:t>
             </a:r>
           </a:p>
           <a:p>
@@ -19153,7 +22123,27 @@
                 <a:effectLst/>
                 <a:latin typeface="Calibri" panose="020F0502020204030204" pitchFamily="34" charset="0"/>
               </a:rPr>
-              <a:t>However, AI takes it a step further as It not only identifies vulnerabilities but also helps us understand which ones pose the most significant threats.</a:t>
+              <a:t>However, AI takes it a step further as It not only identifies vulnerabilities.</a:t>
+            </a:r>
+          </a:p>
+          <a:p>
+            <a:pPr marL="0" marR="0" rtl="0">
+              <a:spcBef>
+                <a:spcPts val="0"/>
+              </a:spcBef>
+              <a:spcAft>
+                <a:spcPts val="0"/>
+              </a:spcAft>
+            </a:pPr>
+            <a:r>
+              <a:rPr lang="en-US" sz="800" dirty="0">
+                <a:solidFill>
+                  <a:srgbClr val="000000"/>
+                </a:solidFill>
+                <a:effectLst/>
+                <a:latin typeface="Calibri" panose="020F0502020204030204" pitchFamily="34" charset="0"/>
+              </a:rPr>
+              <a:t>but can also help us understand which ones pose the most significant threats.</a:t>
             </a:r>
           </a:p>
           <a:p>
@@ -19190,7 +22180,47 @@
                 <a:effectLst/>
                 <a:latin typeface="Calibri" panose="020F0502020204030204" pitchFamily="34" charset="0"/>
               </a:rPr>
-              <a:t>This is important because Vulnerabilities can vary in severity - With Some vulnerabilities presenting little opportunity for an attacker, and others allowing a complete system takeover.</a:t>
+              <a:t>This is important because Vulnerabilities can vary in severity – </a:t>
+            </a:r>
+          </a:p>
+          <a:p>
+            <a:pPr marL="0" marR="0" rtl="0">
+              <a:spcBef>
+                <a:spcPts val="0"/>
+              </a:spcBef>
+              <a:spcAft>
+                <a:spcPts val="0"/>
+              </a:spcAft>
+            </a:pPr>
+            <a:r>
+              <a:rPr lang="en-US" sz="800" dirty="0">
+                <a:solidFill>
+                  <a:srgbClr val="000000"/>
+                </a:solidFill>
+                <a:effectLst/>
+                <a:latin typeface="Calibri" panose="020F0502020204030204" pitchFamily="34" charset="0"/>
+              </a:rPr>
+              <a:t>With Some vulnerabilities presenting little opportunity for an attacker, </a:t>
+            </a:r>
+          </a:p>
+          <a:p>
+            <a:pPr marL="0" marR="0" rtl="0">
+              <a:spcBef>
+                <a:spcPts val="0"/>
+              </a:spcBef>
+              <a:spcAft>
+                <a:spcPts val="0"/>
+              </a:spcAft>
+            </a:pPr>
+            <a:r>
+              <a:rPr lang="en-US" sz="800" dirty="0">
+                <a:solidFill>
+                  <a:srgbClr val="000000"/>
+                </a:solidFill>
+                <a:effectLst/>
+                <a:latin typeface="Calibri" panose="020F0502020204030204" pitchFamily="34" charset="0"/>
+              </a:rPr>
+              <a:t>while others allow a complete system takeover.</a:t>
             </a:r>
           </a:p>
           <a:p>
@@ -19227,7 +22257,7 @@
                 <a:effectLst/>
                 <a:latin typeface="Calibri" panose="020F0502020204030204" pitchFamily="34" charset="0"/>
               </a:rPr>
-              <a:t>So To avoid allocating resources inefficiently or leaving critical weaknesses unaddressed, it's essential to prioritize vulnerabilities based on their level of risk and potential impact. This ensures that the focus is on the most significant threats first, leading to a more effective and targeted strategy.</a:t>
+              <a:t>So To avoid allocating resources inefficiently or </a:t>
             </a:r>
           </a:p>
           <a:p>
@@ -19238,6 +22268,55 @@
               <a:spcAft>
                 <a:spcPts val="0"/>
               </a:spcAft>
+            </a:pPr>
+            <a:r>
+              <a:rPr lang="en-US" sz="800" dirty="0">
+                <a:solidFill>
+                  <a:srgbClr val="000000"/>
+                </a:solidFill>
+                <a:effectLst/>
+                <a:latin typeface="Calibri" panose="020F0502020204030204" pitchFamily="34" charset="0"/>
+              </a:rPr>
+              <a:t>leaving critical weaknesses unaddressed, </a:t>
+            </a:r>
+          </a:p>
+          <a:p>
+            <a:pPr marL="0" marR="0" rtl="0">
+              <a:spcBef>
+                <a:spcPts val="0"/>
+              </a:spcBef>
+              <a:spcAft>
+                <a:spcPts val="0"/>
+              </a:spcAft>
+            </a:pPr>
+            <a:r>
+              <a:rPr lang="en-US" sz="800" dirty="0">
+                <a:solidFill>
+                  <a:srgbClr val="000000"/>
+                </a:solidFill>
+                <a:effectLst/>
+                <a:latin typeface="Calibri" panose="020F0502020204030204" pitchFamily="34" charset="0"/>
+              </a:rPr>
+              <a:t>it's essential to prioritize vulnerabilities based on their level of risk and potential impact. </a:t>
+            </a:r>
+          </a:p>
+          <a:p>
+            <a:pPr marL="0" marR="0" lvl="0" indent="0" algn="l" defTabSz="914400" rtl="0" eaLnBrk="1" fontAlgn="auto" latinLnBrk="0" hangingPunct="1">
+              <a:lnSpc>
+                <a:spcPct val="100000"/>
+              </a:lnSpc>
+              <a:spcBef>
+                <a:spcPts val="0"/>
+              </a:spcBef>
+              <a:spcAft>
+                <a:spcPts val="0"/>
+              </a:spcAft>
+              <a:buClrTx/>
+              <a:buSzTx/>
+              <a:buFontTx/>
+              <a:buNone/>
+              <a:tabLst/>
+              <a:defRPr/>
             </a:pPr>
             <a:endParaRPr lang="en-US" sz="800" dirty="0">
               <a:solidFill>
@@ -19248,23 +22327,90 @@
             </a:endParaRPr>
           </a:p>
           <a:p>
-            <a:pPr marL="0" marR="0" rtl="0">
+            <a:pPr marL="0" marR="0" lvl="0" indent="0" algn="l" defTabSz="914400" rtl="0" eaLnBrk="1" fontAlgn="auto" latinLnBrk="0" hangingPunct="1">
+              <a:lnSpc>
+                <a:spcPct val="100000"/>
+              </a:lnSpc>
               <a:spcBef>
                 <a:spcPts val="0"/>
               </a:spcBef>
               <a:spcAft>
                 <a:spcPts val="0"/>
               </a:spcAft>
-            </a:pPr>
-            <a:r>
-              <a:rPr lang="en-US" sz="800" dirty="0">
-                <a:solidFill>
-                  <a:srgbClr val="000000"/>
-                </a:solidFill>
-                <a:effectLst/>
-                <a:latin typeface="Calibri" panose="020F0502020204030204" pitchFamily="34" charset="0"/>
-              </a:rPr>
-              <a:t>But Manual prioritization can be quickly become challenging in larger networks because of the sheer volume of data - and that's where AI comes in. </a:t>
+              <a:buClrTx/>
+              <a:buSzTx/>
+              <a:buFontTx/>
+              <a:buNone/>
+              <a:tabLst/>
+              <a:defRPr/>
+            </a:pPr>
+            <a:r>
+              <a:rPr lang="en-US" sz="1050" b="0" i="0" dirty="0">
+                <a:solidFill>
+                  <a:srgbClr val="D1D5DB"/>
+                </a:solidFill>
+                <a:effectLst/>
+                <a:latin typeface="Söhne"/>
+              </a:rPr>
+              <a:t>But, In larger networks, </a:t>
+            </a:r>
+          </a:p>
+          <a:p>
+            <a:pPr marL="0" marR="0" lvl="0" indent="0" algn="l" defTabSz="914400" rtl="0" eaLnBrk="1" fontAlgn="auto" latinLnBrk="0" hangingPunct="1">
+              <a:lnSpc>
+                <a:spcPct val="100000"/>
+              </a:lnSpc>
+              <a:spcBef>
+                <a:spcPts val="0"/>
+              </a:spcBef>
+              <a:spcAft>
+                <a:spcPts val="0"/>
+              </a:spcAft>
+              <a:buClrTx/>
+              <a:buSzTx/>
+              <a:buFontTx/>
+              <a:buNone/>
+              <a:tabLst/>
+              <a:defRPr/>
+            </a:pPr>
+            <a:r>
+              <a:rPr lang="en-US" sz="1050" b="0" i="0" dirty="0">
+                <a:solidFill>
+                  <a:srgbClr val="D1D5DB"/>
+                </a:solidFill>
+                <a:effectLst/>
+                <a:latin typeface="Söhne"/>
+              </a:rPr>
+              <a:t>manually sifting through a massive list of potential vulnerabilities becomes a time-consuming and complex task. </a:t>
+            </a:r>
+          </a:p>
+          <a:p>
+            <a:pPr marL="0" marR="0" lvl="0" indent="0" algn="l" defTabSz="914400" rtl="0" eaLnBrk="1" fontAlgn="auto" latinLnBrk="0" hangingPunct="1">
+              <a:lnSpc>
+                <a:spcPct val="100000"/>
+              </a:lnSpc>
+              <a:spcBef>
+                <a:spcPts val="0"/>
+              </a:spcBef>
+              <a:spcAft>
+                <a:spcPts val="0"/>
+              </a:spcAft>
+              <a:buClrTx/>
+              <a:buSzTx/>
+              <a:buFontTx/>
+              <a:buNone/>
+              <a:tabLst/>
+              <a:defRPr/>
+            </a:pPr>
+            <a:r>
+              <a:rPr lang="en-US" sz="1050" b="0" i="0" dirty="0">
+                <a:solidFill>
+                  <a:srgbClr val="D1D5DB"/>
+                </a:solidFill>
+                <a:effectLst/>
+                <a:latin typeface="Söhne"/>
+              </a:rPr>
+              <a:t>Security teams can easily become overwhelmed due to just the sheer volume of data.</a:t>
             </a:r>
           </a:p>
           <a:p>
@@ -19301,7 +22447,17 @@
                 <a:effectLst/>
                 <a:latin typeface="Calibri" panose="020F0502020204030204" pitchFamily="34" charset="0"/>
               </a:rPr>
-              <a:t>AI can extend vulnerability scanning beyond just identification by maintaining a real-time record of the most critical vulnerabilities and those most likely to be exploited.</a:t>
+              <a:t>For example, </a:t>
+            </a:r>
+            <a:r>
+              <a:rPr lang="en-US" sz="1050" b="0" i="0" dirty="0">
+                <a:solidFill>
+                  <a:srgbClr val="D1D5DB"/>
+                </a:solidFill>
+                <a:effectLst/>
+                <a:latin typeface="Söhne"/>
+              </a:rPr>
+              <a:t>Consider a scenario where a traditional vulnerability scanner flags multiple vulnerabilities across a network. </a:t>
             </a:r>
           </a:p>
           <a:p>
@@ -19313,6 +22469,56 @@
                 <a:spcPts val="0"/>
               </a:spcAft>
             </a:pPr>
+            <a:r>
+              <a:rPr lang="en-US" sz="1050" b="0" i="0" dirty="0">
+                <a:solidFill>
+                  <a:srgbClr val="D1D5DB"/>
+                </a:solidFill>
+                <a:effectLst/>
+                <a:latin typeface="Söhne"/>
+              </a:rPr>
+              <a:t>Well, Without a clear understanding of their varying degrees of risk, </a:t>
+            </a:r>
+          </a:p>
+          <a:p>
+            <a:pPr marL="0" marR="0" rtl="0">
+              <a:spcBef>
+                <a:spcPts val="0"/>
+              </a:spcBef>
+              <a:spcAft>
+                <a:spcPts val="0"/>
+              </a:spcAft>
+            </a:pPr>
+            <a:r>
+              <a:rPr lang="en-US" sz="1050" b="0" i="0" dirty="0">
+                <a:solidFill>
+                  <a:srgbClr val="D1D5DB"/>
+                </a:solidFill>
+                <a:effectLst/>
+                <a:latin typeface="Söhne"/>
+              </a:rPr>
+              <a:t>it becomes challenging </a:t>
+            </a:r>
+            <a:r>
+              <a:rPr lang="en-US" sz="1400" b="0" i="0" dirty="0">
+                <a:solidFill>
+                  <a:srgbClr val="D1D5DB"/>
+                </a:solidFill>
+                <a:effectLst/>
+                <a:latin typeface="Söhne"/>
+              </a:rPr>
+              <a:t>to determine which vulnerabilities are more likely to be exploitable</a:t>
+            </a:r>
+            <a:r>
+              <a:rPr lang="en-US" sz="1050" b="0" i="0" dirty="0">
+                <a:solidFill>
+                  <a:srgbClr val="D1D5DB"/>
+                </a:solidFill>
+                <a:effectLst/>
+                <a:latin typeface="Söhne"/>
+              </a:rPr>
+              <a:t>.</a:t>
+            </a:r>
             <a:endParaRPr lang="en-US" sz="800" dirty="0">
               <a:solidFill>
                 <a:srgbClr val="000000"/>
@@ -19330,26 +22536,6 @@
                 <a:spcPts val="0"/>
               </a:spcAft>
             </a:pPr>
-            <a:r>
-              <a:rPr lang="en-US" sz="800" dirty="0">
-                <a:solidFill>
-                  <a:srgbClr val="000000"/>
-                </a:solidFill>
-                <a:effectLst/>
-                <a:latin typeface="Calibri" panose="020F0502020204030204" pitchFamily="34" charset="0"/>
-              </a:rPr>
-              <a:t>And Similar to network scanners, vulnerability scanners rely on pattern recognition, that allow them to adapt dynamically in real time to provide a more dynamic and thorough analysis of a target. This can greatly reduce the need for manual intervention</a:t>
-            </a:r>
-          </a:p>
-          <a:p>
-            <a:pPr marL="0" marR="0" rtl="0">
-              <a:spcBef>
-                <a:spcPts val="0"/>
-              </a:spcBef>
-              <a:spcAft>
-                <a:spcPts val="0"/>
-              </a:spcAft>
-            </a:pPr>
             <a:endParaRPr lang="en-US" sz="800" dirty="0">
               <a:solidFill>
                 <a:srgbClr val="000000"/>
@@ -19375,27 +22561,7 @@
                 <a:effectLst/>
                 <a:latin typeface="Calibri" panose="020F0502020204030204" pitchFamily="34" charset="0"/>
               </a:rPr>
-              <a:t>So You might recall Shodan and NSE from our previous lecture. And as I mentioned, there is a lot of crossover between the first and second phases of </a:t>
-            </a:r>
-            <a:r>
-              <a:rPr lang="en-US" sz="800" dirty="0" err="1">
-                <a:solidFill>
-                  <a:srgbClr val="000000"/>
-                </a:solidFill>
-                <a:effectLst/>
-                <a:latin typeface="Calibri" panose="020F0502020204030204" pitchFamily="34" charset="0"/>
-              </a:rPr>
-              <a:t>pentesting</a:t>
-            </a:r>
-            <a:r>
-              <a:rPr lang="en-US" sz="800" dirty="0">
-                <a:solidFill>
-                  <a:srgbClr val="000000"/>
-                </a:solidFill>
-                <a:effectLst/>
-                <a:latin typeface="Calibri" panose="020F0502020204030204" pitchFamily="34" charset="0"/>
-              </a:rPr>
-              <a:t> and a lot of these tools are multifunctional.</a:t>
+              <a:t>But by using advanced analytics tailored to the goals of the test, </a:t>
             </a:r>
           </a:p>
           <a:p>
@@ -19407,6 +22573,23 @@
                 <a:spcPts val="0"/>
               </a:spcAft>
             </a:pPr>
+            <a:r>
+              <a:rPr lang="en-US" sz="800" dirty="0">
+                <a:solidFill>
+                  <a:srgbClr val="000000"/>
+                </a:solidFill>
+                <a:effectLst/>
+                <a:latin typeface="Calibri" panose="020F0502020204030204" pitchFamily="34" charset="0"/>
+              </a:rPr>
+              <a:t>Think things like </a:t>
+            </a:r>
+            <a:r>
+              <a:rPr lang="en-US" sz="1050" b="1" i="0" dirty="0">
+                <a:effectLst/>
+                <a:latin typeface="Söhne"/>
+              </a:rPr>
+              <a:t>Risk Scoring Algorithms, Contextual Analysis, or Impact Analysis, </a:t>
+            </a:r>
             <a:endParaRPr lang="en-US" sz="800" dirty="0">
               <a:solidFill>
                 <a:srgbClr val="000000"/>
@@ -19432,7 +22615,7 @@
                 <a:effectLst/>
                 <a:latin typeface="Calibri" panose="020F0502020204030204" pitchFamily="34" charset="0"/>
               </a:rPr>
-              <a:t>And since we are already familiar with what these tools are and how they work, Today we will focus more on how these tools contribute to vulnerability scanning. </a:t>
+              <a:t>an AI-driven vulnerability assessment could not only identify vulnerabilities,</a:t>
             </a:r>
           </a:p>
           <a:p>
@@ -19452,7 +22635,17 @@
                 <a:effectLst/>
                 <a:latin typeface="Calibri" panose="020F0502020204030204" pitchFamily="34" charset="0"/>
               </a:rPr>
-              <a:t> </a:t>
+              <a:t>but also </a:t>
+            </a:r>
+            <a:r>
+              <a:rPr lang="en-US" sz="800" i="1" dirty="0">
+                <a:solidFill>
+                  <a:srgbClr val="000000"/>
+                </a:solidFill>
+                <a:effectLst/>
+                <a:latin typeface="Calibri" panose="020F0502020204030204" pitchFamily="34" charset="0"/>
+              </a:rPr>
+              <a:t>assesses their potential impact ,</a:t>
             </a:r>
           </a:p>
           <a:p>
@@ -19465,45 +22658,15 @@
               </a:spcAft>
             </a:pPr>
             <a:r>
-              <a:rPr lang="en-US" sz="800" dirty="0">
+              <a:rPr lang="en-US" sz="800" i="1" dirty="0">
                 <a:solidFill>
                   <a:srgbClr val="000000"/>
                 </a:solidFill>
                 <a:effectLst/>
                 <a:latin typeface="Calibri" panose="020F0502020204030204" pitchFamily="34" charset="0"/>
               </a:rPr>
-              <a:t>Recently, researchers used Shodan to assess vulnerabilities in IoT devices in Jordan. They were able to use Shodan's custom filters to search for devices with open ports and specific vulnerabilities like Heartbleed and </a:t>
-            </a:r>
-            <a:r>
-              <a:rPr lang="en-US" sz="800" dirty="0" err="1">
-                <a:solidFill>
-                  <a:srgbClr val="000000"/>
-                </a:solidFill>
-                <a:effectLst/>
-                <a:latin typeface="Calibri" panose="020F0502020204030204" pitchFamily="34" charset="0"/>
-              </a:rPr>
-              <a:t>Ticketbleed</a:t>
-            </a:r>
-            <a:r>
-              <a:rPr lang="en-US" sz="800" dirty="0">
-                <a:solidFill>
-                  <a:srgbClr val="000000"/>
-                </a:solidFill>
-                <a:effectLst/>
-                <a:latin typeface="Calibri" panose="020F0502020204030204" pitchFamily="34" charset="0"/>
-              </a:rPr>
-              <a:t>. This automated search engine allowed them to glean insights into the security landscape of an entire country, covering device distribution, common services, and vulnerabilities.</a:t>
-            </a:r>
-          </a:p>
-          <a:p>
-            <a:pPr marL="0" marR="0" rtl="0">
-              <a:spcBef>
-                <a:spcPts val="0"/>
-              </a:spcBef>
-              <a:spcAft>
-                <a:spcPts val="0"/>
-              </a:spcAft>
-            </a:pPr>
+              <a:t>And rank them based on priority</a:t>
+            </a:r>
             <a:endParaRPr lang="en-US" sz="800" dirty="0">
               <a:solidFill>
                 <a:srgbClr val="000000"/>
@@ -19521,16 +22684,13 @@
                 <a:spcPts val="0"/>
               </a:spcAft>
             </a:pPr>
-            <a:r>
-              <a:rPr lang="en-US" sz="800" dirty="0">
-                <a:solidFill>
-                  <a:srgbClr val="000000"/>
-                </a:solidFill>
-                <a:effectLst/>
-                <a:latin typeface="Calibri" panose="020F0502020204030204" pitchFamily="34" charset="0"/>
-              </a:rPr>
-              <a:t>I think this is a great example of how powerful AI can be as It shows how simple it can be to conduct a large-scale assessment, using an automated scanner. They were able to analyze over 40 thousand devices, without having to manually scan each one.</a:t>
-            </a:r>
+            <a:endParaRPr lang="en-US" sz="800" dirty="0">
+              <a:solidFill>
+                <a:srgbClr val="000000"/>
+              </a:solidFill>
+              <a:effectLst/>
+              <a:latin typeface="Calibri" panose="020F0502020204030204" pitchFamily="34" charset="0"/>
+            </a:endParaRPr>
           </a:p>
           <a:p>
             <a:pPr marL="0" marR="0" rtl="0">
@@ -19541,6 +22701,991 @@
                 <a:spcPts val="0"/>
               </a:spcAft>
             </a:pPr>
+            <a:r>
+              <a:rPr lang="en-US" sz="800" dirty="0">
+                <a:solidFill>
+                  <a:srgbClr val="000000"/>
+                </a:solidFill>
+                <a:effectLst/>
+                <a:latin typeface="Calibri" panose="020F0502020204030204" pitchFamily="34" charset="0"/>
+              </a:rPr>
+              <a:t>Essentially, It can differentiate between a low-severity vulnerability that might not significantly impact the test goals and </a:t>
+            </a:r>
+          </a:p>
+          <a:p>
+            <a:pPr marL="0" marR="0" rtl="0">
+              <a:spcBef>
+                <a:spcPts val="0"/>
+              </a:spcBef>
+              <a:spcAft>
+                <a:spcPts val="0"/>
+              </a:spcAft>
+            </a:pPr>
+            <a:r>
+              <a:rPr lang="en-US" sz="800" dirty="0">
+                <a:solidFill>
+                  <a:srgbClr val="000000"/>
+                </a:solidFill>
+                <a:effectLst/>
+                <a:latin typeface="Calibri" panose="020F0502020204030204" pitchFamily="34" charset="0"/>
+              </a:rPr>
+              <a:t>a critical vulnerability that could lead to a successful simulated attack.</a:t>
+            </a:r>
+          </a:p>
+          <a:p>
+            <a:pPr marL="0" marR="0" rtl="0">
+              <a:spcBef>
+                <a:spcPts val="0"/>
+              </a:spcBef>
+              <a:spcAft>
+                <a:spcPts val="0"/>
+              </a:spcAft>
+            </a:pPr>
+            <a:endParaRPr lang="en-US" sz="800" dirty="0">
+              <a:solidFill>
+                <a:srgbClr val="000000"/>
+              </a:solidFill>
+              <a:effectLst/>
+              <a:latin typeface="Calibri" panose="020F0502020204030204" pitchFamily="34" charset="0"/>
+            </a:endParaRPr>
+          </a:p>
+          <a:p>
+            <a:pPr marL="0" marR="0" rtl="0">
+              <a:spcBef>
+                <a:spcPts val="0"/>
+              </a:spcBef>
+              <a:spcAft>
+                <a:spcPts val="0"/>
+              </a:spcAft>
+            </a:pPr>
+            <a:r>
+              <a:rPr lang="en-US" sz="1050" b="0" i="0" dirty="0">
+                <a:solidFill>
+                  <a:srgbClr val="D1D5DB"/>
+                </a:solidFill>
+                <a:effectLst/>
+                <a:latin typeface="Söhne"/>
+              </a:rPr>
+              <a:t>And By automating the prioritization process, </a:t>
+            </a:r>
+          </a:p>
+          <a:p>
+            <a:pPr marL="0" marR="0" rtl="0">
+              <a:spcBef>
+                <a:spcPts val="0"/>
+              </a:spcBef>
+              <a:spcAft>
+                <a:spcPts val="0"/>
+              </a:spcAft>
+            </a:pPr>
+            <a:r>
+              <a:rPr lang="en-US" sz="1050" b="0" i="0" dirty="0">
+                <a:solidFill>
+                  <a:srgbClr val="D1D5DB"/>
+                </a:solidFill>
+                <a:effectLst/>
+                <a:latin typeface="Söhne"/>
+              </a:rPr>
+              <a:t>AI can ensure that the </a:t>
+            </a:r>
+            <a:r>
+              <a:rPr lang="en-US" sz="1050" b="0" i="0" dirty="0" err="1">
+                <a:solidFill>
+                  <a:srgbClr val="D1D5DB"/>
+                </a:solidFill>
+                <a:effectLst/>
+                <a:latin typeface="Söhne"/>
+              </a:rPr>
+              <a:t>pentesting</a:t>
+            </a:r>
+            <a:r>
+              <a:rPr lang="en-US" sz="1050" b="0" i="0" dirty="0">
+                <a:solidFill>
+                  <a:srgbClr val="D1D5DB"/>
+                </a:solidFill>
+                <a:effectLst/>
+                <a:latin typeface="Söhne"/>
+              </a:rPr>
+              <a:t> team can focus on addressing </a:t>
+            </a:r>
+            <a:r>
+              <a:rPr lang="en-US" sz="1050" dirty="0">
+                <a:solidFill>
+                  <a:srgbClr val="000000"/>
+                </a:solidFill>
+                <a:effectLst/>
+                <a:latin typeface="Calibri" panose="020F0502020204030204" pitchFamily="34" charset="0"/>
+              </a:rPr>
+              <a:t>the most significant threats first</a:t>
+            </a:r>
+            <a:r>
+              <a:rPr lang="en-US" sz="1050" b="0" i="0" dirty="0">
+                <a:solidFill>
+                  <a:srgbClr val="D1D5DB"/>
+                </a:solidFill>
+                <a:effectLst/>
+                <a:latin typeface="Söhne"/>
+              </a:rPr>
+              <a:t>, </a:t>
+            </a:r>
+          </a:p>
+          <a:p>
+            <a:pPr marL="0" marR="0" rtl="0">
+              <a:spcBef>
+                <a:spcPts val="0"/>
+              </a:spcBef>
+              <a:spcAft>
+                <a:spcPts val="0"/>
+              </a:spcAft>
+            </a:pPr>
+            <a:r>
+              <a:rPr lang="en-US" sz="800" dirty="0">
+                <a:solidFill>
+                  <a:srgbClr val="000000"/>
+                </a:solidFill>
+                <a:effectLst/>
+                <a:latin typeface="Calibri" panose="020F0502020204030204" pitchFamily="34" charset="0"/>
+              </a:rPr>
+              <a:t>Which leads to a more effective and targeted strategy,</a:t>
+            </a:r>
+          </a:p>
+          <a:p>
+            <a:pPr marL="0" marR="0" rtl="0">
+              <a:spcBef>
+                <a:spcPts val="0"/>
+              </a:spcBef>
+              <a:spcAft>
+                <a:spcPts val="0"/>
+              </a:spcAft>
+            </a:pPr>
+            <a:r>
+              <a:rPr lang="en-US" sz="800" b="0" i="0" dirty="0">
+                <a:solidFill>
+                  <a:srgbClr val="D1D5DB"/>
+                </a:solidFill>
+                <a:effectLst/>
+                <a:latin typeface="Söhne"/>
+              </a:rPr>
+              <a:t>And reduces the risk of overlooking key weaknesses</a:t>
+            </a:r>
+            <a:endParaRPr lang="en-US" sz="800" dirty="0">
+              <a:solidFill>
+                <a:srgbClr val="000000"/>
+              </a:solidFill>
+              <a:effectLst/>
+              <a:latin typeface="Calibri" panose="020F0502020204030204" pitchFamily="34" charset="0"/>
+            </a:endParaRPr>
+          </a:p>
+          <a:p>
+            <a:pPr marL="0" marR="0" rtl="0">
+              <a:spcBef>
+                <a:spcPts val="0"/>
+              </a:spcBef>
+              <a:spcAft>
+                <a:spcPts val="0"/>
+              </a:spcAft>
+            </a:pPr>
+            <a:endParaRPr lang="en-US" sz="800" dirty="0">
+              <a:solidFill>
+                <a:srgbClr val="000000"/>
+              </a:solidFill>
+              <a:effectLst/>
+              <a:latin typeface="Calibri" panose="020F0502020204030204" pitchFamily="34" charset="0"/>
+            </a:endParaRPr>
+          </a:p>
+          <a:p>
+            <a:pPr marL="0" marR="0" rtl="0">
+              <a:spcBef>
+                <a:spcPts val="0"/>
+              </a:spcBef>
+              <a:spcAft>
+                <a:spcPts val="0"/>
+              </a:spcAft>
+            </a:pPr>
+            <a:endParaRPr lang="en-US" sz="800" dirty="0">
+              <a:solidFill>
+                <a:srgbClr val="000000"/>
+              </a:solidFill>
+              <a:effectLst/>
+              <a:latin typeface="Calibri" panose="020F0502020204030204" pitchFamily="34" charset="0"/>
+            </a:endParaRPr>
+          </a:p>
+          <a:p>
+            <a:pPr marL="0" marR="0" rtl="0">
+              <a:spcBef>
+                <a:spcPts val="0"/>
+              </a:spcBef>
+              <a:spcAft>
+                <a:spcPts val="0"/>
+              </a:spcAft>
+            </a:pPr>
+            <a:r>
+              <a:rPr lang="en-US" sz="800" dirty="0">
+                <a:solidFill>
+                  <a:srgbClr val="000000"/>
+                </a:solidFill>
+                <a:effectLst/>
+                <a:latin typeface="Calibri" panose="020F0502020204030204" pitchFamily="34" charset="0"/>
+              </a:rPr>
+              <a:t>Also, AI can extend vulnerability scanning beyond just identification and prioritization,</a:t>
+            </a:r>
+          </a:p>
+          <a:p>
+            <a:pPr marL="0" marR="0" rtl="0">
+              <a:spcBef>
+                <a:spcPts val="0"/>
+              </a:spcBef>
+              <a:spcAft>
+                <a:spcPts val="0"/>
+              </a:spcAft>
+            </a:pPr>
+            <a:r>
+              <a:rPr lang="en-US" sz="800" dirty="0">
+                <a:solidFill>
+                  <a:srgbClr val="000000"/>
+                </a:solidFill>
+                <a:effectLst/>
+                <a:latin typeface="Calibri" panose="020F0502020204030204" pitchFamily="34" charset="0"/>
+              </a:rPr>
+              <a:t>by maintaining a real-time record of </a:t>
+            </a:r>
+          </a:p>
+          <a:p>
+            <a:pPr marL="0" marR="0" rtl="0">
+              <a:spcBef>
+                <a:spcPts val="0"/>
+              </a:spcBef>
+              <a:spcAft>
+                <a:spcPts val="0"/>
+              </a:spcAft>
+            </a:pPr>
+            <a:r>
+              <a:rPr lang="en-US" sz="800" dirty="0">
+                <a:solidFill>
+                  <a:srgbClr val="000000"/>
+                </a:solidFill>
+                <a:effectLst/>
+                <a:latin typeface="Calibri" panose="020F0502020204030204" pitchFamily="34" charset="0"/>
+              </a:rPr>
+              <a:t>the most critical vulnerabilities,</a:t>
+            </a:r>
+          </a:p>
+          <a:p>
+            <a:pPr marL="0" marR="0" rtl="0">
+              <a:spcBef>
+                <a:spcPts val="0"/>
+              </a:spcBef>
+              <a:spcAft>
+                <a:spcPts val="0"/>
+              </a:spcAft>
+            </a:pPr>
+            <a:r>
+              <a:rPr lang="en-US" sz="800" dirty="0">
+                <a:solidFill>
+                  <a:srgbClr val="000000"/>
+                </a:solidFill>
+                <a:effectLst/>
+                <a:latin typeface="Calibri" panose="020F0502020204030204" pitchFamily="34" charset="0"/>
+              </a:rPr>
+              <a:t> and those most likely to be exploited.</a:t>
+            </a:r>
+          </a:p>
+          <a:p>
+            <a:pPr marL="0" marR="0" rtl="0">
+              <a:spcBef>
+                <a:spcPts val="0"/>
+              </a:spcBef>
+              <a:spcAft>
+                <a:spcPts val="0"/>
+              </a:spcAft>
+            </a:pPr>
+            <a:endParaRPr lang="en-US" sz="800" dirty="0">
+              <a:solidFill>
+                <a:srgbClr val="000000"/>
+              </a:solidFill>
+              <a:effectLst/>
+              <a:latin typeface="Calibri" panose="020F0502020204030204" pitchFamily="34" charset="0"/>
+            </a:endParaRPr>
+          </a:p>
+          <a:p>
+            <a:pPr marL="0" marR="0" rtl="0">
+              <a:spcBef>
+                <a:spcPts val="0"/>
+              </a:spcBef>
+              <a:spcAft>
+                <a:spcPts val="0"/>
+              </a:spcAft>
+            </a:pPr>
+            <a:r>
+              <a:rPr lang="en-US" sz="800" dirty="0">
+                <a:solidFill>
+                  <a:srgbClr val="000000"/>
+                </a:solidFill>
+                <a:effectLst/>
+                <a:latin typeface="Calibri" panose="020F0502020204030204" pitchFamily="34" charset="0"/>
+              </a:rPr>
+              <a:t>So, Similar to network scanners, vulnerability scanners rely on pattern recognition and external databases to identify vulnerabilities, </a:t>
+            </a:r>
+          </a:p>
+          <a:p>
+            <a:pPr marL="0" marR="0" rtl="0">
+              <a:spcBef>
+                <a:spcPts val="0"/>
+              </a:spcBef>
+              <a:spcAft>
+                <a:spcPts val="0"/>
+              </a:spcAft>
+            </a:pPr>
+            <a:r>
+              <a:rPr lang="en-US" sz="800" dirty="0">
+                <a:solidFill>
+                  <a:srgbClr val="000000"/>
+                </a:solidFill>
+                <a:effectLst/>
+                <a:latin typeface="Calibri" panose="020F0502020204030204" pitchFamily="34" charset="0"/>
+              </a:rPr>
+              <a:t>But this causes them to be </a:t>
+            </a:r>
+            <a:r>
+              <a:rPr lang="en-US" sz="1050" b="0" i="0" dirty="0">
+                <a:solidFill>
+                  <a:srgbClr val="D1D5DB"/>
+                </a:solidFill>
+                <a:effectLst/>
+                <a:latin typeface="Söhne"/>
+              </a:rPr>
+              <a:t>limited by the timeliness of their databases</a:t>
+            </a:r>
+            <a:endParaRPr lang="en-US" sz="800" dirty="0">
+              <a:solidFill>
+                <a:srgbClr val="000000"/>
+              </a:solidFill>
+              <a:effectLst/>
+              <a:latin typeface="Calibri" panose="020F0502020204030204" pitchFamily="34" charset="0"/>
+            </a:endParaRPr>
+          </a:p>
+          <a:p>
+            <a:pPr marL="0" marR="0" rtl="0">
+              <a:spcBef>
+                <a:spcPts val="0"/>
+              </a:spcBef>
+              <a:spcAft>
+                <a:spcPts val="0"/>
+              </a:spcAft>
+            </a:pPr>
+            <a:r>
+              <a:rPr lang="en-US" sz="800" dirty="0">
+                <a:solidFill>
+                  <a:srgbClr val="000000"/>
+                </a:solidFill>
+                <a:effectLst/>
+                <a:latin typeface="Calibri" panose="020F0502020204030204" pitchFamily="34" charset="0"/>
+              </a:rPr>
+              <a:t>Since, </a:t>
+            </a:r>
+            <a:r>
+              <a:rPr lang="en-US" sz="1050" b="0" i="0" dirty="0">
+                <a:solidFill>
+                  <a:srgbClr val="D1D5DB"/>
+                </a:solidFill>
+                <a:effectLst/>
+                <a:latin typeface="Söhne"/>
+              </a:rPr>
+              <a:t>As new vulnerabilities are discovered, </a:t>
+            </a:r>
+          </a:p>
+          <a:p>
+            <a:pPr marL="0" marR="0" rtl="0">
+              <a:spcBef>
+                <a:spcPts val="0"/>
+              </a:spcBef>
+              <a:spcAft>
+                <a:spcPts val="0"/>
+              </a:spcAft>
+            </a:pPr>
+            <a:r>
+              <a:rPr lang="en-US" sz="1050" b="0" i="0" dirty="0">
+                <a:solidFill>
+                  <a:srgbClr val="D1D5DB"/>
+                </a:solidFill>
+                <a:effectLst/>
+                <a:latin typeface="Söhne"/>
+              </a:rPr>
+              <a:t>there will always be a delay in updates, which can lead to potential gaps in threat coverage. </a:t>
+            </a:r>
+          </a:p>
+          <a:p>
+            <a:pPr marL="0" marR="0" rtl="0">
+              <a:spcBef>
+                <a:spcPts val="0"/>
+              </a:spcBef>
+              <a:spcAft>
+                <a:spcPts val="0"/>
+              </a:spcAft>
+            </a:pPr>
+            <a:r>
+              <a:rPr lang="en-US" sz="1050" b="0" i="0" dirty="0">
+                <a:solidFill>
+                  <a:srgbClr val="D1D5DB"/>
+                </a:solidFill>
+                <a:effectLst/>
+                <a:latin typeface="Söhne"/>
+              </a:rPr>
+              <a:t>Since The scanner might not be aware of the latest vulnerabilities, </a:t>
+            </a:r>
+          </a:p>
+          <a:p>
+            <a:pPr marL="0" marR="0" rtl="0">
+              <a:spcBef>
+                <a:spcPts val="0"/>
+              </a:spcBef>
+              <a:spcAft>
+                <a:spcPts val="0"/>
+              </a:spcAft>
+            </a:pPr>
+            <a:r>
+              <a:rPr lang="en-US" sz="1050" b="0" i="0" dirty="0">
+                <a:solidFill>
+                  <a:srgbClr val="D1D5DB"/>
+                </a:solidFill>
+                <a:effectLst/>
+                <a:latin typeface="Söhne"/>
+              </a:rPr>
+              <a:t>It can leave a clients’ system exposed.</a:t>
+            </a:r>
+            <a:endParaRPr lang="en-US" sz="800" dirty="0">
+              <a:solidFill>
+                <a:srgbClr val="000000"/>
+              </a:solidFill>
+              <a:effectLst/>
+              <a:latin typeface="Calibri" panose="020F0502020204030204" pitchFamily="34" charset="0"/>
+            </a:endParaRPr>
+          </a:p>
+          <a:p>
+            <a:pPr marL="0" marR="0" rtl="0">
+              <a:spcBef>
+                <a:spcPts val="0"/>
+              </a:spcBef>
+              <a:spcAft>
+                <a:spcPts val="0"/>
+              </a:spcAft>
+            </a:pPr>
+            <a:endParaRPr lang="en-US" sz="800" dirty="0">
+              <a:solidFill>
+                <a:srgbClr val="000000"/>
+              </a:solidFill>
+              <a:effectLst/>
+              <a:latin typeface="Calibri" panose="020F0502020204030204" pitchFamily="34" charset="0"/>
+            </a:endParaRPr>
+          </a:p>
+          <a:p>
+            <a:pPr marL="0" marR="0" rtl="0">
+              <a:spcBef>
+                <a:spcPts val="0"/>
+              </a:spcBef>
+              <a:spcAft>
+                <a:spcPts val="0"/>
+              </a:spcAft>
+            </a:pPr>
+            <a:r>
+              <a:rPr lang="en-US" sz="1050" b="0" i="0" dirty="0">
+                <a:solidFill>
+                  <a:srgbClr val="D1D5DB"/>
+                </a:solidFill>
+                <a:effectLst/>
+                <a:latin typeface="Söhne"/>
+              </a:rPr>
+              <a:t>But, Unlike these static vulnerability databases,</a:t>
+            </a:r>
+          </a:p>
+          <a:p>
+            <a:pPr marL="0" marR="0" rtl="0">
+              <a:spcBef>
+                <a:spcPts val="0"/>
+              </a:spcBef>
+              <a:spcAft>
+                <a:spcPts val="0"/>
+              </a:spcAft>
+            </a:pPr>
+            <a:r>
+              <a:rPr lang="en-US" sz="1050" b="0" i="0" dirty="0">
+                <a:solidFill>
+                  <a:srgbClr val="D1D5DB"/>
+                </a:solidFill>
+                <a:effectLst/>
+                <a:latin typeface="Söhne"/>
+              </a:rPr>
+              <a:t>AI-driven vulnerability scanners could dynamically update their knowledge base in real-time. </a:t>
+            </a:r>
+          </a:p>
+          <a:p>
+            <a:pPr marL="0" marR="0" rtl="0">
+              <a:spcBef>
+                <a:spcPts val="0"/>
+              </a:spcBef>
+              <a:spcAft>
+                <a:spcPts val="0"/>
+              </a:spcAft>
+            </a:pPr>
+            <a:r>
+              <a:rPr lang="en-US" sz="1050" b="0" i="0" dirty="0">
+                <a:solidFill>
+                  <a:srgbClr val="D1D5DB"/>
+                </a:solidFill>
+                <a:effectLst/>
+                <a:latin typeface="Söhne"/>
+              </a:rPr>
+              <a:t>And they do this by continuously integrating </a:t>
+            </a:r>
+          </a:p>
+          <a:p>
+            <a:pPr marL="0" marR="0" rtl="0">
+              <a:spcBef>
+                <a:spcPts val="0"/>
+              </a:spcBef>
+              <a:spcAft>
+                <a:spcPts val="0"/>
+              </a:spcAft>
+            </a:pPr>
+            <a:r>
+              <a:rPr lang="en-US" sz="1050" b="0" i="0" dirty="0">
+                <a:solidFill>
+                  <a:srgbClr val="D1D5DB"/>
+                </a:solidFill>
+                <a:effectLst/>
+                <a:latin typeface="Söhne"/>
+              </a:rPr>
+              <a:t>the latest threat intelligence feeds, </a:t>
+            </a:r>
+          </a:p>
+          <a:p>
+            <a:pPr marL="0" marR="0" rtl="0">
+              <a:spcBef>
+                <a:spcPts val="0"/>
+              </a:spcBef>
+              <a:spcAft>
+                <a:spcPts val="0"/>
+              </a:spcAft>
+            </a:pPr>
+            <a:r>
+              <a:rPr lang="en-US" sz="1050" b="0" i="0" dirty="0">
+                <a:solidFill>
+                  <a:srgbClr val="D1D5DB"/>
+                </a:solidFill>
+                <a:effectLst/>
+                <a:latin typeface="Söhne"/>
+              </a:rPr>
+              <a:t>security bulletins, </a:t>
+            </a:r>
+          </a:p>
+          <a:p>
+            <a:pPr marL="0" marR="0" rtl="0">
+              <a:spcBef>
+                <a:spcPts val="0"/>
+              </a:spcBef>
+              <a:spcAft>
+                <a:spcPts val="0"/>
+              </a:spcAft>
+            </a:pPr>
+            <a:r>
+              <a:rPr lang="en-US" sz="1050" b="0" i="0" dirty="0">
+                <a:solidFill>
+                  <a:srgbClr val="D1D5DB"/>
+                </a:solidFill>
+                <a:effectLst/>
+                <a:latin typeface="Söhne"/>
+              </a:rPr>
+              <a:t>information about emerging vulnerabilities,</a:t>
+            </a:r>
+          </a:p>
+          <a:p>
+            <a:pPr marL="0" marR="0" rtl="0">
+              <a:spcBef>
+                <a:spcPts val="0"/>
+              </a:spcBef>
+              <a:spcAft>
+                <a:spcPts val="0"/>
+              </a:spcAft>
+            </a:pPr>
+            <a:r>
+              <a:rPr lang="en-US" sz="1050" b="0" i="0" dirty="0">
+                <a:solidFill>
+                  <a:srgbClr val="D1D5DB"/>
+                </a:solidFill>
+                <a:effectLst/>
+                <a:latin typeface="Söhne"/>
+              </a:rPr>
+              <a:t>And more</a:t>
+            </a:r>
+          </a:p>
+          <a:p>
+            <a:pPr marL="0" marR="0" rtl="0">
+              <a:spcBef>
+                <a:spcPts val="0"/>
+              </a:spcBef>
+              <a:spcAft>
+                <a:spcPts val="0"/>
+              </a:spcAft>
+            </a:pPr>
+            <a:endParaRPr lang="en-US" sz="1050" b="0" i="0" dirty="0">
+              <a:solidFill>
+                <a:srgbClr val="D1D5DB"/>
+              </a:solidFill>
+              <a:effectLst/>
+              <a:latin typeface="Söhne"/>
+            </a:endParaRPr>
+          </a:p>
+          <a:p>
+            <a:pPr marL="0" marR="0" rtl="0">
+              <a:spcBef>
+                <a:spcPts val="0"/>
+              </a:spcBef>
+              <a:spcAft>
+                <a:spcPts val="0"/>
+              </a:spcAft>
+            </a:pPr>
+            <a:r>
+              <a:rPr lang="en-US" sz="1050" b="0" i="0" dirty="0">
+                <a:solidFill>
+                  <a:srgbClr val="D1D5DB"/>
+                </a:solidFill>
+                <a:effectLst/>
+                <a:latin typeface="Söhne"/>
+              </a:rPr>
+              <a:t>And then they can </a:t>
+            </a:r>
+            <a:r>
+              <a:rPr lang="en-US" sz="1400" b="0" i="0" dirty="0">
+                <a:solidFill>
+                  <a:srgbClr val="D1D5DB"/>
+                </a:solidFill>
+                <a:effectLst/>
+                <a:latin typeface="Söhne"/>
+              </a:rPr>
+              <a:t>leverage machine learning algorithms to adapt and learn from that new data </a:t>
+            </a:r>
+            <a:r>
+              <a:rPr lang="en-US" sz="1400" b="0" i="1" dirty="0">
+                <a:solidFill>
+                  <a:srgbClr val="D1D5DB"/>
+                </a:solidFill>
+                <a:effectLst/>
+                <a:latin typeface="Söhne"/>
+              </a:rPr>
+              <a:t>continuously</a:t>
+            </a:r>
+            <a:r>
+              <a:rPr lang="en-US" sz="1400" b="0" i="0" dirty="0">
+                <a:solidFill>
+                  <a:srgbClr val="D1D5DB"/>
+                </a:solidFill>
+                <a:effectLst/>
+                <a:latin typeface="Söhne"/>
+              </a:rPr>
+              <a:t>. </a:t>
+            </a:r>
+          </a:p>
+          <a:p>
+            <a:pPr marL="0" marR="0" rtl="0">
+              <a:spcBef>
+                <a:spcPts val="0"/>
+              </a:spcBef>
+              <a:spcAft>
+                <a:spcPts val="0"/>
+              </a:spcAft>
+            </a:pPr>
+            <a:endParaRPr lang="en-US" sz="1400" b="0" i="0" dirty="0">
+              <a:solidFill>
+                <a:srgbClr val="D1D5DB"/>
+              </a:solidFill>
+              <a:effectLst/>
+              <a:latin typeface="Söhne"/>
+            </a:endParaRPr>
+          </a:p>
+          <a:p>
+            <a:pPr marL="0" marR="0" rtl="0">
+              <a:spcBef>
+                <a:spcPts val="0"/>
+              </a:spcBef>
+              <a:spcAft>
+                <a:spcPts val="0"/>
+              </a:spcAft>
+            </a:pPr>
+            <a:r>
+              <a:rPr lang="en-US" sz="1400" b="0" i="0" dirty="0">
+                <a:solidFill>
+                  <a:srgbClr val="D1D5DB"/>
+                </a:solidFill>
+                <a:effectLst/>
+                <a:latin typeface="Söhne"/>
+              </a:rPr>
+              <a:t>And AI can go beyond </a:t>
+            </a:r>
+            <a:r>
+              <a:rPr lang="en-US" sz="2000" b="0" i="0" dirty="0">
+                <a:solidFill>
+                  <a:srgbClr val="D1D5DB"/>
+                </a:solidFill>
+                <a:effectLst/>
+                <a:latin typeface="Söhne"/>
+              </a:rPr>
+              <a:t>capabilities of databases altogether,</a:t>
+            </a:r>
+          </a:p>
+          <a:p>
+            <a:pPr marL="0" marR="0" rtl="0">
+              <a:spcBef>
+                <a:spcPts val="0"/>
+              </a:spcBef>
+              <a:spcAft>
+                <a:spcPts val="0"/>
+              </a:spcAft>
+            </a:pPr>
+            <a:r>
+              <a:rPr lang="en-US" sz="2000" b="0" i="0" dirty="0">
+                <a:solidFill>
+                  <a:srgbClr val="D1D5DB"/>
+                </a:solidFill>
+                <a:effectLst/>
+                <a:latin typeface="Söhne"/>
+              </a:rPr>
+              <a:t>by incorporating behavioral analysis. </a:t>
+            </a:r>
+          </a:p>
+          <a:p>
+            <a:pPr marL="0" marR="0" rtl="0">
+              <a:spcBef>
+                <a:spcPts val="0"/>
+              </a:spcBef>
+              <a:spcAft>
+                <a:spcPts val="0"/>
+              </a:spcAft>
+            </a:pPr>
+            <a:r>
+              <a:rPr lang="en-US" sz="2000" b="0" i="0" dirty="0">
+                <a:solidFill>
+                  <a:srgbClr val="D1D5DB"/>
+                </a:solidFill>
+                <a:effectLst/>
+                <a:latin typeface="Söhne"/>
+              </a:rPr>
+              <a:t>Basically, This involves monitoring system behaviors and anomalies, </a:t>
+            </a:r>
+          </a:p>
+          <a:p>
+            <a:pPr marL="0" marR="0" rtl="0">
+              <a:spcBef>
+                <a:spcPts val="0"/>
+              </a:spcBef>
+              <a:spcAft>
+                <a:spcPts val="0"/>
+              </a:spcAft>
+            </a:pPr>
+            <a:r>
+              <a:rPr lang="en-US" sz="2000" b="0" i="0" dirty="0">
+                <a:solidFill>
+                  <a:srgbClr val="D1D5DB"/>
+                </a:solidFill>
+                <a:effectLst/>
+                <a:latin typeface="Söhne"/>
+              </a:rPr>
+              <a:t>So that the AI can identify potential vulnerabilities that may not be explicitly documented yet. </a:t>
+            </a:r>
+          </a:p>
+          <a:p>
+            <a:pPr marL="0" marR="0" rtl="0">
+              <a:spcBef>
+                <a:spcPts val="0"/>
+              </a:spcBef>
+              <a:spcAft>
+                <a:spcPts val="0"/>
+              </a:spcAft>
+            </a:pPr>
+            <a:endParaRPr lang="en-US" sz="2000" b="0" i="0" dirty="0">
+              <a:solidFill>
+                <a:srgbClr val="D1D5DB"/>
+              </a:solidFill>
+              <a:effectLst/>
+              <a:latin typeface="Söhne"/>
+            </a:endParaRPr>
+          </a:p>
+          <a:p>
+            <a:pPr marL="0" marR="0" rtl="0">
+              <a:spcBef>
+                <a:spcPts val="0"/>
+              </a:spcBef>
+              <a:spcAft>
+                <a:spcPts val="0"/>
+              </a:spcAft>
+            </a:pPr>
+            <a:r>
+              <a:rPr lang="en-US" sz="2000" b="0" i="0" dirty="0">
+                <a:solidFill>
+                  <a:srgbClr val="D1D5DB"/>
+                </a:solidFill>
+                <a:effectLst/>
+                <a:latin typeface="Söhne"/>
+              </a:rPr>
+              <a:t>By analyzing patterns of activity, AI can detect deviations that indicate a potential security risk.</a:t>
+            </a:r>
+            <a:endParaRPr lang="en-US" sz="1400" b="0" i="0" dirty="0">
+              <a:solidFill>
+                <a:srgbClr val="D1D5DB"/>
+              </a:solidFill>
+              <a:effectLst/>
+              <a:latin typeface="Söhne"/>
+            </a:endParaRPr>
+          </a:p>
+          <a:p>
+            <a:pPr marL="0" marR="0" rtl="0">
+              <a:spcBef>
+                <a:spcPts val="0"/>
+              </a:spcBef>
+              <a:spcAft>
+                <a:spcPts val="0"/>
+              </a:spcAft>
+            </a:pPr>
+            <a:endParaRPr lang="en-US" sz="1400" b="0" i="0" dirty="0">
+              <a:solidFill>
+                <a:srgbClr val="D1D5DB"/>
+              </a:solidFill>
+              <a:effectLst/>
+              <a:latin typeface="Söhne"/>
+            </a:endParaRPr>
+          </a:p>
+          <a:p>
+            <a:pPr marL="0" marR="0" rtl="0">
+              <a:spcBef>
+                <a:spcPts val="0"/>
+              </a:spcBef>
+              <a:spcAft>
+                <a:spcPts val="0"/>
+              </a:spcAft>
+            </a:pPr>
+            <a:r>
+              <a:rPr lang="en-US" sz="1400" b="0" i="0" dirty="0">
+                <a:solidFill>
+                  <a:srgbClr val="D1D5DB"/>
+                </a:solidFill>
+                <a:effectLst/>
+                <a:latin typeface="Söhne"/>
+              </a:rPr>
+              <a:t>This is vital for penetration testing because </a:t>
+            </a:r>
+          </a:p>
+          <a:p>
+            <a:pPr marL="0" marR="0" rtl="0">
+              <a:spcBef>
+                <a:spcPts val="0"/>
+              </a:spcBef>
+              <a:spcAft>
+                <a:spcPts val="0"/>
+              </a:spcAft>
+            </a:pPr>
+            <a:r>
+              <a:rPr lang="en-US" sz="1400" b="0" i="0" dirty="0">
+                <a:solidFill>
+                  <a:srgbClr val="D1D5DB"/>
+                </a:solidFill>
+                <a:effectLst/>
+                <a:latin typeface="Söhne"/>
+              </a:rPr>
+              <a:t>Testers need the </a:t>
+            </a:r>
+            <a:r>
+              <a:rPr lang="en-US" sz="2000" b="0" i="0" dirty="0">
+                <a:solidFill>
+                  <a:srgbClr val="D1D5DB"/>
+                </a:solidFill>
+                <a:effectLst/>
+                <a:latin typeface="Söhne"/>
+              </a:rPr>
+              <a:t>latest and most relevant threat intelligence in order to successfully do their job</a:t>
+            </a:r>
+          </a:p>
+          <a:p>
+            <a:pPr marL="0" marR="0" rtl="0">
+              <a:spcBef>
+                <a:spcPts val="0"/>
+              </a:spcBef>
+              <a:spcAft>
+                <a:spcPts val="0"/>
+              </a:spcAft>
+            </a:pPr>
+            <a:r>
+              <a:rPr lang="en-US" sz="2000" b="0" i="0" dirty="0">
+                <a:solidFill>
+                  <a:srgbClr val="D1D5DB"/>
+                </a:solidFill>
+                <a:effectLst/>
+                <a:latin typeface="Söhne"/>
+              </a:rPr>
+              <a:t>A more accurate and comprehensive identification of vulnerabilities, can reduce the risk of overlooking critical security weaknesses</a:t>
+            </a:r>
+          </a:p>
+          <a:p>
+            <a:pPr marL="0" marR="0" rtl="0">
+              <a:spcBef>
+                <a:spcPts val="0"/>
+              </a:spcBef>
+              <a:spcAft>
+                <a:spcPts val="0"/>
+              </a:spcAft>
+            </a:pPr>
+            <a:endParaRPr lang="en-US" sz="1400" b="0" i="0" dirty="0">
+              <a:solidFill>
+                <a:srgbClr val="D1D5DB"/>
+              </a:solidFill>
+              <a:effectLst/>
+              <a:latin typeface="Söhne"/>
+            </a:endParaRPr>
+          </a:p>
+          <a:p>
+            <a:pPr marL="0" marR="0" rtl="0">
+              <a:spcBef>
+                <a:spcPts val="0"/>
+              </a:spcBef>
+              <a:spcAft>
+                <a:spcPts val="0"/>
+              </a:spcAft>
+            </a:pPr>
+            <a:endParaRPr lang="en-US" sz="800" dirty="0">
+              <a:solidFill>
+                <a:srgbClr val="000000"/>
+              </a:solidFill>
+              <a:effectLst/>
+              <a:latin typeface="Calibri" panose="020F0502020204030204" pitchFamily="34" charset="0"/>
+            </a:endParaRPr>
+          </a:p>
+          <a:p>
+            <a:pPr marL="0" marR="0" rtl="0">
+              <a:spcBef>
+                <a:spcPts val="0"/>
+              </a:spcBef>
+              <a:spcAft>
+                <a:spcPts val="0"/>
+              </a:spcAft>
+            </a:pPr>
+            <a:r>
+              <a:rPr lang="en-US" sz="800" dirty="0">
+                <a:solidFill>
+                  <a:srgbClr val="000000"/>
+                </a:solidFill>
+                <a:effectLst/>
+                <a:latin typeface="Calibri" panose="020F0502020204030204" pitchFamily="34" charset="0"/>
+              </a:rPr>
+              <a:t>Also, </a:t>
+            </a:r>
+            <a:r>
+              <a:rPr lang="en-US" sz="1050" b="0" i="0" dirty="0">
+                <a:solidFill>
+                  <a:srgbClr val="D1D5DB"/>
+                </a:solidFill>
+                <a:effectLst/>
+                <a:latin typeface="Söhne"/>
+              </a:rPr>
+              <a:t>AI's ability to automate provides several significant improvements over traditional vulnerability scanning methods</a:t>
+            </a:r>
             <a:endParaRPr lang="en-US" sz="800" b="0" i="0" dirty="0">
               <a:solidFill>
                 <a:srgbClr val="000000"/>
@@ -19550,6 +23695,1070 @@
             </a:endParaRPr>
           </a:p>
           <a:p>
+            <a:pPr marL="0" marR="0" rtl="0">
+              <a:spcBef>
+                <a:spcPts val="0"/>
+              </a:spcBef>
+              <a:spcAft>
+                <a:spcPts val="0"/>
+              </a:spcAft>
+            </a:pPr>
+            <a:endParaRPr lang="en-US" sz="800" b="0" i="0" dirty="0">
+              <a:solidFill>
+                <a:srgbClr val="000000"/>
+              </a:solidFill>
+              <a:effectLst/>
+              <a:latin typeface="Calibri" panose="020F0502020204030204" pitchFamily="34" charset="0"/>
+            </a:endParaRPr>
+          </a:p>
+          <a:p>
+            <a:pPr algn="l"/>
+            <a:r>
+              <a:rPr lang="en-US" sz="800" b="0" i="0" dirty="0">
+                <a:solidFill>
+                  <a:srgbClr val="000000"/>
+                </a:solidFill>
+                <a:effectLst/>
+                <a:latin typeface="Calibri" panose="020F0502020204030204" pitchFamily="34" charset="0"/>
+              </a:rPr>
+              <a:t>I think the most obvious advantage to this is </a:t>
+            </a:r>
+            <a:r>
+              <a:rPr lang="en-US" sz="1050" b="1" i="0" dirty="0">
+                <a:solidFill>
+                  <a:srgbClr val="D1D5DB"/>
+                </a:solidFill>
+                <a:effectLst/>
+                <a:latin typeface="Söhne"/>
+              </a:rPr>
+              <a:t>Efficiency and Speed.</a:t>
+            </a:r>
+          </a:p>
+          <a:p>
+            <a:pPr algn="l">
+              <a:buFont typeface="Arial" panose="020B0604020202020204" pitchFamily="34" charset="0"/>
+              <a:buNone/>
+            </a:pPr>
+            <a:r>
+              <a:rPr lang="en-US" sz="1050" b="0" i="0" dirty="0">
+                <a:solidFill>
+                  <a:srgbClr val="D1D5DB"/>
+                </a:solidFill>
+                <a:effectLst/>
+                <a:latin typeface="Söhne"/>
+              </a:rPr>
+              <a:t>Where traditional scanners require </a:t>
+            </a:r>
+          </a:p>
+          <a:p>
+            <a:pPr algn="l">
+              <a:buFont typeface="Arial" panose="020B0604020202020204" pitchFamily="34" charset="0"/>
+              <a:buNone/>
+            </a:pPr>
+            <a:r>
+              <a:rPr lang="en-US" sz="1050" b="0" i="0" dirty="0">
+                <a:solidFill>
+                  <a:srgbClr val="D1D5DB"/>
+                </a:solidFill>
+                <a:effectLst/>
+                <a:latin typeface="Söhne"/>
+              </a:rPr>
+              <a:t>manual configuration, </a:t>
+            </a:r>
+          </a:p>
+          <a:p>
+            <a:pPr algn="l">
+              <a:buFont typeface="Arial" panose="020B0604020202020204" pitchFamily="34" charset="0"/>
+              <a:buNone/>
+            </a:pPr>
+            <a:r>
+              <a:rPr lang="en-US" sz="1050" b="0" i="0" dirty="0">
+                <a:solidFill>
+                  <a:srgbClr val="D1D5DB"/>
+                </a:solidFill>
+                <a:effectLst/>
+                <a:latin typeface="Söhne"/>
+              </a:rPr>
+              <a:t>supervision, </a:t>
+            </a:r>
+          </a:p>
+          <a:p>
+            <a:pPr algn="l">
+              <a:buFont typeface="Arial" panose="020B0604020202020204" pitchFamily="34" charset="0"/>
+              <a:buNone/>
+            </a:pPr>
+            <a:r>
+              <a:rPr lang="en-US" sz="1050" b="0" i="0" dirty="0">
+                <a:solidFill>
+                  <a:srgbClr val="D1D5DB"/>
+                </a:solidFill>
+                <a:effectLst/>
+                <a:latin typeface="Söhne"/>
+              </a:rPr>
+              <a:t>and interpretation of results. </a:t>
+            </a:r>
+          </a:p>
+          <a:p>
+            <a:pPr algn="l">
+              <a:buFont typeface="Arial" panose="020B0604020202020204" pitchFamily="34" charset="0"/>
+              <a:buNone/>
+            </a:pPr>
+            <a:endParaRPr lang="en-US" sz="1050" b="0" i="0" dirty="0">
+              <a:solidFill>
+                <a:srgbClr val="D1D5DB"/>
+              </a:solidFill>
+              <a:effectLst/>
+              <a:latin typeface="Söhne"/>
+            </a:endParaRPr>
+          </a:p>
+          <a:p>
+            <a:pPr algn="l">
+              <a:buFont typeface="Arial" panose="020B0604020202020204" pitchFamily="34" charset="0"/>
+              <a:buNone/>
+            </a:pPr>
+            <a:r>
+              <a:rPr lang="en-US" sz="1400" b="0" i="0" dirty="0">
+                <a:solidFill>
+                  <a:srgbClr val="ECECF1"/>
+                </a:solidFill>
+                <a:effectLst/>
+                <a:latin typeface="Söhne"/>
+              </a:rPr>
+              <a:t>AI can be used to automate some of these key areas </a:t>
+            </a:r>
+          </a:p>
+          <a:p>
+            <a:pPr algn="l">
+              <a:buFont typeface="Arial" panose="020B0604020202020204" pitchFamily="34" charset="0"/>
+              <a:buNone/>
+            </a:pPr>
+            <a:r>
+              <a:rPr lang="en-US" sz="1400" b="0" i="0" dirty="0">
+                <a:solidFill>
+                  <a:srgbClr val="ECECF1"/>
+                </a:solidFill>
+                <a:effectLst/>
+                <a:latin typeface="Söhne"/>
+              </a:rPr>
+              <a:t>By eliminating the </a:t>
+            </a:r>
+            <a:r>
+              <a:rPr lang="en-US" sz="2000" b="0" i="0" dirty="0">
+                <a:solidFill>
+                  <a:srgbClr val="D1D5DB"/>
+                </a:solidFill>
+                <a:effectLst/>
+                <a:latin typeface="Söhne"/>
+              </a:rPr>
+              <a:t>configuration process, as they can adapt dynamically to the nuances of the network environment,</a:t>
+            </a:r>
+          </a:p>
+          <a:p>
+            <a:pPr marL="0" marR="0" lvl="0" indent="0" algn="l" defTabSz="914400" rtl="0" eaLnBrk="1" fontAlgn="auto" latinLnBrk="0" hangingPunct="1">
+              <a:lnSpc>
+                <a:spcPct val="100000"/>
+              </a:lnSpc>
+              <a:spcBef>
+                <a:spcPts val="0"/>
+              </a:spcBef>
+              <a:spcAft>
+                <a:spcPts val="0"/>
+              </a:spcAft>
+              <a:buClrTx/>
+              <a:buSzTx/>
+              <a:buFont typeface="Arial" panose="020B0604020202020204" pitchFamily="34" charset="0"/>
+              <a:buNone/>
+              <a:tabLst/>
+              <a:defRPr/>
+            </a:pPr>
+            <a:r>
+              <a:rPr lang="en-US" sz="1400" b="0" i="0" dirty="0">
+                <a:solidFill>
+                  <a:srgbClr val="ECECF1"/>
+                </a:solidFill>
+                <a:effectLst/>
+                <a:latin typeface="Söhne"/>
+              </a:rPr>
+              <a:t>Or by self-supervising and </a:t>
+            </a:r>
+            <a:r>
+              <a:rPr lang="en-US" sz="2000" b="0" i="0" dirty="0">
+                <a:solidFill>
+                  <a:srgbClr val="D1D5DB"/>
+                </a:solidFill>
+                <a:effectLst/>
+                <a:latin typeface="Söhne"/>
+              </a:rPr>
+              <a:t>adaptively adjust scanning strategies to handle interruptions or errors </a:t>
+            </a:r>
+          </a:p>
+          <a:p>
+            <a:pPr algn="l">
+              <a:buFont typeface="Arial" panose="020B0604020202020204" pitchFamily="34" charset="0"/>
+              <a:buNone/>
+            </a:pPr>
+            <a:r>
+              <a:rPr lang="en-US" sz="2000" b="0" i="0" dirty="0">
+                <a:solidFill>
+                  <a:srgbClr val="D1D5DB"/>
+                </a:solidFill>
+                <a:effectLst/>
+                <a:latin typeface="Söhne"/>
+              </a:rPr>
+              <a:t>Or unlike traditional methods that require human expertise to interpret scan results, AI can automate the analysis of vulnerabilities and return the most likely attack path</a:t>
+            </a:r>
+          </a:p>
+          <a:p>
+            <a:pPr algn="l">
+              <a:buFont typeface="Arial" panose="020B0604020202020204" pitchFamily="34" charset="0"/>
+              <a:buNone/>
+            </a:pPr>
+            <a:endParaRPr lang="en-US" sz="1400" b="0" i="0" dirty="0">
+              <a:solidFill>
+                <a:srgbClr val="ECECF1"/>
+              </a:solidFill>
+              <a:effectLst/>
+              <a:latin typeface="Söhne"/>
+            </a:endParaRPr>
+          </a:p>
+          <a:p>
+            <a:pPr algn="l">
+              <a:buFont typeface="Arial" panose="020B0604020202020204" pitchFamily="34" charset="0"/>
+              <a:buNone/>
+            </a:pPr>
+            <a:r>
+              <a:rPr lang="en-US" sz="1400" b="0" i="0" dirty="0">
+                <a:solidFill>
+                  <a:srgbClr val="ECECF1"/>
+                </a:solidFill>
+                <a:effectLst/>
+                <a:latin typeface="Söhne"/>
+              </a:rPr>
+              <a:t>Not to mention, this automation enables scalability, since they can handle a large number of tasks simultaneously, </a:t>
+            </a:r>
+          </a:p>
+          <a:p>
+            <a:pPr algn="l">
+              <a:buFont typeface="Arial" panose="020B0604020202020204" pitchFamily="34" charset="0"/>
+              <a:buNone/>
+            </a:pPr>
+            <a:r>
+              <a:rPr lang="en-US" sz="1400" b="0" i="0" dirty="0">
+                <a:solidFill>
+                  <a:srgbClr val="ECECF1"/>
+                </a:solidFill>
+                <a:effectLst/>
+                <a:latin typeface="Söhne"/>
+              </a:rPr>
+              <a:t>Where the same level of scale Would be challenging to achieve with traditional methods that may be resource-intensive and time-consuming.</a:t>
+            </a:r>
+          </a:p>
+          <a:p>
+            <a:pPr algn="l">
+              <a:buFont typeface="Arial" panose="020B0604020202020204" pitchFamily="34" charset="0"/>
+              <a:buNone/>
+            </a:pPr>
+            <a:endParaRPr lang="en-US" sz="1400" b="0" i="0" dirty="0">
+              <a:solidFill>
+                <a:srgbClr val="ECECF1"/>
+              </a:solidFill>
+              <a:effectLst/>
+              <a:latin typeface="Söhne"/>
+            </a:endParaRPr>
+          </a:p>
+          <a:p>
+            <a:pPr algn="l">
+              <a:buFont typeface="Arial" panose="020B0604020202020204" pitchFamily="34" charset="0"/>
+              <a:buNone/>
+            </a:pPr>
+            <a:endParaRPr lang="en-US" sz="1400" b="0" i="0" dirty="0">
+              <a:solidFill>
+                <a:srgbClr val="ECECF1"/>
+              </a:solidFill>
+              <a:effectLst/>
+              <a:latin typeface="Söhne"/>
+            </a:endParaRPr>
+          </a:p>
+          <a:p>
+            <a:pPr algn="l">
+              <a:buFont typeface="Arial" panose="020B0604020202020204" pitchFamily="34" charset="0"/>
+              <a:buNone/>
+            </a:pPr>
+            <a:endParaRPr lang="en-US" sz="1400" b="0" i="0" dirty="0">
+              <a:solidFill>
+                <a:srgbClr val="ECECF1"/>
+              </a:solidFill>
+              <a:effectLst/>
+              <a:latin typeface="Söhne"/>
+            </a:endParaRPr>
+          </a:p>
+          <a:p>
+            <a:pPr marL="0" marR="0" rtl="0">
+              <a:spcBef>
+                <a:spcPts val="0"/>
+              </a:spcBef>
+              <a:spcAft>
+                <a:spcPts val="0"/>
+              </a:spcAft>
+            </a:pPr>
+            <a:r>
+              <a:rPr lang="en-US" sz="800" dirty="0">
+                <a:solidFill>
+                  <a:srgbClr val="000000"/>
+                </a:solidFill>
+                <a:effectLst/>
+                <a:latin typeface="Calibri" panose="020F0502020204030204" pitchFamily="34" charset="0"/>
+              </a:rPr>
+              <a:t>So You might recall Shodan and NSE from the second lecture,</a:t>
+            </a:r>
+          </a:p>
+          <a:p>
+            <a:pPr marL="0" marR="0" rtl="0">
+              <a:spcBef>
+                <a:spcPts val="0"/>
+              </a:spcBef>
+              <a:spcAft>
+                <a:spcPts val="0"/>
+              </a:spcAft>
+            </a:pPr>
+            <a:r>
+              <a:rPr lang="en-US" sz="800" dirty="0">
+                <a:solidFill>
+                  <a:srgbClr val="000000"/>
+                </a:solidFill>
+                <a:effectLst/>
+                <a:latin typeface="Calibri" panose="020F0502020204030204" pitchFamily="34" charset="0"/>
+              </a:rPr>
+              <a:t>And as I mentioned, there is quite a bit of crossover between the first and second phases of </a:t>
+            </a:r>
+            <a:r>
+              <a:rPr lang="en-US" sz="800" dirty="0" err="1">
+                <a:solidFill>
+                  <a:srgbClr val="000000"/>
+                </a:solidFill>
+                <a:effectLst/>
+                <a:latin typeface="Calibri" panose="020F0502020204030204" pitchFamily="34" charset="0"/>
+              </a:rPr>
+              <a:t>pentesting</a:t>
+            </a:r>
+            <a:r>
+              <a:rPr lang="en-US" sz="800" dirty="0">
+                <a:solidFill>
+                  <a:srgbClr val="000000"/>
+                </a:solidFill>
+                <a:effectLst/>
+                <a:latin typeface="Calibri" panose="020F0502020204030204" pitchFamily="34" charset="0"/>
+              </a:rPr>
+              <a:t> </a:t>
+            </a:r>
+          </a:p>
+          <a:p>
+            <a:pPr marL="0" marR="0" rtl="0">
+              <a:spcBef>
+                <a:spcPts val="0"/>
+              </a:spcBef>
+              <a:spcAft>
+                <a:spcPts val="0"/>
+              </a:spcAft>
+            </a:pPr>
+            <a:r>
+              <a:rPr lang="en-US" sz="800" dirty="0">
+                <a:solidFill>
+                  <a:srgbClr val="000000"/>
+                </a:solidFill>
+                <a:effectLst/>
+                <a:latin typeface="Calibri" panose="020F0502020204030204" pitchFamily="34" charset="0"/>
+              </a:rPr>
+              <a:t>so a lot of these tools are multifunctional.</a:t>
+            </a:r>
+          </a:p>
+          <a:p>
+            <a:pPr marL="0" marR="0" rtl="0">
+              <a:spcBef>
+                <a:spcPts val="0"/>
+              </a:spcBef>
+              <a:spcAft>
+                <a:spcPts val="0"/>
+              </a:spcAft>
+            </a:pPr>
+            <a:endParaRPr lang="en-US" sz="800" dirty="0">
+              <a:solidFill>
+                <a:srgbClr val="000000"/>
+              </a:solidFill>
+              <a:effectLst/>
+              <a:latin typeface="Calibri" panose="020F0502020204030204" pitchFamily="34" charset="0"/>
+            </a:endParaRPr>
+          </a:p>
+          <a:p>
+            <a:pPr marL="0" marR="0" rtl="0">
+              <a:spcBef>
+                <a:spcPts val="0"/>
+              </a:spcBef>
+              <a:spcAft>
+                <a:spcPts val="0"/>
+              </a:spcAft>
+            </a:pPr>
+            <a:r>
+              <a:rPr lang="en-US" sz="800" dirty="0">
+                <a:solidFill>
+                  <a:srgbClr val="000000"/>
+                </a:solidFill>
+                <a:effectLst/>
+                <a:latin typeface="Calibri" panose="020F0502020204030204" pitchFamily="34" charset="0"/>
+              </a:rPr>
+              <a:t>And since we are already familiar with what these tools are and how they work, </a:t>
+            </a:r>
+          </a:p>
+          <a:p>
+            <a:pPr marL="0" marR="0" rtl="0">
+              <a:spcBef>
+                <a:spcPts val="0"/>
+              </a:spcBef>
+              <a:spcAft>
+                <a:spcPts val="0"/>
+              </a:spcAft>
+            </a:pPr>
+            <a:r>
+              <a:rPr lang="en-US" sz="800" dirty="0">
+                <a:solidFill>
+                  <a:srgbClr val="000000"/>
+                </a:solidFill>
+                <a:effectLst/>
+                <a:latin typeface="Calibri" panose="020F0502020204030204" pitchFamily="34" charset="0"/>
+              </a:rPr>
+              <a:t>Today I want to focus more on how these tools contribute to </a:t>
+            </a:r>
+            <a:r>
+              <a:rPr lang="en-US" sz="800" i="1" dirty="0">
+                <a:solidFill>
+                  <a:srgbClr val="000000"/>
+                </a:solidFill>
+                <a:effectLst/>
+                <a:latin typeface="Calibri" panose="020F0502020204030204" pitchFamily="34" charset="0"/>
+              </a:rPr>
+              <a:t>vulnerability scanning</a:t>
+            </a:r>
+            <a:r>
+              <a:rPr lang="en-US" sz="800" dirty="0">
+                <a:solidFill>
+                  <a:srgbClr val="000000"/>
+                </a:solidFill>
+                <a:effectLst/>
+                <a:latin typeface="Calibri" panose="020F0502020204030204" pitchFamily="34" charset="0"/>
+              </a:rPr>
+              <a:t>. </a:t>
+            </a:r>
+          </a:p>
+          <a:p>
+            <a:pPr marL="0" marR="0" rtl="0">
+              <a:spcBef>
+                <a:spcPts val="0"/>
+              </a:spcBef>
+              <a:spcAft>
+                <a:spcPts val="0"/>
+              </a:spcAft>
+            </a:pPr>
+            <a:r>
+              <a:rPr lang="en-US" sz="800" dirty="0">
+                <a:solidFill>
+                  <a:srgbClr val="000000"/>
+                </a:solidFill>
+                <a:effectLst/>
+                <a:latin typeface="Calibri" panose="020F0502020204030204" pitchFamily="34" charset="0"/>
+              </a:rPr>
+              <a:t> </a:t>
+            </a:r>
+          </a:p>
+          <a:p>
+            <a:pPr marL="0" marR="0" rtl="0">
+              <a:spcBef>
+                <a:spcPts val="0"/>
+              </a:spcBef>
+              <a:spcAft>
+                <a:spcPts val="0"/>
+              </a:spcAft>
+            </a:pPr>
+            <a:r>
+              <a:rPr lang="en-US" sz="800" dirty="0">
+                <a:solidFill>
+                  <a:srgbClr val="000000"/>
+                </a:solidFill>
+                <a:effectLst/>
+                <a:latin typeface="Calibri" panose="020F0502020204030204" pitchFamily="34" charset="0"/>
+              </a:rPr>
+              <a:t>Recently, researchers used Shodan to assess vulnerabilities in IoT devices in Jordan. </a:t>
+            </a:r>
+          </a:p>
+          <a:p>
+            <a:pPr marL="0" marR="0" rtl="0">
+              <a:spcBef>
+                <a:spcPts val="0"/>
+              </a:spcBef>
+              <a:spcAft>
+                <a:spcPts val="0"/>
+              </a:spcAft>
+            </a:pPr>
+            <a:r>
+              <a:rPr lang="en-US" sz="800" dirty="0">
+                <a:solidFill>
+                  <a:srgbClr val="000000"/>
+                </a:solidFill>
+                <a:effectLst/>
+                <a:latin typeface="Calibri" panose="020F0502020204030204" pitchFamily="34" charset="0"/>
+              </a:rPr>
+              <a:t>And They were able to use Shodan's custom filters to search for devices with open ports and specific vulnerabilities </a:t>
+            </a:r>
+          </a:p>
+          <a:p>
+            <a:pPr marL="0" marR="0" rtl="0">
+              <a:spcBef>
+                <a:spcPts val="0"/>
+              </a:spcBef>
+              <a:spcAft>
+                <a:spcPts val="0"/>
+              </a:spcAft>
+            </a:pPr>
+            <a:r>
+              <a:rPr lang="en-US" sz="800" dirty="0">
+                <a:solidFill>
+                  <a:srgbClr val="000000"/>
+                </a:solidFill>
+                <a:effectLst/>
+                <a:latin typeface="Calibri" panose="020F0502020204030204" pitchFamily="34" charset="0"/>
+              </a:rPr>
+              <a:t>More specifically, the searched for devices that were susceptible to Heartbleed and </a:t>
+            </a:r>
+            <a:r>
+              <a:rPr lang="en-US" sz="800" dirty="0" err="1">
+                <a:solidFill>
+                  <a:srgbClr val="000000"/>
+                </a:solidFill>
+                <a:effectLst/>
+                <a:latin typeface="Calibri" panose="020F0502020204030204" pitchFamily="34" charset="0"/>
+              </a:rPr>
+              <a:t>Ticketbleed</a:t>
+            </a:r>
+            <a:r>
+              <a:rPr lang="en-US" sz="800" dirty="0">
+                <a:solidFill>
+                  <a:srgbClr val="000000"/>
+                </a:solidFill>
+                <a:effectLst/>
+                <a:latin typeface="Calibri" panose="020F0502020204030204" pitchFamily="34" charset="0"/>
+              </a:rPr>
+              <a:t>. </a:t>
+            </a:r>
+          </a:p>
+          <a:p>
+            <a:pPr marL="0" marR="0" rtl="0">
+              <a:spcBef>
+                <a:spcPts val="0"/>
+              </a:spcBef>
+              <a:spcAft>
+                <a:spcPts val="0"/>
+              </a:spcAft>
+            </a:pPr>
+            <a:r>
+              <a:rPr lang="en-US" sz="800" dirty="0">
+                <a:solidFill>
+                  <a:srgbClr val="000000"/>
+                </a:solidFill>
+                <a:effectLst/>
+                <a:latin typeface="Calibri" panose="020F0502020204030204" pitchFamily="34" charset="0"/>
+              </a:rPr>
+              <a:t>If </a:t>
+            </a:r>
+            <a:r>
+              <a:rPr lang="en-US" sz="800" dirty="0" err="1">
+                <a:solidFill>
+                  <a:srgbClr val="000000"/>
+                </a:solidFill>
+                <a:effectLst/>
+                <a:latin typeface="Calibri" panose="020F0502020204030204" pitchFamily="34" charset="0"/>
+              </a:rPr>
+              <a:t>youre</a:t>
+            </a:r>
+            <a:r>
+              <a:rPr lang="en-US" sz="800" dirty="0">
+                <a:solidFill>
+                  <a:srgbClr val="000000"/>
+                </a:solidFill>
+                <a:effectLst/>
+                <a:latin typeface="Calibri" panose="020F0502020204030204" pitchFamily="34" charset="0"/>
+              </a:rPr>
+              <a:t> not familiar these are </a:t>
+            </a:r>
+            <a:r>
+              <a:rPr lang="en-US" sz="1050" b="0" i="0" dirty="0">
+                <a:solidFill>
+                  <a:srgbClr val="D1D5DB"/>
+                </a:solidFill>
+                <a:effectLst/>
+                <a:latin typeface="Söhne"/>
+              </a:rPr>
+              <a:t>security vulnerabilities that affect the OpenSSL cryptographic software library</a:t>
+            </a:r>
+          </a:p>
+          <a:p>
+            <a:pPr marL="0" marR="0" rtl="0">
+              <a:spcBef>
+                <a:spcPts val="0"/>
+              </a:spcBef>
+              <a:spcAft>
+                <a:spcPts val="0"/>
+              </a:spcAft>
+            </a:pPr>
+            <a:endParaRPr lang="en-US" sz="1050" b="0" i="0" dirty="0">
+              <a:solidFill>
+                <a:srgbClr val="D1D5DB"/>
+              </a:solidFill>
+              <a:effectLst/>
+              <a:latin typeface="Söhne"/>
+            </a:endParaRPr>
+          </a:p>
+          <a:p>
+            <a:pPr marL="0" marR="0" rtl="0">
+              <a:spcBef>
+                <a:spcPts val="0"/>
+              </a:spcBef>
+              <a:spcAft>
+                <a:spcPts val="0"/>
+              </a:spcAft>
+            </a:pPr>
+            <a:r>
+              <a:rPr lang="en-US" sz="1050" b="0" i="0" dirty="0">
+                <a:solidFill>
+                  <a:srgbClr val="D1D5DB"/>
+                </a:solidFill>
+                <a:effectLst/>
+                <a:latin typeface="Söhne"/>
+              </a:rPr>
+              <a:t>Heartbleed is a notorious security that When exploited, </a:t>
+            </a:r>
+          </a:p>
+          <a:p>
+            <a:pPr marL="0" marR="0" rtl="0">
+              <a:spcBef>
+                <a:spcPts val="0"/>
+              </a:spcBef>
+              <a:spcAft>
+                <a:spcPts val="0"/>
+              </a:spcAft>
+            </a:pPr>
+            <a:r>
+              <a:rPr lang="en-US" sz="1050" b="0" i="0" dirty="0">
+                <a:solidFill>
+                  <a:srgbClr val="D1D5DB"/>
+                </a:solidFill>
+                <a:effectLst/>
+                <a:latin typeface="Söhne"/>
+              </a:rPr>
+              <a:t>allows unauthorized individuals to read sensitive data from the memory of web servers.</a:t>
+            </a:r>
+          </a:p>
+          <a:p>
+            <a:pPr marL="0" marR="0" rtl="0">
+              <a:spcBef>
+                <a:spcPts val="0"/>
+              </a:spcBef>
+              <a:spcAft>
+                <a:spcPts val="0"/>
+              </a:spcAft>
+            </a:pPr>
+            <a:r>
+              <a:rPr lang="en-US" sz="1050" b="0" i="0" dirty="0">
+                <a:solidFill>
+                  <a:srgbClr val="D1D5DB"/>
+                </a:solidFill>
+                <a:effectLst/>
+                <a:latin typeface="Söhne"/>
+              </a:rPr>
+              <a:t>Essentially,  getting a sneak peek into the confidential information handled by these servers, </a:t>
+            </a:r>
+          </a:p>
+          <a:p>
+            <a:pPr marL="0" marR="0" rtl="0">
+              <a:spcBef>
+                <a:spcPts val="0"/>
+              </a:spcBef>
+              <a:spcAft>
+                <a:spcPts val="0"/>
+              </a:spcAft>
+            </a:pPr>
+            <a:r>
+              <a:rPr lang="en-US" sz="1050" b="0" i="0" dirty="0">
+                <a:solidFill>
+                  <a:srgbClr val="D1D5DB"/>
+                </a:solidFill>
+                <a:effectLst/>
+                <a:latin typeface="Söhne"/>
+              </a:rPr>
+              <a:t>Think things like private keys, usernames, passwords, etc.</a:t>
+            </a:r>
+          </a:p>
+          <a:p>
+            <a:pPr marL="0" marR="0" rtl="0">
+              <a:spcBef>
+                <a:spcPts val="0"/>
+              </a:spcBef>
+              <a:spcAft>
+                <a:spcPts val="0"/>
+              </a:spcAft>
+            </a:pPr>
+            <a:endParaRPr lang="en-US" sz="1050" b="0" i="0" dirty="0">
+              <a:solidFill>
+                <a:srgbClr val="D1D5DB"/>
+              </a:solidFill>
+              <a:effectLst/>
+              <a:latin typeface="Söhne"/>
+            </a:endParaRPr>
+          </a:p>
+          <a:p>
+            <a:pPr marL="0" marR="0" rtl="0">
+              <a:spcBef>
+                <a:spcPts val="0"/>
+              </a:spcBef>
+              <a:spcAft>
+                <a:spcPts val="0"/>
+              </a:spcAft>
+            </a:pPr>
+            <a:r>
+              <a:rPr lang="en-US" sz="1050" b="0" i="0" dirty="0">
+                <a:solidFill>
+                  <a:srgbClr val="D1D5DB"/>
+                </a:solidFill>
+                <a:effectLst/>
+                <a:latin typeface="Söhne"/>
+              </a:rPr>
+              <a:t>And </a:t>
+            </a:r>
+            <a:r>
+              <a:rPr lang="en-US" sz="1050" b="0" i="0" dirty="0" err="1">
+                <a:solidFill>
+                  <a:srgbClr val="D1D5DB"/>
+                </a:solidFill>
+                <a:effectLst/>
+                <a:latin typeface="Söhne"/>
+              </a:rPr>
+              <a:t>ticketbleed</a:t>
+            </a:r>
+            <a:r>
+              <a:rPr lang="en-US" sz="1050" b="0" i="0" dirty="0">
+                <a:solidFill>
+                  <a:srgbClr val="D1D5DB"/>
+                </a:solidFill>
+                <a:effectLst/>
+                <a:latin typeface="Söhne"/>
+              </a:rPr>
+              <a:t> </a:t>
+            </a:r>
+            <a:r>
+              <a:rPr lang="en-US" sz="1400" b="0" i="0" dirty="0">
+                <a:solidFill>
+                  <a:srgbClr val="D1D5DB"/>
+                </a:solidFill>
+                <a:effectLst/>
+                <a:latin typeface="Söhne"/>
+              </a:rPr>
+              <a:t>allows an attacker to extract certain sensitive information from session tickets. </a:t>
+            </a:r>
+          </a:p>
+          <a:p>
+            <a:pPr marL="0" marR="0" rtl="0">
+              <a:spcBef>
+                <a:spcPts val="0"/>
+              </a:spcBef>
+              <a:spcAft>
+                <a:spcPts val="0"/>
+              </a:spcAft>
+            </a:pPr>
+            <a:r>
+              <a:rPr lang="en-US" sz="1400" b="0" i="0" dirty="0">
+                <a:solidFill>
+                  <a:srgbClr val="D1D5DB"/>
+                </a:solidFill>
+                <a:effectLst/>
+                <a:latin typeface="Söhne"/>
+              </a:rPr>
+              <a:t>Which are normally used to resume a </a:t>
+            </a:r>
+            <a:r>
+              <a:rPr lang="en-US" sz="2000" b="0" i="0" dirty="0">
+                <a:solidFill>
+                  <a:srgbClr val="BDC1C6"/>
+                </a:solidFill>
+                <a:effectLst/>
+                <a:latin typeface="Roboto" panose="02000000000000000000" pitchFamily="2" charset="0"/>
+              </a:rPr>
+              <a:t>Transport Layer Security (TLS)</a:t>
+            </a:r>
+            <a:r>
+              <a:rPr lang="en-US" sz="1400" b="0" i="0" dirty="0">
+                <a:solidFill>
+                  <a:srgbClr val="D1D5DB"/>
+                </a:solidFill>
+                <a:effectLst/>
+                <a:latin typeface="Söhne"/>
+              </a:rPr>
+              <a:t> session without having to go through reauthentication, </a:t>
+            </a:r>
+          </a:p>
+          <a:p>
+            <a:pPr marL="0" marR="0" rtl="0">
+              <a:spcBef>
+                <a:spcPts val="0"/>
+              </a:spcBef>
+              <a:spcAft>
+                <a:spcPts val="0"/>
+              </a:spcAft>
+            </a:pPr>
+            <a:r>
+              <a:rPr lang="en-US" sz="1400" b="0" i="0" dirty="0">
+                <a:solidFill>
+                  <a:srgbClr val="D1D5DB"/>
+                </a:solidFill>
+                <a:effectLst/>
+                <a:latin typeface="Söhne"/>
+              </a:rPr>
+              <a:t>But a small amount of the </a:t>
+            </a:r>
+            <a:r>
+              <a:rPr lang="en-US" sz="2000" b="0" i="0" dirty="0">
+                <a:solidFill>
+                  <a:srgbClr val="000000"/>
+                </a:solidFill>
+                <a:effectLst/>
+                <a:latin typeface="Public Sans"/>
+              </a:rPr>
+              <a:t>session ID can</a:t>
+            </a:r>
+            <a:r>
+              <a:rPr lang="en-US" sz="1400" b="0" i="0" dirty="0">
+                <a:solidFill>
+                  <a:srgbClr val="D1D5DB"/>
+                </a:solidFill>
+                <a:effectLst/>
+                <a:latin typeface="Söhne"/>
+              </a:rPr>
+              <a:t> be inadvertently leak due to </a:t>
+            </a:r>
+            <a:r>
+              <a:rPr lang="en-US" sz="1400" b="0" i="0" dirty="0" err="1">
+                <a:solidFill>
+                  <a:srgbClr val="D1D5DB"/>
+                </a:solidFill>
+                <a:effectLst/>
+                <a:latin typeface="Söhne"/>
+              </a:rPr>
+              <a:t>Ticketbleed</a:t>
+            </a:r>
+            <a:r>
+              <a:rPr lang="en-US" sz="1400" b="0" i="0" dirty="0">
+                <a:solidFill>
+                  <a:srgbClr val="D1D5DB"/>
+                </a:solidFill>
+                <a:effectLst/>
+                <a:latin typeface="Söhne"/>
+              </a:rPr>
+              <a:t>.</a:t>
+            </a:r>
+            <a:endParaRPr lang="en-US" sz="1050" b="0" i="0" dirty="0">
+              <a:solidFill>
+                <a:srgbClr val="D1D5DB"/>
+              </a:solidFill>
+              <a:effectLst/>
+              <a:latin typeface="Söhne"/>
+            </a:endParaRPr>
+          </a:p>
+          <a:p>
+            <a:pPr marL="0" marR="0" rtl="0">
+              <a:spcBef>
+                <a:spcPts val="0"/>
+              </a:spcBef>
+              <a:spcAft>
+                <a:spcPts val="0"/>
+              </a:spcAft>
+            </a:pPr>
+            <a:endParaRPr lang="en-US" sz="800" dirty="0">
+              <a:solidFill>
+                <a:srgbClr val="000000"/>
+              </a:solidFill>
+              <a:effectLst/>
+              <a:latin typeface="Calibri" panose="020F0502020204030204" pitchFamily="34" charset="0"/>
+            </a:endParaRPr>
+          </a:p>
+          <a:p>
+            <a:pPr marL="0" marR="0" rtl="0">
+              <a:spcBef>
+                <a:spcPts val="0"/>
+              </a:spcBef>
+              <a:spcAft>
+                <a:spcPts val="0"/>
+              </a:spcAft>
+            </a:pPr>
+            <a:r>
+              <a:rPr lang="en-US" sz="800" dirty="0">
+                <a:solidFill>
+                  <a:srgbClr val="000000"/>
+                </a:solidFill>
+                <a:effectLst/>
+                <a:latin typeface="Calibri" panose="020F0502020204030204" pitchFamily="34" charset="0"/>
+              </a:rPr>
+              <a:t>So, researchers searched for devices that were susceptible to these vulnerabilities </a:t>
+            </a:r>
+          </a:p>
+          <a:p>
+            <a:pPr marL="0" marR="0" rtl="0">
+              <a:spcBef>
+                <a:spcPts val="0"/>
+              </a:spcBef>
+              <a:spcAft>
+                <a:spcPts val="0"/>
+              </a:spcAft>
+            </a:pPr>
+            <a:r>
+              <a:rPr lang="en-US" sz="800" dirty="0">
+                <a:solidFill>
+                  <a:srgbClr val="000000"/>
+                </a:solidFill>
+                <a:effectLst/>
+                <a:latin typeface="Calibri" panose="020F0502020204030204" pitchFamily="34" charset="0"/>
+              </a:rPr>
+              <a:t>And This automated search engine allowed them to collect insights into the security landscape of an entire country, </a:t>
+            </a:r>
+          </a:p>
+          <a:p>
+            <a:pPr marL="0" marR="0" rtl="0">
+              <a:spcBef>
+                <a:spcPts val="0"/>
+              </a:spcBef>
+              <a:spcAft>
+                <a:spcPts val="0"/>
+              </a:spcAft>
+            </a:pPr>
+            <a:r>
+              <a:rPr lang="en-US" sz="800" dirty="0">
+                <a:solidFill>
+                  <a:srgbClr val="000000"/>
+                </a:solidFill>
+                <a:effectLst/>
+                <a:latin typeface="Calibri" panose="020F0502020204030204" pitchFamily="34" charset="0"/>
+              </a:rPr>
+              <a:t>Covering everything from device distribution, common services, and, of course, vulnerabilities.</a:t>
+            </a:r>
+          </a:p>
+          <a:p>
+            <a:pPr marL="0" marR="0" rtl="0">
+              <a:spcBef>
+                <a:spcPts val="0"/>
+              </a:spcBef>
+              <a:spcAft>
+                <a:spcPts val="0"/>
+              </a:spcAft>
+            </a:pPr>
+            <a:endParaRPr lang="en-US" sz="800" dirty="0">
+              <a:solidFill>
+                <a:srgbClr val="000000"/>
+              </a:solidFill>
+              <a:effectLst/>
+              <a:latin typeface="Calibri" panose="020F0502020204030204" pitchFamily="34" charset="0"/>
+            </a:endParaRPr>
+          </a:p>
+          <a:p>
+            <a:pPr marL="0" marR="0" rtl="0">
+              <a:spcBef>
+                <a:spcPts val="0"/>
+              </a:spcBef>
+              <a:spcAft>
+                <a:spcPts val="0"/>
+              </a:spcAft>
+            </a:pPr>
+            <a:r>
+              <a:rPr lang="en-US" sz="800" dirty="0">
+                <a:solidFill>
+                  <a:srgbClr val="000000"/>
+                </a:solidFill>
+                <a:effectLst/>
+                <a:latin typeface="Calibri" panose="020F0502020204030204" pitchFamily="34" charset="0"/>
+              </a:rPr>
+              <a:t>I think this is a great example of how powerful AI can be as </a:t>
+            </a:r>
+          </a:p>
+          <a:p>
+            <a:pPr marL="0" marR="0" rtl="0">
+              <a:spcBef>
+                <a:spcPts val="0"/>
+              </a:spcBef>
+              <a:spcAft>
+                <a:spcPts val="0"/>
+              </a:spcAft>
+            </a:pPr>
+            <a:r>
+              <a:rPr lang="en-US" sz="800" dirty="0">
+                <a:solidFill>
+                  <a:srgbClr val="000000"/>
+                </a:solidFill>
+                <a:effectLst/>
+                <a:latin typeface="Calibri" panose="020F0502020204030204" pitchFamily="34" charset="0"/>
+              </a:rPr>
+              <a:t>It shows just how simple it can be to conduct a large-scale assessment, using an automated scanner.</a:t>
+            </a:r>
+          </a:p>
+          <a:p>
+            <a:pPr marL="0" marR="0" rtl="0">
+              <a:spcBef>
+                <a:spcPts val="0"/>
+              </a:spcBef>
+              <a:spcAft>
+                <a:spcPts val="0"/>
+              </a:spcAft>
+            </a:pPr>
+            <a:r>
+              <a:rPr lang="en-US" sz="800" dirty="0">
+                <a:solidFill>
+                  <a:srgbClr val="000000"/>
+                </a:solidFill>
+                <a:effectLst/>
+                <a:latin typeface="Calibri" panose="020F0502020204030204" pitchFamily="34" charset="0"/>
+              </a:rPr>
+              <a:t>By doing this, They were able to analyze over 40 thousand devices, without having to manually scan each one.</a:t>
+            </a:r>
+          </a:p>
+          <a:p>
+            <a:pPr marL="0" marR="0" rtl="0">
+              <a:spcBef>
+                <a:spcPts val="0"/>
+              </a:spcBef>
+              <a:spcAft>
+                <a:spcPts val="0"/>
+              </a:spcAft>
+            </a:pPr>
+            <a:endParaRPr lang="en-US" sz="800" b="0" i="0" dirty="0">
+              <a:solidFill>
+                <a:srgbClr val="000000"/>
+              </a:solidFill>
+              <a:effectLst/>
+              <a:latin typeface="Calibri" panose="020F0502020204030204" pitchFamily="34" charset="0"/>
+            </a:endParaRPr>
+          </a:p>
+          <a:p>
+            <a:pPr marL="0" marR="0" rtl="0">
+              <a:spcBef>
+                <a:spcPts val="0"/>
+              </a:spcBef>
+              <a:spcAft>
+                <a:spcPts val="0"/>
+              </a:spcAft>
+            </a:pPr>
+            <a:endParaRPr lang="en-US" sz="800" b="0" i="0" dirty="0">
+              <a:solidFill>
+                <a:srgbClr val="000000"/>
+              </a:solidFill>
+              <a:effectLst/>
+              <a:latin typeface="Calibri" panose="020F0502020204030204" pitchFamily="34" charset="0"/>
+            </a:endParaRPr>
+          </a:p>
+          <a:p>
             <a:pPr marL="0" marR="0" lvl="0" indent="0" algn="l" defTabSz="914400" rtl="0" eaLnBrk="1" fontAlgn="auto" latinLnBrk="0" hangingPunct="1">
               <a:lnSpc>
                 <a:spcPct val="100000"/>
@@ -19575,7 +24784,7 @@
                 <a:effectLst/>
                 <a:latin typeface="Calibri" panose="020F0502020204030204" pitchFamily="34" charset="0"/>
               </a:rPr>
-              <a:t>I also think its important to look at </a:t>
+              <a:t>I also think its important to look back at </a:t>
             </a:r>
             <a:r>
               <a:rPr lang="en-US" sz="800" i="1" dirty="0">
@@ -19644,14 +24853,7 @@
                 <a:effectLst/>
                 <a:latin typeface="Söhne"/>
               </a:rPr>
-              <a:t> can automatically </a:t>
-            </a:r>
-            <a:r>
-              <a:rPr lang="en-US" sz="800" b="0" i="0" dirty="0">
-                <a:effectLst/>
-                <a:latin typeface="Söhne"/>
-              </a:rPr>
-              <a:t>scan the target, identify instances of a specific vulnerability, and even provide a consolidated report – all without human intervention.</a:t>
+              <a:t> can </a:t>
             </a:r>
           </a:p>
           <a:p>
@@ -19672,6 +24874,101 @@
               <a:tabLst/>
               <a:defRPr/>
             </a:pPr>
+            <a:r>
+              <a:rPr lang="en-US" sz="800" dirty="0">
+                <a:solidFill>
+                  <a:srgbClr val="97979A"/>
+                </a:solidFill>
+                <a:effectLst/>
+                <a:latin typeface="Söhne"/>
+              </a:rPr>
+              <a:t>automatically </a:t>
+            </a:r>
+            <a:r>
+              <a:rPr lang="en-US" sz="800" b="0" i="0" dirty="0">
+                <a:effectLst/>
+                <a:latin typeface="Söhne"/>
+              </a:rPr>
+              <a:t>scan the target, </a:t>
+            </a:r>
+          </a:p>
+          <a:p>
+            <a:pPr marL="0" marR="0" lvl="0" indent="0" algn="l" defTabSz="914400" rtl="0" eaLnBrk="1" fontAlgn="auto" latinLnBrk="0" hangingPunct="1">
+              <a:lnSpc>
+                <a:spcPct val="100000"/>
+              </a:lnSpc>
+              <a:spcBef>
+                <a:spcPts val="0"/>
+              </a:spcBef>
+              <a:spcAft>
+                <a:spcPts val="0"/>
+              </a:spcAft>
+              <a:buClrTx/>
+              <a:buSzTx/>
+              <a:buFontTx/>
+              <a:buNone/>
+              <a:tabLst/>
+              <a:defRPr/>
+            </a:pPr>
+            <a:r>
+              <a:rPr lang="en-US" sz="800" b="0" i="0" dirty="0">
+                <a:effectLst/>
+                <a:latin typeface="Söhne"/>
+              </a:rPr>
+              <a:t>identify instances of a specific vulnerability, </a:t>
+            </a:r>
+          </a:p>
+          <a:p>
+            <a:pPr marL="0" marR="0" lvl="0" indent="0" algn="l" defTabSz="914400" rtl="0" eaLnBrk="1" fontAlgn="auto" latinLnBrk="0" hangingPunct="1">
+              <a:lnSpc>
+                <a:spcPct val="100000"/>
+              </a:lnSpc>
+              <a:spcBef>
+                <a:spcPts val="0"/>
+              </a:spcBef>
+              <a:spcAft>
+                <a:spcPts val="0"/>
+              </a:spcAft>
+              <a:buClrTx/>
+              <a:buSzTx/>
+              <a:buFontTx/>
+              <a:buNone/>
+              <a:tabLst/>
+              <a:defRPr/>
+            </a:pPr>
+            <a:r>
+              <a:rPr lang="en-US" sz="800" b="0" i="0" dirty="0" err="1">
+                <a:effectLst/>
+                <a:latin typeface="Söhne"/>
+              </a:rPr>
+              <a:t>zand</a:t>
+            </a:r>
+            <a:r>
+              <a:rPr lang="en-US" sz="800" b="0" i="0" dirty="0">
+                <a:effectLst/>
+                <a:latin typeface="Söhne"/>
+              </a:rPr>
+              <a:t> even provide a consolidated report – all without human intervention.</a:t>
+            </a:r>
+          </a:p>
+          <a:p>
+            <a:pPr marL="0" marR="0" lvl="0" indent="0" algn="l" defTabSz="914400" rtl="0" eaLnBrk="1" fontAlgn="auto" latinLnBrk="0" hangingPunct="1">
+              <a:lnSpc>
+                <a:spcPct val="100000"/>
+              </a:lnSpc>
+              <a:spcBef>
+                <a:spcPts val="0"/>
+              </a:spcBef>
+              <a:spcAft>
+                <a:spcPts val="0"/>
+              </a:spcAft>
+              <a:buClrTx/>
+              <a:buSzTx/>
+              <a:buFontTx/>
+              <a:buNone/>
+              <a:tabLst/>
+              <a:defRPr/>
+            </a:pPr>
             <a:endParaRPr lang="en-US" sz="800" dirty="0">
               <a:solidFill>
                 <a:srgbClr val="97979A"/>
@@ -19778,6 +25075,9 @@
               <a:effectLst/>
               <a:latin typeface="Söhne"/>
             </a:endParaRPr>
+          </a:p>
+          <a:p>
+            <a:endParaRPr lang="en-US" sz="800"/>
           </a:p>
           <a:p>
             <a:endParaRPr lang="en-US" sz="800" dirty="0"/>
@@ -19866,7 +25166,7 @@
           <a:p>
             <a:r>
               <a:rPr lang="en-US" sz="800" dirty="0"/>
-              <a:t>Slide 9: AI in  Web Application Scanning</a:t>
+              <a:t> Slide 9: AI in  Web Application Scanning</a:t>
             </a:r>
           </a:p>
           <a:p>
@@ -19994,7 +25294,19 @@
           <a:p>
             <a:r>
               <a:rPr lang="en-US" sz="800" dirty="0"/>
-              <a:t>Next we will look at Web application scanning which is very similar to Vulnerability scanning, but focuses primarily on </a:t>
+              <a:t>Next we will look at Web application scanning </a:t>
+            </a:r>
+          </a:p>
+          <a:p>
+            <a:r>
+              <a:rPr lang="en-US" sz="800" dirty="0"/>
+              <a:t>which is very similar to Vulnerability scanning, </a:t>
+            </a:r>
+          </a:p>
+          <a:p>
+            <a:r>
+              <a:rPr lang="en-US" sz="800" dirty="0"/>
+              <a:t>but focuses primarily on </a:t>
             </a:r>
             <a:r>
               <a:rPr lang="en-US" sz="800" i="0" dirty="0"/>
@@ -20014,7 +25326,19 @@
                 <a:effectLst/>
                 <a:latin typeface="Söhne"/>
               </a:rPr>
-              <a:t>In the traditional realm, scanning web applications involved a meticulous examination of the code and configurations. And these Manual assessments struggle to keep pace with the dynamic nature of modern web environments, and often lead to potential oversights.</a:t>
+              <a:t>In the traditional realm,</a:t>
+            </a:r>
+          </a:p>
+          <a:p>
+            <a:r>
+              <a:rPr lang="en-US" sz="800" b="0" i="0" dirty="0">
+                <a:solidFill>
+                  <a:srgbClr val="ECECF1"/>
+                </a:solidFill>
+                <a:effectLst/>
+                <a:latin typeface="Söhne"/>
+              </a:rPr>
+              <a:t>scanning web applications involves a meticulous examination of this code. </a:t>
             </a:r>
           </a:p>
           <a:p>
@@ -20035,26 +25359,868 @@
                 <a:effectLst/>
                 <a:latin typeface="Söhne"/>
               </a:rPr>
-              <a:t>This is where AI steps in -. AI excels in understanding the nuances of code and configurations, which making it perfect for investigating web apps as It can often identify subtle vulnerabilities that may be challenging for traditional methods. </a:t>
-            </a:r>
-          </a:p>
-          <a:p>
+              <a:t>And these Manual assessments struggle to keep pace with the </a:t>
+            </a:r>
+          </a:p>
+          <a:p>
+            <a:pPr marL="0" marR="0" lvl="0" indent="0" algn="l" defTabSz="914400" rtl="0" eaLnBrk="1" fontAlgn="auto" latinLnBrk="0" hangingPunct="1">
+              <a:lnSpc>
+                <a:spcPct val="100000"/>
+              </a:lnSpc>
+              <a:spcBef>
+                <a:spcPts val="0"/>
+              </a:spcBef>
+              <a:spcAft>
+                <a:spcPts val="0"/>
+              </a:spcAft>
+              <a:buClrTx/>
+              <a:buSzTx/>
+              <a:buFontTx/>
+              <a:buNone/>
+              <a:tabLst/>
+              <a:defRPr/>
+            </a:pPr>
+            <a:r>
+              <a:rPr lang="en-US" sz="800" b="0" i="0" dirty="0">
+                <a:solidFill>
+                  <a:srgbClr val="ECECF1"/>
+                </a:solidFill>
+                <a:effectLst/>
+                <a:latin typeface="Söhne"/>
+              </a:rPr>
+              <a:t>dynamic nature of modern web environments, such as </a:t>
+            </a:r>
+            <a:r>
+              <a:rPr lang="en-US" sz="800" b="0" i="0" dirty="0">
+                <a:solidFill>
+                  <a:srgbClr val="D1D5DB"/>
+                </a:solidFill>
+                <a:effectLst/>
+                <a:latin typeface="Söhne"/>
+              </a:rPr>
+              <a:t>single page applications and dynamically generated sites.</a:t>
+            </a:r>
+          </a:p>
+          <a:p>
+            <a:endParaRPr lang="en-US" sz="800" b="0" i="0" dirty="0">
+              <a:solidFill>
+                <a:srgbClr val="ECECF1"/>
+              </a:solidFill>
+              <a:effectLst/>
+              <a:latin typeface="Söhne"/>
+            </a:endParaRPr>
+          </a:p>
+          <a:p>
+            <a:r>
+              <a:rPr lang="en-US" sz="800" b="0" i="0" dirty="0">
+                <a:solidFill>
+                  <a:srgbClr val="ECECF1"/>
+                </a:solidFill>
+                <a:effectLst/>
+                <a:latin typeface="Söhne"/>
+              </a:rPr>
+              <a:t>and manual methods are struggling to keep up with these </a:t>
+            </a:r>
+            <a:r>
+              <a:rPr lang="en-US" sz="800" b="0" i="0" dirty="0" err="1">
+                <a:solidFill>
+                  <a:srgbClr val="ECECF1"/>
+                </a:solidFill>
+                <a:effectLst/>
+                <a:latin typeface="Söhne"/>
+              </a:rPr>
+              <a:t>these</a:t>
+            </a:r>
+            <a:r>
+              <a:rPr lang="en-US" sz="800" b="0" i="0" dirty="0">
+                <a:solidFill>
+                  <a:srgbClr val="ECECF1"/>
+                </a:solidFill>
+                <a:effectLst/>
+                <a:latin typeface="Söhne"/>
+              </a:rPr>
+              <a:t> advancements,</a:t>
+            </a:r>
+          </a:p>
+          <a:p>
+            <a:r>
+              <a:rPr lang="en-US" sz="800" b="0" i="0" dirty="0">
+                <a:solidFill>
+                  <a:srgbClr val="ECECF1"/>
+                </a:solidFill>
+                <a:effectLst/>
+                <a:latin typeface="Söhne"/>
+              </a:rPr>
+              <a:t>Which can often lead to potential oversights.</a:t>
+            </a:r>
+          </a:p>
+          <a:p>
+            <a:endParaRPr lang="en-US" sz="800" b="0" i="0" dirty="0">
+              <a:solidFill>
+                <a:srgbClr val="ECECF1"/>
+              </a:solidFill>
+              <a:effectLst/>
+              <a:latin typeface="Söhne"/>
+            </a:endParaRPr>
+          </a:p>
+          <a:p>
+            <a:r>
+              <a:rPr lang="en-US" sz="800" b="0" i="0" dirty="0">
+                <a:solidFill>
+                  <a:srgbClr val="ECECF1"/>
+                </a:solidFill>
+                <a:effectLst/>
+                <a:latin typeface="Söhne"/>
+              </a:rPr>
+              <a:t>But AI can significantly help in this area, for many of the reasons we already discussed, but also</a:t>
+            </a:r>
+          </a:p>
+          <a:p>
+            <a:endParaRPr lang="en-US" sz="800" b="0" i="0" dirty="0">
+              <a:solidFill>
+                <a:srgbClr val="ECECF1"/>
+              </a:solidFill>
+              <a:effectLst/>
+              <a:latin typeface="Söhne"/>
+            </a:endParaRPr>
+          </a:p>
+          <a:p>
+            <a:r>
+              <a:rPr lang="en-US" sz="800" b="0" i="0" dirty="0">
+                <a:solidFill>
+                  <a:srgbClr val="ECECF1"/>
+                </a:solidFill>
+                <a:effectLst/>
+                <a:latin typeface="Söhne"/>
+              </a:rPr>
+              <a:t>Because  c AI excels in understanding the nuances of code, </a:t>
+            </a:r>
+          </a:p>
+          <a:p>
+            <a:r>
+              <a:rPr lang="en-US" sz="800" b="0" i="0" dirty="0">
+                <a:solidFill>
+                  <a:srgbClr val="ECECF1"/>
+                </a:solidFill>
+                <a:effectLst/>
+                <a:latin typeface="Söhne"/>
+              </a:rPr>
+              <a:t>which making it perfect for investigating web apps.</a:t>
+            </a:r>
+          </a:p>
+          <a:p>
+            <a:r>
+              <a:rPr lang="en-US" sz="800" b="0" i="0" dirty="0">
+                <a:solidFill>
+                  <a:srgbClr val="ECECF1"/>
+                </a:solidFill>
+                <a:effectLst/>
+                <a:latin typeface="Söhne"/>
+              </a:rPr>
+              <a:t>It can do things like </a:t>
+            </a:r>
+            <a:r>
+              <a:rPr lang="en-US" sz="1050" b="0" i="0" dirty="0">
+                <a:solidFill>
+                  <a:srgbClr val="D1D5DB"/>
+                </a:solidFill>
+                <a:effectLst/>
+                <a:latin typeface="Söhne"/>
+              </a:rPr>
+              <a:t>identify the structure of the application, </a:t>
+            </a:r>
+          </a:p>
+          <a:p>
+            <a:r>
+              <a:rPr lang="en-US" sz="1050" b="0" i="0" dirty="0">
+                <a:solidFill>
+                  <a:srgbClr val="D1D5DB"/>
+                </a:solidFill>
+                <a:effectLst/>
+                <a:latin typeface="Söhne"/>
+              </a:rPr>
+              <a:t>map out endpoints, </a:t>
+            </a:r>
+          </a:p>
+          <a:p>
+            <a:r>
+              <a:rPr lang="en-US" sz="1050" b="0" i="0" dirty="0">
+                <a:solidFill>
+                  <a:srgbClr val="D1D5DB"/>
+                </a:solidFill>
+                <a:effectLst/>
+                <a:latin typeface="Söhne"/>
+              </a:rPr>
+              <a:t>and understand the relationships between different components.</a:t>
+            </a:r>
+            <a:endParaRPr lang="en-US" sz="800" b="0" i="0" dirty="0">
+              <a:solidFill>
+                <a:srgbClr val="ECECF1"/>
+              </a:solidFill>
+              <a:effectLst/>
+              <a:latin typeface="Söhne"/>
+            </a:endParaRPr>
+          </a:p>
+          <a:p>
+            <a:endParaRPr lang="en-US" sz="800" b="0" i="0" dirty="0">
+              <a:solidFill>
+                <a:srgbClr val="ECECF1"/>
+              </a:solidFill>
+              <a:effectLst/>
+              <a:latin typeface="Söhne"/>
+            </a:endParaRPr>
+          </a:p>
+          <a:p>
+            <a:r>
+              <a:rPr lang="en-US" sz="800" b="0" i="0" dirty="0">
+                <a:solidFill>
+                  <a:srgbClr val="ECECF1"/>
+                </a:solidFill>
+                <a:effectLst/>
+                <a:latin typeface="Söhne"/>
+              </a:rPr>
+              <a:t>Where </a:t>
+            </a:r>
+            <a:r>
+              <a:rPr lang="en-US" sz="1050" b="0" i="0" dirty="0">
+                <a:solidFill>
+                  <a:srgbClr val="D1D5DB"/>
+                </a:solidFill>
+                <a:effectLst/>
+                <a:latin typeface="Söhne"/>
+              </a:rPr>
+              <a:t>manual scanners would often require manual configuration and exploration in order to map the attack surface to the same degree. </a:t>
+            </a:r>
+          </a:p>
+          <a:p>
+            <a:endParaRPr lang="en-US" sz="1050" b="0" i="0" dirty="0">
+              <a:solidFill>
+                <a:srgbClr val="D1D5DB"/>
+              </a:solidFill>
+              <a:effectLst/>
+              <a:latin typeface="Söhne"/>
+            </a:endParaRPr>
+          </a:p>
+          <a:p>
+            <a:r>
+              <a:rPr lang="en-US" sz="1050" b="0" i="0" dirty="0">
+                <a:solidFill>
+                  <a:srgbClr val="D1D5DB"/>
+                </a:solidFill>
+                <a:effectLst/>
+                <a:latin typeface="Söhne"/>
+              </a:rPr>
+              <a:t>Not to mention, </a:t>
+            </a:r>
+            <a:r>
+              <a:rPr lang="en-US" sz="1400" b="0" i="0" dirty="0">
+                <a:solidFill>
+                  <a:srgbClr val="D1D5DB"/>
+                </a:solidFill>
+                <a:effectLst/>
+                <a:latin typeface="Söhne"/>
+              </a:rPr>
+              <a:t>AI's ability to </a:t>
+            </a:r>
+            <a:r>
+              <a:rPr lang="en-US" sz="1400" b="0" i="1" dirty="0">
+                <a:solidFill>
+                  <a:srgbClr val="D1D5DB"/>
+                </a:solidFill>
+                <a:effectLst/>
+                <a:latin typeface="Söhne"/>
+              </a:rPr>
+              <a:t>comprehend</a:t>
+            </a:r>
+            <a:r>
+              <a:rPr lang="en-US" sz="1400" b="0" i="0" dirty="0">
+                <a:solidFill>
+                  <a:srgbClr val="D1D5DB"/>
+                </a:solidFill>
+                <a:effectLst/>
+                <a:latin typeface="Söhne"/>
+              </a:rPr>
+              <a:t> code </a:t>
+            </a:r>
+          </a:p>
+          <a:p>
+            <a:r>
+              <a:rPr lang="en-US" sz="1400" b="0" i="0" dirty="0">
+                <a:solidFill>
+                  <a:srgbClr val="D1D5DB"/>
+                </a:solidFill>
+                <a:effectLst/>
+                <a:latin typeface="Söhne"/>
+              </a:rPr>
+              <a:t>extends to understanding the relationships between different components within a web application. </a:t>
+            </a:r>
+          </a:p>
+          <a:p>
+            <a:r>
+              <a:rPr lang="en-US" sz="1400" b="0" i="0" dirty="0">
+                <a:solidFill>
+                  <a:srgbClr val="D1D5DB"/>
+                </a:solidFill>
+                <a:effectLst/>
+                <a:latin typeface="Söhne"/>
+              </a:rPr>
+              <a:t>And This is crucial for identifying potential vulnerabilities  that could stem from the between various element interactions, </a:t>
+            </a:r>
+          </a:p>
+          <a:p>
+            <a:r>
+              <a:rPr lang="en-US" sz="1400" b="0" i="0" dirty="0">
+                <a:solidFill>
+                  <a:srgbClr val="D1D5DB"/>
+                </a:solidFill>
+                <a:effectLst/>
+                <a:latin typeface="Söhne"/>
+              </a:rPr>
+              <a:t>This is just something that </a:t>
+            </a:r>
+            <a:r>
+              <a:rPr lang="en-US" sz="1400" b="0" i="0" dirty="0" err="1">
+                <a:solidFill>
+                  <a:srgbClr val="D1D5DB"/>
+                </a:solidFill>
+                <a:effectLst/>
+                <a:latin typeface="Söhne"/>
+              </a:rPr>
+              <a:t>tradional</a:t>
+            </a:r>
+            <a:r>
+              <a:rPr lang="en-US" sz="1400" b="0" i="0" dirty="0">
+                <a:solidFill>
+                  <a:srgbClr val="D1D5DB"/>
+                </a:solidFill>
+                <a:effectLst/>
+                <a:latin typeface="Söhne"/>
+              </a:rPr>
+              <a:t> scanners cannot do, and it would require human intervention to go in and assess these manually</a:t>
+            </a:r>
+            <a:endParaRPr lang="en-US" sz="1050" b="0" i="0" dirty="0">
+              <a:solidFill>
+                <a:srgbClr val="D1D5DB"/>
+              </a:solidFill>
+              <a:effectLst/>
+              <a:latin typeface="Söhne"/>
+            </a:endParaRPr>
+          </a:p>
+          <a:p>
+            <a:endParaRPr lang="en-US" sz="1050" b="0" i="0" dirty="0">
+              <a:solidFill>
+                <a:srgbClr val="D1D5DB"/>
+              </a:solidFill>
+              <a:effectLst/>
+              <a:latin typeface="Söhne"/>
+            </a:endParaRPr>
+          </a:p>
+          <a:p>
+            <a:r>
+              <a:rPr lang="en-US" sz="1050" b="0" i="0" dirty="0">
+                <a:solidFill>
+                  <a:srgbClr val="D1D5DB"/>
+                </a:solidFill>
+                <a:effectLst/>
+                <a:latin typeface="Söhne"/>
+              </a:rPr>
+              <a:t>And since A</a:t>
+            </a:r>
+            <a:r>
+              <a:rPr lang="en-US" sz="1400" b="0" i="0" dirty="0">
+                <a:solidFill>
+                  <a:srgbClr val="D1D5DB"/>
+                </a:solidFill>
+                <a:effectLst/>
+                <a:latin typeface="Söhne"/>
+              </a:rPr>
+              <a:t>I could conduct an automated dynamic analysis of the web app,</a:t>
+            </a:r>
+          </a:p>
+          <a:p>
+            <a:r>
+              <a:rPr lang="en-US" sz="1400" b="0" i="0" dirty="0">
+                <a:solidFill>
+                  <a:srgbClr val="D1D5DB"/>
+                </a:solidFill>
+                <a:effectLst/>
+                <a:latin typeface="Söhne"/>
+              </a:rPr>
+              <a:t>It would be able to exploring and interacting with it just like a real user. </a:t>
+            </a:r>
+          </a:p>
+          <a:p>
+            <a:r>
+              <a:rPr lang="en-US" sz="1400" b="0" i="0" dirty="0">
+                <a:solidFill>
+                  <a:srgbClr val="D1D5DB"/>
+                </a:solidFill>
+                <a:effectLst/>
+                <a:latin typeface="Söhne"/>
+              </a:rPr>
+              <a:t>And this is vitally important as it enables the detection of vulnerabilities that may only manifest under certain conditions.</a:t>
+            </a:r>
+          </a:p>
+          <a:p>
+            <a:endParaRPr lang="en-US" sz="1400" b="0" i="0" dirty="0">
+              <a:solidFill>
+                <a:srgbClr val="D1D5DB"/>
+              </a:solidFill>
+              <a:effectLst/>
+              <a:latin typeface="Söhne"/>
+            </a:endParaRPr>
+          </a:p>
+          <a:p>
+            <a:r>
+              <a:rPr lang="en-US" sz="1400" b="0" i="0" dirty="0">
+                <a:solidFill>
+                  <a:srgbClr val="D1D5DB"/>
+                </a:solidFill>
+                <a:effectLst/>
+                <a:latin typeface="Söhne"/>
+              </a:rPr>
+              <a:t>For example, consider a scenario where a web application has a multi-step user authentication process. </a:t>
+            </a:r>
+          </a:p>
+          <a:p>
+            <a:r>
+              <a:rPr lang="en-US" sz="1400" b="0" i="0" dirty="0">
+                <a:solidFill>
+                  <a:srgbClr val="D1D5DB"/>
+                </a:solidFill>
+                <a:effectLst/>
+                <a:latin typeface="Söhne"/>
+              </a:rPr>
+              <a:t>A traditional scanner might overlook a subtle vulnerability </a:t>
+            </a:r>
+          </a:p>
+          <a:p>
+            <a:r>
+              <a:rPr lang="en-US" sz="1400" b="0" i="0" dirty="0">
+                <a:solidFill>
+                  <a:srgbClr val="D1D5DB"/>
+                </a:solidFill>
+                <a:effectLst/>
+                <a:latin typeface="Söhne"/>
+              </a:rPr>
+              <a:t>Think something only occurs when specific user inputs are provided in a particular sequence. </a:t>
+            </a:r>
+          </a:p>
+          <a:p>
+            <a:r>
+              <a:rPr lang="en-US" sz="1400" b="0" i="0" dirty="0">
+                <a:solidFill>
+                  <a:srgbClr val="D1D5DB"/>
+                </a:solidFill>
+                <a:effectLst/>
+                <a:latin typeface="Söhne"/>
+              </a:rPr>
+              <a:t>But since AI can autonomously emulate a real user, </a:t>
+            </a:r>
+          </a:p>
+          <a:p>
+            <a:r>
+              <a:rPr lang="en-US" sz="1400" b="0" i="0" dirty="0">
+                <a:solidFill>
+                  <a:srgbClr val="D1D5DB"/>
+                </a:solidFill>
+                <a:effectLst/>
+                <a:latin typeface="Söhne"/>
+              </a:rPr>
+              <a:t>It would be able to navigate through these steps, </a:t>
+            </a:r>
+          </a:p>
+          <a:p>
+            <a:r>
+              <a:rPr lang="en-US" sz="1400" b="0" i="0" dirty="0">
+                <a:solidFill>
+                  <a:srgbClr val="D1D5DB"/>
+                </a:solidFill>
+                <a:effectLst/>
+                <a:latin typeface="Söhne"/>
+              </a:rPr>
+              <a:t>And trigger the conditions necessary for the vulnerability to surface. </a:t>
+            </a:r>
+          </a:p>
+          <a:p>
+            <a:endParaRPr lang="en-US" sz="1400" b="0" i="0" dirty="0">
+              <a:solidFill>
+                <a:srgbClr val="D1D5DB"/>
+              </a:solidFill>
+              <a:effectLst/>
+              <a:latin typeface="Söhne"/>
+            </a:endParaRPr>
+          </a:p>
+          <a:p>
+            <a:endParaRPr lang="en-US" sz="1400" b="0" i="0" dirty="0">
+              <a:solidFill>
+                <a:srgbClr val="D1D5DB"/>
+              </a:solidFill>
+              <a:effectLst/>
+              <a:latin typeface="Söhne"/>
+            </a:endParaRPr>
+          </a:p>
+          <a:p>
+            <a:r>
+              <a:rPr lang="en-US" sz="1050" b="0" i="0" dirty="0">
+                <a:solidFill>
+                  <a:srgbClr val="D1D5DB"/>
+                </a:solidFill>
+                <a:effectLst/>
+                <a:latin typeface="Söhne"/>
+              </a:rPr>
+              <a:t>Not to mention, AI can by actively monitor the system behaviors of a web application.</a:t>
+            </a:r>
+          </a:p>
+          <a:p>
+            <a:r>
+              <a:rPr lang="en-US" sz="1050" b="0" i="0" dirty="0">
+                <a:solidFill>
+                  <a:srgbClr val="D1D5DB"/>
+                </a:solidFill>
+                <a:effectLst/>
+                <a:latin typeface="Söhne"/>
+              </a:rPr>
+              <a:t>To do this, It observes the regular patterns of activity and interactions as the app functions during “standard operations“</a:t>
+            </a:r>
+          </a:p>
+          <a:p>
+            <a:r>
+              <a:rPr lang="en-US" sz="1050" b="0" i="0" dirty="0">
+                <a:solidFill>
+                  <a:srgbClr val="D1D5DB"/>
+                </a:solidFill>
+                <a:effectLst/>
+                <a:latin typeface="Söhne"/>
+              </a:rPr>
+              <a:t>And just like with network analysis, it uses this understanding to create a baseline for normal behavior, so that it can detect any anomalies </a:t>
+            </a:r>
+          </a:p>
+          <a:p>
+            <a:endParaRPr lang="en-US" sz="1050" b="0" i="0" dirty="0">
+              <a:solidFill>
+                <a:srgbClr val="D1D5DB"/>
+              </a:solidFill>
+              <a:effectLst/>
+              <a:latin typeface="Söhne"/>
+            </a:endParaRPr>
+          </a:p>
+          <a:p>
+            <a:r>
+              <a:rPr lang="en-US" sz="1050" b="0" i="0" dirty="0">
+                <a:solidFill>
+                  <a:srgbClr val="D1D5DB"/>
+                </a:solidFill>
+                <a:effectLst/>
+                <a:latin typeface="Söhne"/>
+              </a:rPr>
+              <a:t>And if there are any sudden changes in things like </a:t>
+            </a:r>
+          </a:p>
+          <a:p>
+            <a:r>
+              <a:rPr lang="en-US" sz="1050" b="0" i="0" dirty="0">
+                <a:solidFill>
+                  <a:srgbClr val="D1D5DB"/>
+                </a:solidFill>
+                <a:effectLst/>
+                <a:latin typeface="Söhne"/>
+              </a:rPr>
+              <a:t>the usual flow of data, </a:t>
+            </a:r>
+          </a:p>
+          <a:p>
+            <a:r>
+              <a:rPr lang="en-US" sz="1050" b="0" i="0" dirty="0">
+                <a:solidFill>
+                  <a:srgbClr val="D1D5DB"/>
+                </a:solidFill>
+                <a:effectLst/>
+                <a:latin typeface="Söhne"/>
+              </a:rPr>
+              <a:t>unexpected interactions, </a:t>
+            </a:r>
+          </a:p>
+          <a:p>
+            <a:r>
+              <a:rPr lang="en-US" sz="1050" b="0" i="0" dirty="0">
+                <a:solidFill>
+                  <a:srgbClr val="D1D5DB"/>
+                </a:solidFill>
+                <a:effectLst/>
+                <a:latin typeface="Söhne"/>
+              </a:rPr>
+              <a:t>or anomalies in user behavior, </a:t>
+            </a:r>
+          </a:p>
+          <a:p>
+            <a:r>
+              <a:rPr lang="en-US" sz="1050" b="0" i="0" dirty="0">
+                <a:solidFill>
+                  <a:srgbClr val="D1D5DB"/>
+                </a:solidFill>
+                <a:effectLst/>
+                <a:latin typeface="Söhne"/>
+              </a:rPr>
+              <a:t>AI can quickly identify these deviations. </a:t>
+            </a:r>
+          </a:p>
+          <a:p>
+            <a:r>
+              <a:rPr lang="en-US" sz="1050" b="0" i="0" dirty="0">
+                <a:solidFill>
+                  <a:srgbClr val="D1D5DB"/>
+                </a:solidFill>
+                <a:effectLst/>
+                <a:latin typeface="Söhne"/>
+              </a:rPr>
+              <a:t>And This is crucial for identifying potential security risks that might go unnoticed in static or manual scans.</a:t>
+            </a:r>
+            <a:endParaRPr lang="en-US" sz="800" b="0" i="0" dirty="0">
+              <a:solidFill>
+                <a:srgbClr val="ECECF1"/>
+              </a:solidFill>
+              <a:effectLst/>
+              <a:latin typeface="Söhne"/>
+            </a:endParaRPr>
+          </a:p>
+          <a:p>
+            <a:endParaRPr lang="en-US" sz="800" b="0" i="0" dirty="0">
+              <a:solidFill>
+                <a:srgbClr val="ECECF1"/>
+              </a:solidFill>
+              <a:effectLst/>
+              <a:latin typeface="Söhne"/>
+            </a:endParaRPr>
+          </a:p>
+          <a:p>
+            <a:endParaRPr lang="en-US" sz="800" b="0" i="0" dirty="0">
+              <a:solidFill>
+                <a:srgbClr val="ECECF1"/>
+              </a:solidFill>
+              <a:effectLst/>
+              <a:latin typeface="Söhne"/>
+            </a:endParaRPr>
+          </a:p>
+          <a:p>
+            <a:r>
+              <a:rPr lang="en-US" sz="800" dirty="0"/>
+              <a:t>And unlike our manual methods that function in a very .. Static.. manner</a:t>
+            </a:r>
+          </a:p>
+          <a:p>
+            <a:r>
+              <a:rPr lang="en-US" sz="1050" b="0" i="0" dirty="0">
+                <a:solidFill>
+                  <a:srgbClr val="D1D5DB"/>
+                </a:solidFill>
+                <a:effectLst/>
+                <a:latin typeface="Söhne"/>
+              </a:rPr>
+              <a:t>AI doesn't just stop at one scan; it learns and evolves with each iteration. </a:t>
+            </a:r>
+          </a:p>
+          <a:p>
+            <a:endParaRPr lang="en-US" sz="1050" b="0" i="0" dirty="0">
+              <a:solidFill>
+                <a:srgbClr val="D1D5DB"/>
+              </a:solidFill>
+              <a:effectLst/>
+              <a:latin typeface="Söhne"/>
+            </a:endParaRPr>
+          </a:p>
+          <a:p>
+            <a:r>
+              <a:rPr lang="en-US" sz="1050" b="0" i="0" dirty="0">
+                <a:solidFill>
+                  <a:srgbClr val="D1D5DB"/>
+                </a:solidFill>
+                <a:effectLst/>
+                <a:latin typeface="Söhne"/>
+              </a:rPr>
+              <a:t>Basically it leverages something called Reinforcement Learning,</a:t>
+            </a:r>
+          </a:p>
+          <a:p>
+            <a:r>
+              <a:rPr lang="en-US" sz="1050" b="0" i="0" dirty="0">
+                <a:solidFill>
+                  <a:srgbClr val="D1D5DB"/>
+                </a:solidFill>
+                <a:effectLst/>
+                <a:latin typeface="Söhne"/>
+              </a:rPr>
+              <a:t>Which we will begin discussing during the next phase,</a:t>
+            </a:r>
+          </a:p>
+          <a:p>
+            <a:r>
+              <a:rPr lang="en-US" sz="1050" b="0" i="0" dirty="0">
+                <a:solidFill>
+                  <a:srgbClr val="D1D5DB"/>
+                </a:solidFill>
+                <a:effectLst/>
+                <a:latin typeface="Söhne"/>
+              </a:rPr>
+              <a:t>and after every scan, it </a:t>
+            </a:r>
+          </a:p>
+          <a:p>
+            <a:r>
+              <a:rPr lang="en-US" sz="1050" b="0" i="0" dirty="0">
+                <a:solidFill>
+                  <a:srgbClr val="D1D5DB"/>
+                </a:solidFill>
+                <a:effectLst/>
+                <a:latin typeface="Söhne"/>
+              </a:rPr>
+              <a:t>analyzes the results, </a:t>
+            </a:r>
+          </a:p>
+          <a:p>
+            <a:r>
+              <a:rPr lang="en-US" sz="1050" b="0" i="0" dirty="0">
+                <a:solidFill>
+                  <a:srgbClr val="D1D5DB"/>
+                </a:solidFill>
+                <a:effectLst/>
+                <a:latin typeface="Söhne"/>
+              </a:rPr>
+              <a:t>incorporates new insights, </a:t>
+            </a:r>
+          </a:p>
+          <a:p>
+            <a:r>
+              <a:rPr lang="en-US" sz="1050" b="0" i="0" dirty="0">
+                <a:solidFill>
+                  <a:srgbClr val="D1D5DB"/>
+                </a:solidFill>
+                <a:effectLst/>
+                <a:latin typeface="Söhne"/>
+              </a:rPr>
+              <a:t>and then refines its understanding of the web application. </a:t>
+            </a:r>
+          </a:p>
+          <a:p>
+            <a:r>
+              <a:rPr lang="en-US" sz="1050" b="0" i="0" dirty="0">
+                <a:solidFill>
+                  <a:srgbClr val="D1D5DB"/>
+                </a:solidFill>
+                <a:effectLst/>
+                <a:latin typeface="Söhne"/>
+              </a:rPr>
+              <a:t>And its This continuous learning process that really sets it above manual methods </a:t>
+            </a:r>
+          </a:p>
+          <a:p>
+            <a:r>
+              <a:rPr lang="en-US" sz="1050" b="0" i="0" dirty="0">
+                <a:solidFill>
+                  <a:srgbClr val="D1D5DB"/>
+                </a:solidFill>
+                <a:effectLst/>
+                <a:latin typeface="Söhne"/>
+              </a:rPr>
+              <a:t>Because it allows it to automatically stay current with the application's changes and potential vulnerabilities</a:t>
+            </a:r>
             <a:endParaRPr lang="en-US" sz="800" dirty="0"/>
           </a:p>
           <a:p>
             <a:r>
               <a:rPr lang="en-US" sz="800" dirty="0"/>
-              <a:t>AI doesn't just stop at code; it also delves into the behavior of web applications. This includes a more dynamic analysis, where it can adapt to changing scenarios, identify anomalies, and detect potential threats. </a:t>
-            </a:r>
-          </a:p>
-          <a:p>
+              <a:t>Even if they are changing in real-time – unlike </a:t>
+            </a:r>
+            <a:r>
+              <a:rPr lang="en-US" sz="1050" b="0" i="0" dirty="0">
+                <a:solidFill>
+                  <a:srgbClr val="D1D5DB"/>
+                </a:solidFill>
+                <a:effectLst/>
+                <a:latin typeface="Söhne"/>
+              </a:rPr>
+              <a:t>Manual scanners that would require adjustments</a:t>
+            </a:r>
             <a:endParaRPr lang="en-US" sz="800" dirty="0"/>
           </a:p>
           <a:p>
-            <a:r>
-              <a:rPr lang="en-US" sz="800" dirty="0"/>
-              <a:t>It can dynamically analyze the behavior of web applications, including anomaly identification and threat detection</a:t>
-            </a:r>
+            <a:endParaRPr lang="en-US" sz="800" dirty="0"/>
+          </a:p>
+          <a:p>
+            <a:r>
+              <a:rPr lang="en-US" sz="1050" b="0" i="0" dirty="0">
+                <a:solidFill>
+                  <a:srgbClr val="D1D5DB"/>
+                </a:solidFill>
+                <a:effectLst/>
+                <a:latin typeface="Söhne"/>
+              </a:rPr>
+              <a:t>And With this continuous improvement, </a:t>
+            </a:r>
+          </a:p>
+          <a:p>
+            <a:r>
+              <a:rPr lang="en-US" sz="1050" b="0" i="0" dirty="0">
+                <a:solidFill>
+                  <a:srgbClr val="D1D5DB"/>
+                </a:solidFill>
+                <a:effectLst/>
+                <a:latin typeface="Söhne"/>
+              </a:rPr>
+              <a:t>AI refines its detection models over time. </a:t>
+            </a:r>
+          </a:p>
+          <a:p>
+            <a:r>
+              <a:rPr lang="en-US" sz="1050" b="0" i="0" dirty="0">
+                <a:solidFill>
+                  <a:srgbClr val="D1D5DB"/>
+                </a:solidFill>
+                <a:effectLst/>
+                <a:latin typeface="Söhne"/>
+              </a:rPr>
+              <a:t>It identifies false positives and negatives, </a:t>
+            </a:r>
+          </a:p>
+          <a:p>
+            <a:r>
+              <a:rPr lang="en-US" sz="1050" b="0" i="0" dirty="0">
+                <a:solidFill>
+                  <a:srgbClr val="D1D5DB"/>
+                </a:solidFill>
+                <a:effectLst/>
+                <a:latin typeface="Söhne"/>
+              </a:rPr>
+              <a:t>hones its ability to prioritize vulnerabilities, </a:t>
+            </a:r>
+          </a:p>
+          <a:p>
+            <a:r>
+              <a:rPr lang="en-US" sz="1050" b="0" i="0" dirty="0">
+                <a:solidFill>
+                  <a:srgbClr val="D1D5DB"/>
+                </a:solidFill>
+                <a:effectLst/>
+                <a:latin typeface="Söhne"/>
+              </a:rPr>
+              <a:t>and optimizes its detection algorithms. </a:t>
+            </a:r>
+          </a:p>
+          <a:p>
+            <a:r>
+              <a:rPr lang="en-US" sz="1050" b="0" i="0" dirty="0">
+                <a:solidFill>
+                  <a:srgbClr val="D1D5DB"/>
+                </a:solidFill>
+                <a:effectLst/>
+                <a:latin typeface="Söhne"/>
+              </a:rPr>
+              <a:t>This …iterative refinement… contributes to a more accurate and efficient scanning process.</a:t>
+            </a:r>
+            <a:endParaRPr lang="en-US" sz="800" dirty="0"/>
+          </a:p>
+          <a:p>
+            <a:endParaRPr lang="en-US" sz="800" dirty="0"/>
           </a:p>
           <a:p>
             <a:endParaRPr lang="en-US" sz="800" dirty="0"/>
@@ -20145,7 +26311,7 @@
                 <a:effectLst/>
                 <a:latin typeface="Söhne"/>
               </a:rPr>
-              <a:t> adopts more of  a crawling approach, where it navigates the web application like a user to identify risks. </a:t>
+              <a:t> adopts more of  a crawling approach, where it navigates the web application,</a:t>
             </a:r>
           </a:p>
           <a:p>
@@ -20157,47 +26323,7 @@
                 <a:effectLst/>
                 <a:latin typeface="Söhne"/>
               </a:rPr>
-              <a:t>while </a:t>
-            </a:r>
-            <a:r>
-              <a:rPr lang="en-US" sz="800" b="0" i="0" dirty="0" err="1">
-                <a:solidFill>
-                  <a:srgbClr val="ECECF1"/>
-                </a:solidFill>
-                <a:effectLst/>
-                <a:latin typeface="Söhne"/>
-              </a:rPr>
-              <a:t>Acunetix</a:t>
-            </a:r>
-            <a:r>
-              <a:rPr lang="en-US" sz="800" b="0" i="0" dirty="0">
-                <a:solidFill>
-                  <a:srgbClr val="ECECF1"/>
-                </a:solidFill>
-                <a:effectLst/>
-                <a:latin typeface="Söhne"/>
-              </a:rPr>
-              <a:t> employs </a:t>
-            </a:r>
-            <a:r>
-              <a:rPr lang="en-US" sz="800" b="0" i="0" dirty="0" err="1">
-                <a:solidFill>
-                  <a:srgbClr val="ECECF1"/>
-                </a:solidFill>
-                <a:effectLst/>
-                <a:latin typeface="Söhne"/>
-              </a:rPr>
-              <a:t>DeepScan</a:t>
-            </a:r>
-            <a:r>
-              <a:rPr lang="en-US" sz="800" b="0" i="0" dirty="0">
-                <a:solidFill>
-                  <a:srgbClr val="ECECF1"/>
-                </a:solidFill>
-                <a:effectLst/>
-                <a:latin typeface="Söhne"/>
-              </a:rPr>
-              <a:t> technology, going deeper to discover complex vulnerabilities that might be missed by traditional scanners, and emphasizes high accuracy. </a:t>
+              <a:t>By emulating a real user, In order to identify risks. </a:t>
             </a:r>
           </a:p>
           <a:p>
@@ -20211,6 +26337,16 @@
           </a:p>
           <a:p>
             <a:r>
+              <a:rPr lang="en-US" sz="800" b="0" i="0" dirty="0">
+                <a:solidFill>
+                  <a:srgbClr val="ECECF1"/>
+                </a:solidFill>
+                <a:effectLst/>
+                <a:latin typeface="Söhne"/>
+              </a:rPr>
+              <a:t>while </a:t>
+            </a:r>
+            <a:r>
               <a:rPr lang="en-US" sz="800" b="0" i="0" dirty="0" err="1">
                 <a:solidFill>
                   <a:srgbClr val="ECECF1"/>
@@ -20218,7 +26354,7 @@
                 <a:effectLst/>
                 <a:latin typeface="Söhne"/>
               </a:rPr>
-              <a:t>AppSpider</a:t>
+              <a:t>Acunetix</a:t>
             </a:r>
             <a:r>
               <a:rPr lang="en-US" sz="800" b="0" i="0" dirty="0">
@@ -20228,7 +26364,7 @@
                 <a:effectLst/>
                 <a:latin typeface="Söhne"/>
               </a:rPr>
-              <a:t> provides a comprehensive overview of security but leans towards developer-friendliness where </a:t>
+              <a:t> employs </a:t>
             </a:r>
             <a:r>
               <a:rPr lang="en-US" sz="800" b="0" i="0" dirty="0" err="1">
@@ -20238,6 +26374,40 @@
                 <a:effectLst/>
                 <a:latin typeface="Söhne"/>
               </a:rPr>
+              <a:t>DeepScan</a:t>
+            </a:r>
+            <a:r>
+              <a:rPr lang="en-US" sz="800" b="0" i="0" dirty="0">
+                <a:solidFill>
+                  <a:srgbClr val="ECECF1"/>
+                </a:solidFill>
+                <a:effectLst/>
+                <a:latin typeface="Söhne"/>
+              </a:rPr>
+              <a:t> technology, </a:t>
+            </a:r>
+          </a:p>
+          <a:p>
+            <a:r>
+              <a:rPr lang="en-US" sz="800" b="0" i="0" dirty="0">
+                <a:solidFill>
+                  <a:srgbClr val="ECECF1"/>
+                </a:solidFill>
+                <a:effectLst/>
+                <a:latin typeface="Söhne"/>
+              </a:rPr>
+              <a:t>Which goes deeper to discover complex vulnerabilities that might be missed by traditional scanners,.</a:t>
+            </a:r>
+          </a:p>
+          <a:p>
+            <a:r>
+              <a:rPr lang="en-US" sz="800" b="0" i="0" dirty="0" err="1">
+                <a:solidFill>
+                  <a:srgbClr val="ECECF1"/>
+                </a:solidFill>
+                <a:effectLst/>
+                <a:latin typeface="Söhne"/>
+              </a:rPr>
               <a:t>Acunetix</a:t>
             </a:r>
             <a:r>
@@ -20248,7 +26418,7 @@
                 <a:effectLst/>
                 <a:latin typeface="Söhne"/>
               </a:rPr>
-              <a:t> excels in automation, integration, and detailed reporting, so it’s a popular choice for not only security teams, but also developers. </a:t>
+              <a:t> particularly, is praised for its high accuracy. </a:t>
             </a:r>
           </a:p>
           <a:p>
@@ -20259,6 +26429,1082 @@
               <a:effectLst/>
               <a:latin typeface="Söhne"/>
             </a:endParaRPr>
+          </a:p>
+          <a:p>
+            <a:endParaRPr lang="en-US" sz="800" b="0" i="0" dirty="0">
+              <a:solidFill>
+                <a:srgbClr val="ECECF1"/>
+              </a:solidFill>
+              <a:effectLst/>
+              <a:latin typeface="Söhne"/>
+            </a:endParaRPr>
+          </a:p>
+          <a:p>
+            <a:r>
+              <a:rPr lang="en-US" sz="800" b="0" i="0" dirty="0" err="1">
+                <a:solidFill>
+                  <a:srgbClr val="ECECF1"/>
+                </a:solidFill>
+                <a:effectLst/>
+                <a:latin typeface="Söhne"/>
+              </a:rPr>
+              <a:t>AppSpider</a:t>
+            </a:r>
+            <a:r>
+              <a:rPr lang="en-US" sz="800" b="0" i="0" dirty="0">
+                <a:solidFill>
+                  <a:srgbClr val="ECECF1"/>
+                </a:solidFill>
+                <a:effectLst/>
+                <a:latin typeface="Söhne"/>
+              </a:rPr>
+              <a:t> uses ‘automated discovery techniques’ in order to identify and profile web applications,</a:t>
+            </a:r>
+          </a:p>
+          <a:p>
+            <a:r>
+              <a:rPr lang="en-US" sz="800" b="0" i="0" dirty="0">
+                <a:solidFill>
+                  <a:srgbClr val="ECECF1"/>
+                </a:solidFill>
+                <a:effectLst/>
+                <a:latin typeface="Söhne"/>
+              </a:rPr>
+              <a:t>For example, it uses dynamic crawling and heuristic analysis. </a:t>
+            </a:r>
+          </a:p>
+          <a:p>
+            <a:r>
+              <a:rPr lang="en-US" sz="800" b="0" i="0" dirty="0">
+                <a:solidFill>
+                  <a:srgbClr val="ECECF1"/>
+                </a:solidFill>
+                <a:effectLst/>
+                <a:latin typeface="Söhne"/>
+              </a:rPr>
+              <a:t>So When </a:t>
+            </a:r>
+            <a:r>
+              <a:rPr lang="en-US" sz="800" b="0" i="0" dirty="0" err="1">
+                <a:solidFill>
+                  <a:srgbClr val="ECECF1"/>
+                </a:solidFill>
+                <a:effectLst/>
+                <a:latin typeface="Söhne"/>
+              </a:rPr>
+              <a:t>AppSpider</a:t>
+            </a:r>
+            <a:r>
+              <a:rPr lang="en-US" sz="800" b="0" i="0" dirty="0">
+                <a:solidFill>
+                  <a:srgbClr val="ECECF1"/>
+                </a:solidFill>
+                <a:effectLst/>
+                <a:latin typeface="Söhne"/>
+              </a:rPr>
+              <a:t> scanning a web application, </a:t>
+            </a:r>
+          </a:p>
+          <a:p>
+            <a:r>
+              <a:rPr lang="en-US" sz="800" b="0" i="0" dirty="0">
+                <a:solidFill>
+                  <a:srgbClr val="ECECF1"/>
+                </a:solidFill>
+                <a:effectLst/>
+                <a:latin typeface="Söhne"/>
+              </a:rPr>
+              <a:t>it dynamically crawls through the application's pages,</a:t>
+            </a:r>
+          </a:p>
+          <a:p>
+            <a:r>
+              <a:rPr lang="en-US" sz="800" b="0" i="0" dirty="0">
+                <a:solidFill>
+                  <a:srgbClr val="ECECF1"/>
+                </a:solidFill>
+                <a:effectLst/>
+                <a:latin typeface="Söhne"/>
+              </a:rPr>
+              <a:t>And methodically explores every links and form. </a:t>
+            </a:r>
+          </a:p>
+          <a:p>
+            <a:r>
+              <a:rPr lang="en-US" sz="800" b="0" i="0" dirty="0">
+                <a:solidFill>
+                  <a:srgbClr val="ECECF1"/>
+                </a:solidFill>
+                <a:effectLst/>
+                <a:latin typeface="Söhne"/>
+              </a:rPr>
+              <a:t>And During this process, it intelligently outlines the structure and functionalities of the entire application.</a:t>
+            </a:r>
+          </a:p>
+          <a:p>
+            <a:endParaRPr lang="en-US" sz="800" b="0" i="0" dirty="0">
+              <a:solidFill>
+                <a:srgbClr val="ECECF1"/>
+              </a:solidFill>
+              <a:effectLst/>
+              <a:latin typeface="Söhne"/>
+            </a:endParaRPr>
+          </a:p>
+          <a:p>
+            <a:r>
+              <a:rPr lang="en-US" sz="800" b="0" i="0" dirty="0">
+                <a:solidFill>
+                  <a:srgbClr val="ECECF1"/>
+                </a:solidFill>
+                <a:effectLst/>
+                <a:latin typeface="Söhne"/>
+              </a:rPr>
+              <a:t>Basically, it </a:t>
+            </a:r>
+            <a:r>
+              <a:rPr lang="en-US" sz="1050" b="0" i="0" dirty="0">
+                <a:solidFill>
+                  <a:srgbClr val="D1D5DB"/>
+                </a:solidFill>
+                <a:effectLst/>
+                <a:latin typeface="Söhne"/>
+              </a:rPr>
+              <a:t>doesn't rely on pre-defined signatures alone; </a:t>
+            </a:r>
+          </a:p>
+          <a:p>
+            <a:r>
+              <a:rPr lang="en-US" sz="1050" b="0" i="0" dirty="0">
+                <a:solidFill>
+                  <a:srgbClr val="D1D5DB"/>
+                </a:solidFill>
+                <a:effectLst/>
+                <a:latin typeface="Söhne"/>
+              </a:rPr>
+              <a:t>But instead, it adapts to the application's behavior in real-time. </a:t>
+            </a:r>
+          </a:p>
+          <a:p>
+            <a:r>
+              <a:rPr lang="en-US" sz="1050" b="0" i="0" dirty="0">
+                <a:solidFill>
+                  <a:srgbClr val="D1D5DB"/>
+                </a:solidFill>
+                <a:effectLst/>
+                <a:latin typeface="Söhne"/>
+              </a:rPr>
+              <a:t>And because of This dynamic exploration,</a:t>
+            </a:r>
+          </a:p>
+          <a:p>
+            <a:r>
+              <a:rPr lang="en-US" sz="1050" b="0" i="0" dirty="0">
+                <a:solidFill>
+                  <a:srgbClr val="D1D5DB"/>
+                </a:solidFill>
+                <a:effectLst/>
+                <a:latin typeface="Söhne"/>
+              </a:rPr>
+              <a:t>It can surpass manual scanners and do things like</a:t>
+            </a:r>
+          </a:p>
+          <a:p>
+            <a:r>
+              <a:rPr lang="en-US" sz="1050" b="0" i="0" dirty="0">
+                <a:solidFill>
+                  <a:srgbClr val="D1D5DB"/>
+                </a:solidFill>
+                <a:effectLst/>
+                <a:latin typeface="Söhne"/>
+              </a:rPr>
+              <a:t>uncover hidden pages, </a:t>
+            </a:r>
+          </a:p>
+          <a:p>
+            <a:r>
+              <a:rPr lang="en-US" sz="1050" b="0" i="0" dirty="0">
+                <a:solidFill>
+                  <a:srgbClr val="D1D5DB"/>
+                </a:solidFill>
+                <a:effectLst/>
+                <a:latin typeface="Söhne"/>
+              </a:rPr>
+              <a:t>identify complex navigation paths, </a:t>
+            </a:r>
+          </a:p>
+          <a:p>
+            <a:r>
+              <a:rPr lang="en-US" sz="1050" b="0" i="0" dirty="0">
+                <a:solidFill>
+                  <a:srgbClr val="D1D5DB"/>
+                </a:solidFill>
+                <a:effectLst/>
+                <a:latin typeface="Söhne"/>
+              </a:rPr>
+              <a:t>and comprehensively profile the web application's attack surface. </a:t>
+            </a:r>
+          </a:p>
+          <a:p>
+            <a:endParaRPr lang="en-US" sz="1050" b="0" i="0" dirty="0">
+              <a:solidFill>
+                <a:srgbClr val="D1D5DB"/>
+              </a:solidFill>
+              <a:effectLst/>
+              <a:latin typeface="Söhne"/>
+            </a:endParaRPr>
+          </a:p>
+          <a:p>
+            <a:r>
+              <a:rPr lang="en-US" sz="1050" b="0" i="0" dirty="0">
+                <a:solidFill>
+                  <a:srgbClr val="D1D5DB"/>
+                </a:solidFill>
+                <a:effectLst/>
+                <a:latin typeface="Söhne"/>
+              </a:rPr>
+              <a:t>Essentially, </a:t>
+            </a:r>
+            <a:r>
+              <a:rPr lang="en-US" sz="1050" b="0" i="0" dirty="0" err="1">
+                <a:solidFill>
+                  <a:srgbClr val="D1D5DB"/>
+                </a:solidFill>
+                <a:effectLst/>
+                <a:latin typeface="Söhne"/>
+              </a:rPr>
+              <a:t>AppSpider</a:t>
+            </a:r>
+            <a:r>
+              <a:rPr lang="en-US" sz="1050" b="0" i="0" dirty="0">
+                <a:solidFill>
+                  <a:srgbClr val="D1D5DB"/>
+                </a:solidFill>
+                <a:effectLst/>
+                <a:latin typeface="Söhne"/>
+              </a:rPr>
+              <a:t> simulates the actions of a real user, </a:t>
+            </a:r>
+          </a:p>
+          <a:p>
+            <a:r>
+              <a:rPr lang="en-US" sz="1050" b="0" i="0" dirty="0">
+                <a:solidFill>
+                  <a:srgbClr val="D1D5DB"/>
+                </a:solidFill>
+                <a:effectLst/>
+                <a:latin typeface="Söhne"/>
+              </a:rPr>
+              <a:t>And interacts with the application to reveal vulnerabilities that might remain undiscovered through traditional, static analysis</a:t>
+            </a:r>
+          </a:p>
+          <a:p>
+            <a:endParaRPr lang="en-US" sz="1050" b="0" i="0" dirty="0">
+              <a:solidFill>
+                <a:srgbClr val="D1D5DB"/>
+              </a:solidFill>
+              <a:effectLst/>
+              <a:latin typeface="Söhne"/>
+            </a:endParaRPr>
+          </a:p>
+          <a:p>
+            <a:endParaRPr lang="en-US" sz="800" b="0" i="0" dirty="0">
+              <a:solidFill>
+                <a:srgbClr val="ECECF1"/>
+              </a:solidFill>
+              <a:effectLst/>
+              <a:latin typeface="Söhne"/>
+            </a:endParaRPr>
+          </a:p>
+          <a:p>
+            <a:r>
+              <a:rPr lang="en-US" sz="800" b="0" i="0" dirty="0">
+                <a:solidFill>
+                  <a:srgbClr val="ECECF1"/>
+                </a:solidFill>
+                <a:effectLst/>
+                <a:latin typeface="Söhne"/>
+              </a:rPr>
+              <a:t>And next is </a:t>
+            </a:r>
+            <a:r>
+              <a:rPr lang="en-US" sz="800" b="0" i="0" dirty="0" err="1">
+                <a:solidFill>
+                  <a:srgbClr val="ECECF1"/>
+                </a:solidFill>
+                <a:effectLst/>
+                <a:latin typeface="Söhne"/>
+              </a:rPr>
+              <a:t>Acunetix</a:t>
+            </a:r>
+            <a:r>
+              <a:rPr lang="en-US" sz="800" b="0" i="0" dirty="0">
+                <a:solidFill>
+                  <a:srgbClr val="ECECF1"/>
+                </a:solidFill>
+                <a:effectLst/>
+                <a:latin typeface="Söhne"/>
+              </a:rPr>
+              <a:t>, which </a:t>
+            </a:r>
+            <a:r>
+              <a:rPr lang="en-US" sz="800" b="0" i="0" dirty="0">
+                <a:solidFill>
+                  <a:srgbClr val="D1D5DB"/>
+                </a:solidFill>
+                <a:effectLst/>
+                <a:latin typeface="Söhne"/>
+              </a:rPr>
+              <a:t>goes beyond traditional crawling and scanning and</a:t>
+            </a:r>
+          </a:p>
+          <a:p>
+            <a:r>
+              <a:rPr lang="en-US" sz="800" b="0" i="0" dirty="0">
+                <a:solidFill>
+                  <a:srgbClr val="ECECF1"/>
+                </a:solidFill>
+                <a:effectLst/>
+                <a:latin typeface="Söhne"/>
+              </a:rPr>
+              <a:t>uses more advanced techniques to conduct the assessments. </a:t>
+            </a:r>
+          </a:p>
+          <a:p>
+            <a:pPr algn="l"/>
+            <a:r>
+              <a:rPr lang="en-US" sz="800" b="0" i="0" dirty="0">
+                <a:solidFill>
+                  <a:srgbClr val="ECECF1"/>
+                </a:solidFill>
+                <a:effectLst/>
+                <a:latin typeface="Söhne"/>
+              </a:rPr>
+              <a:t>One of which I mentioned, which is </a:t>
+            </a:r>
+            <a:r>
+              <a:rPr lang="en-US" sz="1050" b="1" i="0" dirty="0" err="1">
+                <a:solidFill>
+                  <a:srgbClr val="D1D5DB"/>
+                </a:solidFill>
+                <a:effectLst/>
+                <a:latin typeface="Söhne"/>
+              </a:rPr>
+              <a:t>DeepScan</a:t>
+            </a:r>
+            <a:r>
+              <a:rPr lang="en-US" sz="1050" b="1" i="0" dirty="0">
+                <a:solidFill>
+                  <a:srgbClr val="D1D5DB"/>
+                </a:solidFill>
+                <a:effectLst/>
+                <a:latin typeface="Söhne"/>
+              </a:rPr>
+              <a:t> Technology.</a:t>
+            </a:r>
+          </a:p>
+          <a:p>
+            <a:pPr algn="l"/>
+            <a:endParaRPr lang="en-US" sz="1050" b="0" i="0" dirty="0">
+              <a:solidFill>
+                <a:srgbClr val="D1D5DB"/>
+              </a:solidFill>
+              <a:effectLst/>
+              <a:latin typeface="Söhne"/>
+            </a:endParaRPr>
+          </a:p>
+          <a:p>
+            <a:pPr algn="l"/>
+            <a:r>
+              <a:rPr lang="en-US" sz="1050" b="0" i="0" dirty="0">
+                <a:solidFill>
+                  <a:srgbClr val="D1D5DB"/>
+                </a:solidFill>
+                <a:effectLst/>
+                <a:latin typeface="Söhne"/>
+              </a:rPr>
+              <a:t>so a lot of modern web applications, rely heavily on dynamic loading and content manipulation through JavaScript, </a:t>
+            </a:r>
+          </a:p>
+          <a:p>
+            <a:pPr algn="l"/>
+            <a:r>
+              <a:rPr lang="en-US" sz="1050" b="0" i="0" dirty="0">
+                <a:solidFill>
+                  <a:srgbClr val="D1D5DB"/>
+                </a:solidFill>
+                <a:effectLst/>
+                <a:latin typeface="Söhne"/>
+              </a:rPr>
+              <a:t>Which can be very difficult for manual scanners to navigate because they </a:t>
+            </a:r>
+            <a:r>
+              <a:rPr lang="en-US" sz="1400" b="0" i="0" dirty="0">
+                <a:solidFill>
+                  <a:srgbClr val="D1D5DB"/>
+                </a:solidFill>
+                <a:effectLst/>
+                <a:latin typeface="Söhne"/>
+              </a:rPr>
+              <a:t>struggle to effectively navigate and understand the complexities of this layout,</a:t>
+            </a:r>
+          </a:p>
+          <a:p>
+            <a:pPr algn="l"/>
+            <a:r>
+              <a:rPr lang="en-US" sz="1400" b="0" i="0" dirty="0">
+                <a:solidFill>
+                  <a:srgbClr val="D1D5DB"/>
+                </a:solidFill>
+                <a:effectLst/>
+                <a:latin typeface="Söhne"/>
+              </a:rPr>
+              <a:t>Since they often operate in a static manner and expect a more straightforward HTML structure.</a:t>
+            </a:r>
+          </a:p>
+          <a:p>
+            <a:pPr algn="l"/>
+            <a:endParaRPr lang="en-US" sz="1050" b="0" i="0" dirty="0">
+              <a:solidFill>
+                <a:srgbClr val="D1D5DB"/>
+              </a:solidFill>
+              <a:effectLst/>
+              <a:latin typeface="Söhne"/>
+            </a:endParaRPr>
+          </a:p>
+          <a:p>
+            <a:pPr algn="l"/>
+            <a:r>
+              <a:rPr lang="en-US" sz="1050" b="0" i="0" dirty="0">
+                <a:solidFill>
+                  <a:srgbClr val="D1D5DB"/>
+                </a:solidFill>
+                <a:effectLst/>
+                <a:latin typeface="Söhne"/>
+              </a:rPr>
+              <a:t>Well </a:t>
+            </a:r>
+            <a:r>
+              <a:rPr lang="en-US" sz="1050" b="0" i="0" dirty="0" err="1">
+                <a:solidFill>
+                  <a:srgbClr val="D1D5DB"/>
+                </a:solidFill>
+                <a:effectLst/>
+                <a:latin typeface="Söhne"/>
+              </a:rPr>
+              <a:t>deepscan</a:t>
+            </a:r>
+            <a:r>
+              <a:rPr lang="en-US" sz="1050" b="0" i="0" dirty="0">
+                <a:solidFill>
+                  <a:srgbClr val="D1D5DB"/>
+                </a:solidFill>
+                <a:effectLst/>
+                <a:latin typeface="Söhne"/>
+              </a:rPr>
+              <a:t> technology  excels in analyzing and interpreting JavaScript, </a:t>
+            </a:r>
+          </a:p>
+          <a:p>
+            <a:pPr algn="l"/>
+            <a:r>
+              <a:rPr lang="en-US" sz="1050" b="0" i="0" dirty="0">
+                <a:solidFill>
+                  <a:srgbClr val="D1D5DB"/>
+                </a:solidFill>
+                <a:effectLst/>
+                <a:latin typeface="Söhne"/>
+              </a:rPr>
+              <a:t>And is able to accurately detect vulnerabilities within single page applications and dynamically generated sites.</a:t>
+            </a:r>
+          </a:p>
+          <a:p>
+            <a:pPr algn="l"/>
+            <a:r>
+              <a:rPr lang="en-US" sz="1050" b="0" i="0" dirty="0">
+                <a:solidFill>
+                  <a:srgbClr val="D1D5DB"/>
+                </a:solidFill>
+                <a:effectLst/>
+                <a:latin typeface="Söhne"/>
+              </a:rPr>
+              <a:t>And it doesn’t just </a:t>
+            </a:r>
+            <a:r>
+              <a:rPr lang="en-US" sz="1400" b="0" i="0" dirty="0">
+                <a:solidFill>
+                  <a:srgbClr val="D1D5DB"/>
+                </a:solidFill>
+                <a:effectLst/>
+                <a:latin typeface="Söhne"/>
+              </a:rPr>
+              <a:t>crawl blindly; </a:t>
+            </a:r>
+          </a:p>
+          <a:p>
+            <a:pPr algn="l"/>
+            <a:r>
+              <a:rPr lang="en-US" sz="1400" b="0" i="0" dirty="0">
+                <a:solidFill>
+                  <a:srgbClr val="D1D5DB"/>
+                </a:solidFill>
+                <a:effectLst/>
+                <a:latin typeface="Söhne"/>
+              </a:rPr>
+              <a:t>it uses ai intelligence to comprehensively and systematically crawl of all parts of the application, including those hidden behind dynamic links or intricate user interactions.</a:t>
+            </a:r>
+            <a:endParaRPr lang="en-US" sz="1050" b="0" i="0" dirty="0">
+              <a:solidFill>
+                <a:srgbClr val="D1D5DB"/>
+              </a:solidFill>
+              <a:effectLst/>
+              <a:latin typeface="Söhne"/>
+            </a:endParaRPr>
+          </a:p>
+          <a:p>
+            <a:pPr algn="l"/>
+            <a:endParaRPr lang="en-US" sz="1050" b="0" i="0" dirty="0">
+              <a:solidFill>
+                <a:srgbClr val="D1D5DB"/>
+              </a:solidFill>
+              <a:effectLst/>
+              <a:latin typeface="Söhne"/>
+            </a:endParaRPr>
+          </a:p>
+          <a:p>
+            <a:pPr algn="l"/>
+            <a:r>
+              <a:rPr lang="en-US" sz="1050" b="0" i="0" dirty="0">
+                <a:solidFill>
+                  <a:srgbClr val="D1D5DB"/>
+                </a:solidFill>
+                <a:effectLst/>
+                <a:latin typeface="Söhne"/>
+              </a:rPr>
+              <a:t>Also, Many web applications require authentication for certain functionalities</a:t>
+            </a:r>
+          </a:p>
+          <a:p>
+            <a:pPr algn="l"/>
+            <a:r>
+              <a:rPr lang="en-US" sz="1400" b="0" i="0" dirty="0">
+                <a:solidFill>
+                  <a:srgbClr val="D1D5DB"/>
+                </a:solidFill>
+                <a:effectLst/>
+                <a:latin typeface="Söhne"/>
+              </a:rPr>
+              <a:t>For example, an e-commerce platform might require users to log in to make a purchase.</a:t>
+            </a:r>
+          </a:p>
+          <a:p>
+            <a:pPr algn="l"/>
+            <a:r>
+              <a:rPr lang="en-US" sz="2000" b="0" i="0" dirty="0">
+                <a:solidFill>
+                  <a:srgbClr val="D1D5DB"/>
+                </a:solidFill>
+                <a:effectLst/>
+                <a:latin typeface="Söhne"/>
+              </a:rPr>
+              <a:t>Well, Traditional scanners often struggle with handling authenticated sessions, </a:t>
+            </a:r>
+          </a:p>
+          <a:p>
+            <a:pPr algn="l"/>
+            <a:r>
+              <a:rPr lang="en-US" sz="2000" b="0" i="0" dirty="0">
+                <a:solidFill>
+                  <a:srgbClr val="D1D5DB"/>
+                </a:solidFill>
+                <a:effectLst/>
+                <a:latin typeface="Söhne"/>
+              </a:rPr>
+              <a:t>as they might not be able to navigate through </a:t>
+            </a:r>
+          </a:p>
+          <a:p>
+            <a:pPr algn="l"/>
+            <a:r>
+              <a:rPr lang="en-US" sz="2000" b="0" i="0" dirty="0">
+                <a:solidFill>
+                  <a:srgbClr val="D1D5DB"/>
+                </a:solidFill>
+                <a:effectLst/>
+                <a:latin typeface="Söhne"/>
+              </a:rPr>
+              <a:t>login forms, </a:t>
+            </a:r>
+          </a:p>
+          <a:p>
+            <a:pPr algn="l"/>
+            <a:r>
+              <a:rPr lang="en-US" sz="2000" b="0" i="0" dirty="0">
+                <a:solidFill>
+                  <a:srgbClr val="D1D5DB"/>
+                </a:solidFill>
+                <a:effectLst/>
+                <a:latin typeface="Söhne"/>
+              </a:rPr>
+              <a:t>maintain session states, </a:t>
+            </a:r>
+          </a:p>
+          <a:p>
+            <a:pPr algn="l"/>
+            <a:endParaRPr lang="en-US" sz="2000" b="0" i="0" dirty="0">
+              <a:solidFill>
+                <a:srgbClr val="D1D5DB"/>
+              </a:solidFill>
+              <a:effectLst/>
+              <a:latin typeface="Söhne"/>
+            </a:endParaRPr>
+          </a:p>
+          <a:p>
+            <a:pPr algn="l"/>
+            <a:r>
+              <a:rPr lang="en-US" sz="2000" b="0" i="0" dirty="0">
+                <a:solidFill>
+                  <a:srgbClr val="D1D5DB"/>
+                </a:solidFill>
+                <a:effectLst/>
+                <a:latin typeface="Söhne"/>
+              </a:rPr>
+              <a:t> c</a:t>
+            </a:r>
+            <a:endParaRPr lang="en-US" sz="1400" b="0" i="0" dirty="0">
+              <a:solidFill>
+                <a:srgbClr val="D1D5DB"/>
+              </a:solidFill>
+              <a:effectLst/>
+              <a:latin typeface="Söhne"/>
+            </a:endParaRPr>
+          </a:p>
+          <a:p>
+            <a:pPr algn="l"/>
+            <a:r>
+              <a:rPr lang="en-US" sz="1050" b="0" i="0" dirty="0">
+                <a:solidFill>
+                  <a:srgbClr val="D1D5DB"/>
+                </a:solidFill>
+                <a:effectLst/>
+                <a:latin typeface="Söhne"/>
+              </a:rPr>
+              <a:t>but, </a:t>
+            </a:r>
+            <a:r>
+              <a:rPr lang="en-US" sz="1050" b="0" i="0" dirty="0" err="1">
+                <a:solidFill>
+                  <a:srgbClr val="D1D5DB"/>
+                </a:solidFill>
+                <a:effectLst/>
+                <a:latin typeface="Söhne"/>
+              </a:rPr>
+              <a:t>DeepScan</a:t>
+            </a:r>
+            <a:r>
+              <a:rPr lang="en-US" sz="1050" b="0" i="0" dirty="0">
+                <a:solidFill>
+                  <a:srgbClr val="D1D5DB"/>
+                </a:solidFill>
+                <a:effectLst/>
+                <a:latin typeface="Söhne"/>
+              </a:rPr>
+              <a:t> can handle these sessions intelligently, </a:t>
+            </a:r>
+          </a:p>
+          <a:p>
+            <a:pPr algn="l"/>
+            <a:r>
+              <a:rPr lang="en-US" sz="1050" b="0" i="0" dirty="0">
+                <a:solidFill>
+                  <a:srgbClr val="D1D5DB"/>
+                </a:solidFill>
+                <a:effectLst/>
+                <a:latin typeface="Söhne"/>
+              </a:rPr>
+              <a:t>And allow for authenticated scans that mirror real-world scenarios</a:t>
+            </a:r>
+          </a:p>
+          <a:p>
+            <a:pPr marL="0" indent="0" algn="l">
+              <a:buFont typeface="Arial" panose="020B0604020202020204" pitchFamily="34" charset="0"/>
+              <a:buNone/>
+            </a:pPr>
+            <a:r>
+              <a:rPr lang="en-US" sz="1050" b="0" i="0" dirty="0">
+                <a:solidFill>
+                  <a:srgbClr val="D1D5DB"/>
+                </a:solidFill>
+                <a:effectLst/>
+                <a:latin typeface="Söhne"/>
+              </a:rPr>
+              <a:t>For example, it can </a:t>
+            </a:r>
+            <a:r>
+              <a:rPr lang="en-US" sz="800" b="0" i="0" dirty="0" err="1">
+                <a:solidFill>
+                  <a:srgbClr val="D1D5DB"/>
+                </a:solidFill>
+                <a:effectLst/>
+                <a:latin typeface="Söhne"/>
+              </a:rPr>
+              <a:t>Handg</a:t>
+            </a:r>
+            <a:r>
+              <a:rPr lang="en-US" sz="800" b="0" i="0" dirty="0">
+                <a:solidFill>
+                  <a:srgbClr val="D1D5DB"/>
+                </a:solidFill>
+                <a:effectLst/>
+                <a:latin typeface="Söhne"/>
+              </a:rPr>
+              <a:t> the login process, </a:t>
+            </a:r>
+          </a:p>
+          <a:p>
+            <a:pPr marL="0" indent="0" algn="l">
+              <a:buFont typeface="Arial" panose="020B0604020202020204" pitchFamily="34" charset="0"/>
+              <a:buNone/>
+            </a:pPr>
+            <a:r>
+              <a:rPr lang="en-US" sz="800" b="0" i="0" dirty="0">
+                <a:solidFill>
+                  <a:srgbClr val="D1D5DB"/>
+                </a:solidFill>
+                <a:effectLst/>
+                <a:latin typeface="Söhne"/>
+              </a:rPr>
+              <a:t>Manage session cookies, </a:t>
+            </a:r>
+          </a:p>
+          <a:p>
+            <a:pPr marL="0" indent="0" algn="l">
+              <a:buFont typeface="Arial" panose="020B0604020202020204" pitchFamily="34" charset="0"/>
+              <a:buNone/>
+            </a:pPr>
+            <a:r>
+              <a:rPr lang="en-US" sz="800" b="0" i="0" dirty="0">
+                <a:solidFill>
+                  <a:srgbClr val="D1D5DB"/>
+                </a:solidFill>
+                <a:effectLst/>
+                <a:latin typeface="Söhne"/>
+              </a:rPr>
+              <a:t>and then navigate through the  authenticated areas</a:t>
+            </a:r>
+          </a:p>
+          <a:p>
+            <a:pPr marL="0" indent="0" algn="l">
+              <a:buFont typeface="Arial" panose="020B0604020202020204" pitchFamily="34" charset="0"/>
+              <a:buNone/>
+            </a:pPr>
+            <a:endParaRPr lang="en-US" sz="800" b="0" i="0" dirty="0">
+              <a:solidFill>
+                <a:srgbClr val="D1D5DB"/>
+              </a:solidFill>
+              <a:effectLst/>
+              <a:latin typeface="Söhne"/>
+            </a:endParaRPr>
+          </a:p>
+          <a:p>
+            <a:pPr marL="0" indent="0" algn="l">
+              <a:buFont typeface="Arial" panose="020B0604020202020204" pitchFamily="34" charset="0"/>
+              <a:buNone/>
+            </a:pPr>
+            <a:r>
+              <a:rPr lang="en-US" sz="800" b="0" i="0" dirty="0">
+                <a:solidFill>
+                  <a:srgbClr val="D1D5DB"/>
+                </a:solidFill>
+                <a:effectLst/>
+                <a:latin typeface="Söhne"/>
+              </a:rPr>
+              <a:t>But its more than just a crawler, it also interacts with the application.</a:t>
+            </a:r>
+          </a:p>
+          <a:p>
+            <a:pPr marL="0" indent="0" algn="l">
+              <a:buFont typeface="Arial" panose="020B0604020202020204" pitchFamily="34" charset="0"/>
+              <a:buNone/>
+            </a:pPr>
+            <a:r>
+              <a:rPr lang="en-US" sz="800" b="0" i="0" dirty="0">
+                <a:solidFill>
+                  <a:srgbClr val="D1D5DB"/>
+                </a:solidFill>
+                <a:effectLst/>
+                <a:latin typeface="Söhne"/>
+              </a:rPr>
+              <a:t>This includes submitting forms and clicking buttons.</a:t>
+            </a:r>
+          </a:p>
+          <a:p>
+            <a:pPr marL="0" indent="0" algn="l">
+              <a:buFont typeface="Arial" panose="020B0604020202020204" pitchFamily="34" charset="0"/>
+              <a:buNone/>
+            </a:pPr>
+            <a:r>
+              <a:rPr lang="en-US" sz="800" b="0" i="0" dirty="0">
+                <a:solidFill>
+                  <a:srgbClr val="D1D5DB"/>
+                </a:solidFill>
+                <a:effectLst/>
+                <a:latin typeface="Söhne"/>
+              </a:rPr>
+              <a:t>Its this ability to replicate real user interactions that makes it so well regarded for its accuracy</a:t>
+            </a:r>
+            <a:endParaRPr lang="en-US" sz="1050" b="0" i="0" dirty="0">
+              <a:solidFill>
+                <a:srgbClr val="D1D5DB"/>
+              </a:solidFill>
+              <a:effectLst/>
+              <a:latin typeface="Söhne"/>
+            </a:endParaRPr>
+          </a:p>
+          <a:p>
+            <a:pPr algn="l"/>
+            <a:endParaRPr lang="en-US" sz="1050" b="0" i="0" dirty="0">
+              <a:solidFill>
+                <a:srgbClr val="D1D5DB"/>
+              </a:solidFill>
+              <a:effectLst/>
+              <a:latin typeface="Söhne"/>
+            </a:endParaRPr>
+          </a:p>
+          <a:p>
+            <a:pPr algn="l"/>
+            <a:endParaRPr lang="en-US" sz="1050" b="0" i="0" dirty="0">
+              <a:solidFill>
+                <a:srgbClr val="D1D5DB"/>
+              </a:solidFill>
+              <a:effectLst/>
+              <a:latin typeface="Söhne"/>
+            </a:endParaRPr>
+          </a:p>
+          <a:p>
+            <a:pPr algn="l"/>
+            <a:r>
+              <a:rPr lang="en-US" sz="1050" b="0" i="0" dirty="0">
+                <a:solidFill>
+                  <a:srgbClr val="D1D5DB"/>
+                </a:solidFill>
+                <a:effectLst/>
+                <a:latin typeface="Söhne"/>
+              </a:rPr>
+              <a:t>And lastly, </a:t>
+            </a:r>
+            <a:r>
+              <a:rPr lang="en-US" sz="1050" b="0" i="0" dirty="0" err="1">
+                <a:solidFill>
+                  <a:srgbClr val="D1D5DB"/>
+                </a:solidFill>
+                <a:effectLst/>
+                <a:latin typeface="Söhne"/>
+              </a:rPr>
+              <a:t>DeepScan</a:t>
+            </a:r>
+            <a:r>
+              <a:rPr lang="en-US" sz="1050" b="0" i="0" dirty="0">
+                <a:solidFill>
+                  <a:srgbClr val="D1D5DB"/>
+                </a:solidFill>
+                <a:effectLst/>
+                <a:latin typeface="Söhne"/>
+              </a:rPr>
+              <a:t> can detect something called </a:t>
+            </a:r>
+            <a:r>
+              <a:rPr lang="en-US" sz="1400" b="0" i="0" dirty="0">
+                <a:solidFill>
+                  <a:srgbClr val="D1D5DB"/>
+                </a:solidFill>
+                <a:effectLst/>
+                <a:latin typeface="Söhne"/>
+              </a:rPr>
+              <a:t>out-of-band vulnerabilities, </a:t>
+            </a:r>
+          </a:p>
+          <a:p>
+            <a:pPr algn="l"/>
+            <a:r>
+              <a:rPr lang="en-US" sz="1400" b="0" i="0" dirty="0">
+                <a:solidFill>
+                  <a:srgbClr val="D1D5DB"/>
+                </a:solidFill>
+                <a:effectLst/>
+                <a:latin typeface="Söhne"/>
+              </a:rPr>
+              <a:t>Which are a class of vulnerabilities that might not manifest immediately but have delayed or indirect impacts. </a:t>
+            </a:r>
+          </a:p>
+          <a:p>
+            <a:pPr algn="l"/>
+            <a:r>
+              <a:rPr lang="en-US" sz="1400" b="0" i="0" dirty="0">
+                <a:solidFill>
+                  <a:srgbClr val="D1D5DB"/>
+                </a:solidFill>
+                <a:effectLst/>
+                <a:latin typeface="Söhne"/>
+              </a:rPr>
+              <a:t>And it might do this by injecting payloads that, when triggered by the application, communicate with an external server controlled by the scanner. </a:t>
+            </a:r>
+          </a:p>
+          <a:p>
+            <a:pPr algn="l"/>
+            <a:r>
+              <a:rPr lang="en-US" sz="1400" b="0" i="0" dirty="0">
+                <a:solidFill>
+                  <a:srgbClr val="D1D5DB"/>
+                </a:solidFill>
+                <a:effectLst/>
+                <a:latin typeface="Söhne"/>
+              </a:rPr>
+              <a:t>So By carefully analyzing the timing and nature of these interactions, </a:t>
+            </a:r>
+          </a:p>
+          <a:p>
+            <a:pPr algn="l"/>
+            <a:r>
+              <a:rPr lang="en-US" sz="1400" b="0" i="0" dirty="0" err="1">
+                <a:solidFill>
+                  <a:srgbClr val="D1D5DB"/>
+                </a:solidFill>
+                <a:effectLst/>
+                <a:latin typeface="Söhne"/>
+              </a:rPr>
+              <a:t>DeepScan</a:t>
+            </a:r>
+            <a:r>
+              <a:rPr lang="en-US" sz="1400" b="0" i="0" dirty="0">
+                <a:solidFill>
+                  <a:srgbClr val="D1D5DB"/>
+                </a:solidFill>
+                <a:effectLst/>
+                <a:latin typeface="Söhne"/>
+              </a:rPr>
+              <a:t> can detect vulnerabilities that might not be immediately apparent but have potential delayed or indirect consequences.</a:t>
+            </a:r>
+            <a:endParaRPr lang="en-US" sz="1050" b="0" i="0" dirty="0">
+              <a:solidFill>
+                <a:srgbClr val="D1D5DB"/>
+              </a:solidFill>
+              <a:effectLst/>
+              <a:latin typeface="Söhne"/>
+            </a:endParaRPr>
+          </a:p>
+          <a:p>
+            <a:endParaRPr lang="en-US" sz="800" b="0" i="0" dirty="0">
+              <a:solidFill>
+                <a:srgbClr val="ECECF1"/>
+              </a:solidFill>
+              <a:effectLst/>
+              <a:latin typeface="Söhne"/>
+            </a:endParaRPr>
+          </a:p>
+          <a:p>
+            <a:endParaRPr lang="en-US" sz="800" b="0" i="0" dirty="0">
+              <a:solidFill>
+                <a:srgbClr val="ECECF1"/>
+              </a:solidFill>
+              <a:effectLst/>
+              <a:latin typeface="Söhne"/>
+            </a:endParaRPr>
+          </a:p>
+          <a:p>
+            <a:endParaRPr lang="en-US" sz="800" b="0" i="0" dirty="0">
+              <a:solidFill>
+                <a:srgbClr val="ECECF1"/>
+              </a:solidFill>
+              <a:effectLst/>
+              <a:latin typeface="Söhne"/>
+            </a:endParaRPr>
+          </a:p>
+          <a:p>
+            <a:endParaRPr lang="en-US" sz="800" b="0" i="0" dirty="0">
+              <a:solidFill>
+                <a:srgbClr val="ECECF1"/>
+              </a:solidFill>
+              <a:effectLst/>
+              <a:latin typeface="Söhne"/>
+            </a:endParaRPr>
+          </a:p>
+          <a:p>
+            <a:endParaRPr lang="en-US" sz="800" b="0" i="0" dirty="0">
+              <a:solidFill>
+                <a:srgbClr val="ECECF1"/>
+              </a:solidFill>
+              <a:effectLst/>
+              <a:latin typeface="Söhne"/>
+            </a:endParaRPr>
+          </a:p>
+          <a:p>
+            <a:endParaRPr lang="en-US" sz="800" b="0" i="0" dirty="0">
+              <a:solidFill>
+                <a:srgbClr val="ECECF1"/>
+              </a:solidFill>
+              <a:effectLst/>
+              <a:latin typeface="Söhne"/>
+            </a:endParaRPr>
+          </a:p>
+          <a:p>
+            <a:endParaRPr lang="en-US" sz="800" b="0" i="0" dirty="0">
+              <a:solidFill>
+                <a:srgbClr val="ECECF1"/>
+              </a:solidFill>
+              <a:effectLst/>
+              <a:latin typeface="Söhne"/>
+            </a:endParaRPr>
+          </a:p>
+          <a:p>
+            <a:endParaRPr lang="en-US" sz="800" b="0" i="0" dirty="0">
+              <a:solidFill>
+                <a:srgbClr val="ECECF1"/>
+              </a:solidFill>
+              <a:effectLst/>
+              <a:latin typeface="Söhne"/>
+            </a:endParaRPr>
+          </a:p>
+          <a:p>
+            <a:r>
+              <a:rPr lang="en-US" sz="800" b="0" i="0" dirty="0" err="1">
+                <a:solidFill>
+                  <a:srgbClr val="ECECF1"/>
+                </a:solidFill>
+                <a:effectLst/>
+                <a:latin typeface="Söhne"/>
+              </a:rPr>
+              <a:t>AppSpider</a:t>
+            </a:r>
+            <a:r>
+              <a:rPr lang="en-US" sz="800" b="0" i="0" dirty="0">
+                <a:solidFill>
+                  <a:srgbClr val="ECECF1"/>
+                </a:solidFill>
+                <a:effectLst/>
+                <a:latin typeface="Söhne"/>
+              </a:rPr>
+              <a:t> provides a comprehensive overview of security but leans towards developer-friendliness where </a:t>
+            </a:r>
+            <a:r>
+              <a:rPr lang="en-US" sz="800" b="0" i="0" dirty="0" err="1">
+                <a:solidFill>
+                  <a:srgbClr val="ECECF1"/>
+                </a:solidFill>
+                <a:effectLst/>
+                <a:latin typeface="Söhne"/>
+              </a:rPr>
+              <a:t>Acunetix</a:t>
+            </a:r>
+            <a:r>
+              <a:rPr lang="en-US" sz="800" b="0" i="0" dirty="0">
+                <a:solidFill>
+                  <a:srgbClr val="ECECF1"/>
+                </a:solidFill>
+                <a:effectLst/>
+                <a:latin typeface="Söhne"/>
+              </a:rPr>
+              <a:t> excels in automation, integration, and detailed reporting, so it’s a popular choice for not only security teams, but also developers. </a:t>
+            </a:r>
           </a:p>
         </p:txBody>
       </p:sp>
@@ -20461,7 +27707,7 @@
           <a:p>
             <a:fld id="{C6D140C1-BE5D-4B82-BB29-AF3DE1853537}" type="datetimeFigureOut">
               <a:rPr lang="en-US" smtClean="0"/>
-              <a:t>11/28/2023</a:t>
+              <a:t>11/30/2023</a:t>
             </a:fld>
             <a:endParaRPr lang="en-US"/>
           </a:p>
@@ -20631,7 +27877,7 @@
           <a:p>
             <a:fld id="{C6D140C1-BE5D-4B82-BB29-AF3DE1853537}" type="datetimeFigureOut">
               <a:rPr lang="en-US" smtClean="0"/>
-              <a:t>11/28/2023</a:t>
+              <a:t>11/30/2023</a:t>
             </a:fld>
             <a:endParaRPr lang="en-US"/>
           </a:p>
@@ -20811,7 +28057,7 @@
           <a:p>
             <a:fld id="{C6D140C1-BE5D-4B82-BB29-AF3DE1853537}" type="datetimeFigureOut">
               <a:rPr lang="en-US" smtClean="0"/>
-              <a:t>11/28/2023</a:t>
+              <a:t>11/30/2023</a:t>
             </a:fld>
             <a:endParaRPr lang="en-US"/>
           </a:p>
@@ -20981,7 +28227,7 @@
           <a:p>
             <a:fld id="{C6D140C1-BE5D-4B82-BB29-AF3DE1853537}" type="datetimeFigureOut">
               <a:rPr lang="en-US" smtClean="0"/>
-              <a:t>11/28/2023</a:t>
+              <a:t>11/30/2023</a:t>
             </a:fld>
             <a:endParaRPr lang="en-US"/>
           </a:p>
@@ -21249,7 +28495,7 @@
           <a:p>
             <a:fld id="{C6D140C1-BE5D-4B82-BB29-AF3DE1853537}" type="datetimeFigureOut">
               <a:rPr lang="en-US" smtClean="0"/>
-              <a:t>11/28/2023</a:t>
+              <a:t>11/30/2023</a:t>
             </a:fld>
             <a:endParaRPr lang="en-US"/>
           </a:p>
@@ -21481,7 +28727,7 @@
           <a:p>
             <a:fld id="{C6D140C1-BE5D-4B82-BB29-AF3DE1853537}" type="datetimeFigureOut">
               <a:rPr lang="en-US" smtClean="0"/>
-              <a:t>11/28/2023</a:t>
+              <a:t>11/30/2023</a:t>
             </a:fld>
             <a:endParaRPr lang="en-US"/>
           </a:p>
@@ -21840,7 +29086,7 @@
           <a:p>
             <a:fld id="{C6D140C1-BE5D-4B82-BB29-AF3DE1853537}" type="datetimeFigureOut">
               <a:rPr lang="en-US" smtClean="0"/>
-              <a:t>11/28/2023</a:t>
+              <a:t>11/30/2023</a:t>
             </a:fld>
             <a:endParaRPr lang="en-US"/>
           </a:p>
@@ -21981,7 +29227,7 @@
           <a:p>
             <a:fld id="{C6D140C1-BE5D-4B82-BB29-AF3DE1853537}" type="datetimeFigureOut">
               <a:rPr lang="en-US" smtClean="0"/>
-              <a:t>11/28/2023</a:t>
+              <a:t>11/30/2023</a:t>
             </a:fld>
             <a:endParaRPr lang="en-US"/>
           </a:p>
@@ -22076,7 +29322,7 @@
           <a:p>
             <a:fld id="{C6D140C1-BE5D-4B82-BB29-AF3DE1853537}" type="datetimeFigureOut">
               <a:rPr lang="en-US" smtClean="0"/>
-              <a:t>11/28/2023</a:t>
+              <a:t>11/30/2023</a:t>
             </a:fld>
             <a:endParaRPr lang="en-US"/>
           </a:p>
@@ -22433,7 +29679,7 @@
           <a:p>
             <a:fld id="{C6D140C1-BE5D-4B82-BB29-AF3DE1853537}" type="datetimeFigureOut">
               <a:rPr lang="en-US" smtClean="0"/>
-              <a:t>11/28/2023</a:t>
+              <a:t>11/30/2023</a:t>
             </a:fld>
             <a:endParaRPr lang="en-US"/>
           </a:p>
@@ -22790,7 +30036,7 @@
           <a:p>
             <a:fld id="{C6D140C1-BE5D-4B82-BB29-AF3DE1853537}" type="datetimeFigureOut">
               <a:rPr lang="en-US" smtClean="0"/>
-              <a:t>11/28/2023</a:t>
+              <a:t>11/30/2023</a:t>
             </a:fld>
             <a:endParaRPr lang="en-US"/>
           </a:p>
@@ -23032,7 +30278,7 @@
           <a:p>
             <a:fld id="{C6D140C1-BE5D-4B82-BB29-AF3DE1853537}" type="datetimeFigureOut">
               <a:rPr lang="en-US" smtClean="0"/>
-              <a:t>11/28/2023</a:t>
+              <a:t>11/30/2023</a:t>
             </a:fld>
             <a:endParaRPr lang="en-US"/>
           </a:p>
